--- a/GIT-prezentacja.pptx
+++ b/GIT-prezentacja.pptx
@@ -142,6 +142,9 @@
         </p15:guide>
       </p15:sldGuideLst>
     </p:ext>
+    <p:ext uri="{2D200454-40CA-4A62-9FC3-DE9A4176ACB9}">
+      <p15:notesGuideLst xmlns:p15="http://schemas.microsoft.com/office/powerpoint/2012/main"/>
+    </p:ext>
   </p:extLst>
 </p:presentation>
 </file>
@@ -159,7 +162,7 @@
   <pc:docChgLst>
     <pc:chgData name="Kantorska Krystyna" userId="3723c91c-ac7e-41a7-97bb-0f7068af699c" providerId="ADAL" clId="{2E0E2B14-ECC8-4DAF-9346-16E104387F04}"/>
     <pc:docChg chg="undo custSel addSld delSld modSld sldOrd modNotesMaster modHandout">
-      <pc:chgData name="Kantorska Krystyna" userId="3723c91c-ac7e-41a7-97bb-0f7068af699c" providerId="ADAL" clId="{2E0E2B14-ECC8-4DAF-9346-16E104387F04}" dt="2025-04-17T10:30:11.851" v="3814"/>
+      <pc:chgData name="Kantorska Krystyna" userId="3723c91c-ac7e-41a7-97bb-0f7068af699c" providerId="ADAL" clId="{2E0E2B14-ECC8-4DAF-9346-16E104387F04}" dt="2025-04-23T10:30:11.425" v="3816" actId="403"/>
       <pc:docMkLst>
         <pc:docMk/>
       </pc:docMkLst>
@@ -179,7 +182,7 @@
         </pc:spChg>
       </pc:sldChg>
       <pc:sldChg chg="addSp delSp modSp mod">
-        <pc:chgData name="Kantorska Krystyna" userId="3723c91c-ac7e-41a7-97bb-0f7068af699c" providerId="ADAL" clId="{2E0E2B14-ECC8-4DAF-9346-16E104387F04}" dt="2025-04-17T10:30:11.851" v="3814"/>
+        <pc:chgData name="Kantorska Krystyna" userId="3723c91c-ac7e-41a7-97bb-0f7068af699c" providerId="ADAL" clId="{2E0E2B14-ECC8-4DAF-9346-16E104387F04}" dt="2025-04-23T10:30:11.425" v="3816" actId="403"/>
         <pc:sldMkLst>
           <pc:docMk/>
           <pc:sldMk cId="3377707279" sldId="258"/>
@@ -201,7 +204,7 @@
           </ac:spMkLst>
         </pc:spChg>
         <pc:spChg chg="mod">
-          <ac:chgData name="Kantorska Krystyna" userId="3723c91c-ac7e-41a7-97bb-0f7068af699c" providerId="ADAL" clId="{2E0E2B14-ECC8-4DAF-9346-16E104387F04}" dt="2025-04-16T08:43:48.532" v="2100" actId="20577"/>
+          <ac:chgData name="Kantorska Krystyna" userId="3723c91c-ac7e-41a7-97bb-0f7068af699c" providerId="ADAL" clId="{2E0E2B14-ECC8-4DAF-9346-16E104387F04}" dt="2025-04-23T10:30:11.425" v="3816" actId="403"/>
           <ac:spMkLst>
             <pc:docMk/>
             <pc:sldMk cId="3377707279" sldId="258"/>
@@ -2047,7 +2050,7 @@
           <a:p>
             <a:fld id="{955BD558-88E3-4A0D-9DF0-F26577586B0C}" type="datetimeFigureOut">
               <a:rPr lang="pl-PL" smtClean="0"/>
-              <a:t>2025-04-17</a:t>
+              <a:t>2025-04-23</a:t>
             </a:fld>
             <a:endParaRPr lang="pl-PL"/>
           </a:p>
@@ -2225,7 +2228,7 @@
           <a:p>
             <a:fld id="{19C43180-B5B9-4DAD-ABBE-F77A099AFA77}" type="datetimeFigureOut">
               <a:rPr lang="pl-PL" smtClean="0"/>
-              <a:t>2025-04-17</a:t>
+              <a:t>2025-04-23</a:t>
             </a:fld>
             <a:endParaRPr lang="pl-PL"/>
           </a:p>
@@ -2769,7 +2772,7 @@
           <a:p>
             <a:fld id="{8DCE3C72-FDE3-41B2-A00D-266B2A9525C0}" type="datetime1">
               <a:rPr lang="pl-PL" smtClean="0"/>
-              <a:t>2025-04-17</a:t>
+              <a:t>2025-04-23</a:t>
             </a:fld>
             <a:endParaRPr lang="pl-PL"/>
           </a:p>
@@ -7153,7 +7156,7 @@
           <a:p>
             <a:fld id="{5A331841-5325-4870-B33B-6CCBCD1042EB}" type="datetime1">
               <a:rPr lang="pl-PL" smtClean="0"/>
-              <a:t>2025-04-17</a:t>
+              <a:t>2025-04-23</a:t>
             </a:fld>
             <a:endParaRPr lang="pl-PL"/>
           </a:p>
@@ -7466,7 +7469,7 @@
           <a:p>
             <a:fld id="{F135C8E2-C8D2-4EC9-9365-5EE4527E105E}" type="datetime1">
               <a:rPr lang="pl-PL" smtClean="0"/>
-              <a:t>2025-04-17</a:t>
+              <a:t>2025-04-23</a:t>
             </a:fld>
             <a:endParaRPr lang="pl-PL"/>
           </a:p>
@@ -7789,7 +7792,7 @@
           <a:p>
             <a:fld id="{D6331860-1BC4-4540-B189-E3322A711417}" type="datetime1">
               <a:rPr lang="pl-PL" smtClean="0"/>
-              <a:t>2025-04-17</a:t>
+              <a:t>2025-04-23</a:t>
             </a:fld>
             <a:endParaRPr lang="pl-PL"/>
           </a:p>
@@ -8089,7 +8092,7 @@
           <a:p>
             <a:fld id="{98387019-508C-4FD0-BD10-C3E14406F516}" type="datetime1">
               <a:rPr lang="pl-PL" smtClean="0"/>
-              <a:t>2025-04-17</a:t>
+              <a:t>2025-04-23</a:t>
             </a:fld>
             <a:endParaRPr lang="pl-PL"/>
           </a:p>
@@ -8296,7 +8299,7 @@
           <a:p>
             <a:fld id="{2508613F-385B-42ED-B8D6-2ABC5C87347D}" type="datetime1">
               <a:rPr lang="pl-PL" smtClean="0"/>
-              <a:t>2025-04-17</a:t>
+              <a:t>2025-04-23</a:t>
             </a:fld>
             <a:endParaRPr lang="pl-PL"/>
           </a:p>
@@ -8491,7 +8494,7 @@
           <a:p>
             <a:fld id="{F34C0D48-41C2-49C4-BC65-0CE445189CD5}" type="datetime1">
               <a:rPr lang="pl-PL" smtClean="0"/>
-              <a:t>2025-04-17</a:t>
+              <a:t>2025-04-23</a:t>
             </a:fld>
             <a:endParaRPr lang="pl-PL"/>
           </a:p>
@@ -8752,7 +8755,7 @@
           <a:p>
             <a:fld id="{894DC83B-7837-4C4E-8499-D7630D6C8E8A}" type="datetime1">
               <a:rPr lang="pl-PL" smtClean="0"/>
-              <a:t>2025-04-17</a:t>
+              <a:t>2025-04-23</a:t>
             </a:fld>
             <a:endParaRPr lang="pl-PL"/>
           </a:p>
@@ -9036,7 +9039,7 @@
           <a:p>
             <a:fld id="{51AF11C9-C879-4A6E-A50D-B9F867FAFA17}" type="datetime1">
               <a:rPr lang="pl-PL" smtClean="0"/>
-              <a:t>2025-04-17</a:t>
+              <a:t>2025-04-23</a:t>
             </a:fld>
             <a:endParaRPr lang="pl-PL"/>
           </a:p>
@@ -9256,7 +9259,7 @@
           <a:p>
             <a:fld id="{A929E4DF-8B52-45DB-8344-4E2F805AD785}" type="datetime1">
               <a:rPr lang="pl-PL" smtClean="0"/>
-              <a:t>2025-04-17</a:t>
+              <a:t>2025-04-23</a:t>
             </a:fld>
             <a:endParaRPr lang="pl-PL"/>
           </a:p>
@@ -9444,7 +9447,7 @@
           <a:p>
             <a:fld id="{BB121DBD-8BF3-4E83-83C9-650C9779A8F5}" type="datetime1">
               <a:rPr lang="pl-PL" smtClean="0"/>
-              <a:t>2025-04-17</a:t>
+              <a:t>2025-04-23</a:t>
             </a:fld>
             <a:endParaRPr lang="pl-PL"/>
           </a:p>
@@ -9758,7 +9761,7 @@
           <a:p>
             <a:fld id="{8E09A7B7-46B8-43E4-AEDA-7C3EDFDEA19C}" type="datetime1">
               <a:rPr lang="pl-PL" smtClean="0"/>
-              <a:t>2025-04-17</a:t>
+              <a:t>2025-04-23</a:t>
             </a:fld>
             <a:endParaRPr lang="pl-PL"/>
           </a:p>
@@ -9917,7 +9920,7 @@
           <a:p>
             <a:fld id="{74F63312-4FD5-46D8-A668-60C9FA94ACCF}" type="datetime1">
               <a:rPr lang="pl-PL" smtClean="0"/>
-              <a:t>2025-04-17</a:t>
+              <a:t>2025-04-23</a:t>
             </a:fld>
             <a:endParaRPr lang="pl-PL"/>
           </a:p>
@@ -10078,7 +10081,7 @@
           <a:p>
             <a:fld id="{98E2BA0A-F13E-43C1-BF92-8AC7579CC79F}" type="datetime1">
               <a:rPr lang="pl-PL" smtClean="0"/>
-              <a:t>2025-04-17</a:t>
+              <a:t>2025-04-23</a:t>
             </a:fld>
             <a:endParaRPr lang="pl-PL"/>
           </a:p>
@@ -10387,7 +10390,7 @@
           <a:p>
             <a:fld id="{E5954C9F-91CA-4351-848B-5F75F775D1D6}" type="datetime1">
               <a:rPr lang="pl-PL" smtClean="0"/>
-              <a:t>2025-04-17</a:t>
+              <a:t>2025-04-23</a:t>
             </a:fld>
             <a:endParaRPr lang="pl-PL"/>
           </a:p>
@@ -10643,7 +10646,7 @@
           <a:p>
             <a:fld id="{5118AC0A-09D4-4206-84A8-5BDAD5E44FFD}" type="datetime1">
               <a:rPr lang="pl-PL" smtClean="0"/>
-              <a:t>2025-04-17</a:t>
+              <a:t>2025-04-23</a:t>
             </a:fld>
             <a:endParaRPr lang="pl-PL"/>
           </a:p>
@@ -11014,7 +11017,7 @@
           <a:p>
             <a:fld id="{49CB8685-86D0-4AF0-875F-4FC8D327D613}" type="datetime1">
               <a:rPr lang="pl-PL" smtClean="0"/>
-              <a:t>2025-04-17</a:t>
+              <a:t>2025-04-23</a:t>
             </a:fld>
             <a:endParaRPr lang="pl-PL"/>
           </a:p>
@@ -11495,7 +11498,7 @@
           <a:p>
             <a:fld id="{0F15AC31-C037-4A48-B4F1-C705DAAAD623}" type="datetime1">
               <a:rPr lang="pl-PL" smtClean="0"/>
-              <a:t>2025-04-17</a:t>
+              <a:t>2025-04-23</a:t>
             </a:fld>
             <a:endParaRPr lang="pl-PL"/>
           </a:p>
@@ -11921,7 +11924,7 @@
           <a:p>
             <a:fld id="{BE9A73FC-5BDD-4306-BB4D-867A38E086B8}" type="datetime1">
               <a:rPr lang="pl-PL" smtClean="0"/>
-              <a:t>2025-04-17</a:t>
+              <a:t>2025-04-23</a:t>
             </a:fld>
             <a:endParaRPr lang="pl-PL"/>
           </a:p>
@@ -12277,7 +12280,7 @@
           <a:p>
             <a:fld id="{5C2691EB-87CC-4953-BDB4-755C9EAEFD94}" type="datetime1">
               <a:rPr lang="pl-PL" smtClean="0"/>
-              <a:t>2025-04-17</a:t>
+              <a:t>2025-04-23</a:t>
             </a:fld>
             <a:endParaRPr lang="pl-PL"/>
           </a:p>
@@ -12634,7 +12637,7 @@
           <a:p>
             <a:fld id="{C115EA41-C029-4FCB-9733-572E7EBD2585}" type="datetime1">
               <a:rPr lang="pl-PL" smtClean="0"/>
-              <a:t>2025-04-17</a:t>
+              <a:t>2025-04-23</a:t>
             </a:fld>
             <a:endParaRPr lang="pl-PL"/>
           </a:p>
@@ -12992,7 +12995,7 @@
           <a:p>
             <a:fld id="{8DD3CE0A-1784-4EB8-A5E0-485DCCCBF679}" type="datetime1">
               <a:rPr lang="pl-PL" smtClean="0"/>
-              <a:t>2025-04-17</a:t>
+              <a:t>2025-04-23</a:t>
             </a:fld>
             <a:endParaRPr lang="pl-PL"/>
           </a:p>
@@ -13358,7 +13361,7 @@
           <a:p>
             <a:fld id="{E0D7B04F-2DDF-4622-ADF2-38CF6CCE194A}" type="datetime1">
               <a:rPr lang="pl-PL" smtClean="0"/>
-              <a:t>2025-04-17</a:t>
+              <a:t>2025-04-23</a:t>
             </a:fld>
             <a:endParaRPr lang="pl-PL"/>
           </a:p>
@@ -13551,7 +13554,7 @@
           <a:p>
             <a:fld id="{79B623F8-F0FD-4AD0-825F-702C87FE538B}" type="datetime1">
               <a:rPr lang="pl-PL" smtClean="0"/>
-              <a:t>2025-04-17</a:t>
+              <a:t>2025-04-23</a:t>
             </a:fld>
             <a:endParaRPr lang="pl-PL"/>
           </a:p>
@@ -13789,7 +13792,7 @@
           <a:p>
             <a:fld id="{ED14277D-03DD-47FB-A6AC-B110E9DF72BD}" type="datetime1">
               <a:rPr lang="pl-PL" smtClean="0"/>
-              <a:t>2025-04-17</a:t>
+              <a:t>2025-04-23</a:t>
             </a:fld>
             <a:endParaRPr lang="pl-PL"/>
           </a:p>
@@ -14093,7 +14096,7 @@
           <a:p>
             <a:fld id="{6C5AE426-28CA-4D4F-9A39-F28F6832EA32}" type="datetime1">
               <a:rPr lang="pl-PL" smtClean="0"/>
-              <a:t>2025-04-17</a:t>
+              <a:t>2025-04-23</a:t>
             </a:fld>
             <a:endParaRPr lang="pl-PL"/>
           </a:p>
@@ -14424,7 +14427,7 @@
           <a:p>
             <a:fld id="{130AA4EE-C88E-49CA-944A-348C93639B22}" type="datetime1">
               <a:rPr lang="pl-PL" smtClean="0"/>
-              <a:t>2025-04-17</a:t>
+              <a:t>2025-04-23</a:t>
             </a:fld>
             <a:endParaRPr lang="pl-PL"/>
           </a:p>
@@ -14691,7 +14694,7 @@
           <a:p>
             <a:fld id="{7C5EA4AB-2518-478C-B378-0538AC27B06A}" type="datetime1">
               <a:rPr lang="pl-PL" smtClean="0"/>
-              <a:t>2025-04-17</a:t>
+              <a:t>2025-04-23</a:t>
             </a:fld>
             <a:endParaRPr lang="pl-PL"/>
           </a:p>
@@ -14923,7 +14926,7 @@
           <a:p>
             <a:fld id="{4FA2110A-12AD-458D-A6F7-71D54A46F762}" type="datetime1">
               <a:rPr lang="pl-PL" smtClean="0"/>
-              <a:t>2025-04-17</a:t>
+              <a:t>2025-04-23</a:t>
             </a:fld>
             <a:endParaRPr lang="pl-PL"/>
           </a:p>
@@ -15294,7 +15297,7 @@
           <a:p>
             <a:fld id="{2D7C9931-BD7E-4AB3-B201-1F39C5E2C4FF}" type="datetime1">
               <a:rPr lang="pl-PL" smtClean="0"/>
-              <a:t>2025-04-17</a:t>
+              <a:t>2025-04-23</a:t>
             </a:fld>
             <a:endParaRPr lang="pl-PL"/>
           </a:p>
@@ -15709,7 +15712,7 @@
           <a:p>
             <a:fld id="{B40F6218-F1E0-4DE5-A63A-12BA0C85EC3A}" type="datetime1">
               <a:rPr lang="pl-PL" smtClean="0"/>
-              <a:t>2025-04-17</a:t>
+              <a:t>2025-04-23</a:t>
             </a:fld>
             <a:endParaRPr lang="pl-PL"/>
           </a:p>
@@ -16023,7 +16026,7 @@
           <a:p>
             <a:fld id="{88B2ECC5-DE26-4FE0-AC4A-3D648318FC98}" type="datetime1">
               <a:rPr lang="pl-PL" smtClean="0"/>
-              <a:t>2025-04-17</a:t>
+              <a:t>2025-04-23</a:t>
             </a:fld>
             <a:endParaRPr lang="pl-PL"/>
           </a:p>
@@ -16317,7 +16320,7 @@
           <a:p>
             <a:fld id="{EA231DA0-5477-422F-9607-9F1ED4880A68}" type="datetime1">
               <a:rPr lang="pl-PL" smtClean="0"/>
-              <a:t>2025-04-17</a:t>
+              <a:t>2025-04-23</a:t>
             </a:fld>
             <a:endParaRPr lang="pl-PL"/>
           </a:p>
@@ -16519,7 +16522,7 @@
           <a:p>
             <a:fld id="{666E7798-4EA2-4B82-B2C7-6C5606ABF8B9}" type="datetime1">
               <a:rPr lang="pl-PL" smtClean="0"/>
-              <a:t>2025-04-17</a:t>
+              <a:t>2025-04-23</a:t>
             </a:fld>
             <a:endParaRPr lang="pl-PL"/>
           </a:p>
@@ -16720,7 +16723,7 @@
           <a:p>
             <a:fld id="{632CEE22-6058-423D-9C81-7B449D5B43FE}" type="datetime1">
               <a:rPr lang="pl-PL" smtClean="0"/>
-              <a:t>2025-04-17</a:t>
+              <a:t>2025-04-23</a:t>
             </a:fld>
             <a:endParaRPr lang="pl-PL"/>
           </a:p>
@@ -16931,7 +16934,7 @@
           <a:p>
             <a:fld id="{89B9B44F-2D74-4E15-8393-F86EEE0208C0}" type="datetime1">
               <a:rPr lang="pl-PL" smtClean="0"/>
-              <a:t>2025-04-17</a:t>
+              <a:t>2025-04-23</a:t>
             </a:fld>
             <a:endParaRPr lang="pl-PL"/>
           </a:p>
@@ -17192,7 +17195,7 @@
           <a:p>
             <a:fld id="{D45E940A-5FC8-4907-AC88-B5F58EABFBC4}" type="datetime1">
               <a:rPr lang="pl-PL" smtClean="0"/>
-              <a:t>2025-04-17</a:t>
+              <a:t>2025-04-23</a:t>
             </a:fld>
             <a:endParaRPr lang="pl-PL"/>
           </a:p>
@@ -17460,7 +17463,7 @@
           <a:p>
             <a:fld id="{1B5B28CA-77A3-47DD-9A46-BFA6ACB731EB}" type="datetime1">
               <a:rPr lang="pl-PL" smtClean="0"/>
-              <a:t>2025-04-17</a:t>
+              <a:t>2025-04-23</a:t>
             </a:fld>
             <a:endParaRPr lang="pl-PL"/>
           </a:p>
@@ -17784,7 +17787,7 @@
           <a:p>
             <a:fld id="{AFA9C5B5-9408-475A-9E8A-1AA28D78BF7B}" type="datetime1">
               <a:rPr lang="pl-PL" smtClean="0"/>
-              <a:t>2025-04-17</a:t>
+              <a:t>2025-04-23</a:t>
             </a:fld>
             <a:endParaRPr lang="pl-PL"/>
           </a:p>
@@ -18056,7 +18059,7 @@
           <a:p>
             <a:fld id="{EF0C29E5-3594-4D0F-A184-CEC2F1FC2F49}" type="datetime1">
               <a:rPr lang="pl-PL" smtClean="0"/>
-              <a:t>2025-04-17</a:t>
+              <a:t>2025-04-23</a:t>
             </a:fld>
             <a:endParaRPr lang="pl-PL"/>
           </a:p>
@@ -18430,7 +18433,7 @@
           <a:p>
             <a:fld id="{2B3190AB-3CC1-4362-B588-9F247754C8E4}" type="datetime1">
               <a:rPr lang="pl-PL" smtClean="0"/>
-              <a:t>2025-04-17</a:t>
+              <a:t>2025-04-23</a:t>
             </a:fld>
             <a:endParaRPr lang="pl-PL"/>
           </a:p>
@@ -18859,7 +18862,7 @@
           <a:p>
             <a:fld id="{3EB5CCFE-143F-4C76-92D7-4F1AE18BFE96}" type="datetime1">
               <a:rPr lang="pl-PL" smtClean="0"/>
-              <a:t>2025-04-17</a:t>
+              <a:t>2025-04-23</a:t>
             </a:fld>
             <a:endParaRPr lang="pl-PL" dirty="0"/>
           </a:p>
@@ -24468,7 +24471,7 @@
           <a:lstStyle/>
           <a:p>
             <a:r>
-              <a:rPr lang="pl-PL" dirty="0">
+              <a:rPr lang="pl-PL" sz="2000" dirty="0">
                 <a:solidFill>
                   <a:schemeClr val="accent1"/>
                 </a:solidFill>
@@ -24476,13 +24479,13 @@
               <a:t>01</a:t>
             </a:r>
             <a:r>
-              <a:rPr lang="pl-PL" dirty="0"/>
+              <a:rPr lang="pl-PL" sz="2000" dirty="0"/>
               <a:t>	Trochę teorii</a:t>
             </a:r>
           </a:p>
           <a:p>
             <a:r>
-              <a:rPr lang="pl-PL" dirty="0">
+              <a:rPr lang="pl-PL" sz="2000" dirty="0">
                 <a:solidFill>
                   <a:schemeClr val="accent1"/>
                 </a:solidFill>
@@ -24490,13 +24493,13 @@
               <a:t>02</a:t>
             </a:r>
             <a:r>
-              <a:rPr lang="pl-PL" dirty="0"/>
+              <a:rPr lang="pl-PL" sz="2000" dirty="0"/>
               <a:t>	Tworzenie/klonowanie repozytorium</a:t>
             </a:r>
           </a:p>
           <a:p>
             <a:r>
-              <a:rPr lang="pl-PL" dirty="0">
+              <a:rPr lang="pl-PL" sz="2000" dirty="0">
                 <a:solidFill>
                   <a:schemeClr val="accent1"/>
                 </a:solidFill>
@@ -24504,13 +24507,13 @@
               <a:t>03</a:t>
             </a:r>
             <a:r>
-              <a:rPr lang="pl-PL" dirty="0"/>
+              <a:rPr lang="pl-PL" sz="2000" dirty="0"/>
               <a:t>	Przydatne narzędzia</a:t>
             </a:r>
           </a:p>
           <a:p>
             <a:r>
-              <a:rPr lang="pl-PL" dirty="0">
+              <a:rPr lang="pl-PL" sz="2000" dirty="0">
                 <a:solidFill>
                   <a:schemeClr val="accent1"/>
                 </a:solidFill>
@@ -24518,7 +24521,7 @@
               <a:t>04</a:t>
             </a:r>
             <a:r>
-              <a:rPr lang="pl-PL" dirty="0"/>
+              <a:rPr lang="pl-PL" sz="2000" dirty="0"/>
               <a:t> 	Trochę praktyki</a:t>
             </a:r>
           </a:p>

--- a/GIT-prezentacja.pptx
+++ b/GIT-prezentacja.pptx
@@ -2050,7 +2050,7 @@
           <a:p>
             <a:fld id="{955BD558-88E3-4A0D-9DF0-F26577586B0C}" type="datetimeFigureOut">
               <a:rPr lang="pl-PL" smtClean="0"/>
-              <a:t>2025-04-23</a:t>
+              <a:t>2025-10-15</a:t>
             </a:fld>
             <a:endParaRPr lang="pl-PL"/>
           </a:p>
@@ -2228,7 +2228,7 @@
           <a:p>
             <a:fld id="{19C43180-B5B9-4DAD-ABBE-F77A099AFA77}" type="datetimeFigureOut">
               <a:rPr lang="pl-PL" smtClean="0"/>
-              <a:t>2025-04-23</a:t>
+              <a:t>2025-10-15</a:t>
             </a:fld>
             <a:endParaRPr lang="pl-PL"/>
           </a:p>
@@ -2770,9 +2770,9 @@
           <a:bodyPr/>
           <a:lstStyle/>
           <a:p>
-            <a:fld id="{8DCE3C72-FDE3-41B2-A00D-266B2A9525C0}" type="datetime1">
+            <a:fld id="{AF0F9186-8AD3-48F8-94DB-FF64D95EB774}" type="datetime1">
               <a:rPr lang="pl-PL" smtClean="0"/>
-              <a:t>2025-04-23</a:t>
+              <a:t>2025-10-15</a:t>
             </a:fld>
             <a:endParaRPr lang="pl-PL"/>
           </a:p>
@@ -7154,9 +7154,9 @@
           <a:bodyPr/>
           <a:lstStyle/>
           <a:p>
-            <a:fld id="{5A331841-5325-4870-B33B-6CCBCD1042EB}" type="datetime1">
+            <a:fld id="{D52F455F-4C39-45F4-881E-C6A81ACDE771}" type="datetime1">
               <a:rPr lang="pl-PL" smtClean="0"/>
-              <a:t>2025-04-23</a:t>
+              <a:t>2025-10-15</a:t>
             </a:fld>
             <a:endParaRPr lang="pl-PL"/>
           </a:p>
@@ -7467,9 +7467,9 @@
           <a:bodyPr/>
           <a:lstStyle/>
           <a:p>
-            <a:fld id="{F135C8E2-C8D2-4EC9-9365-5EE4527E105E}" type="datetime1">
+            <a:fld id="{ACBE0B72-6B78-40F5-920B-86E7E0744324}" type="datetime1">
               <a:rPr lang="pl-PL" smtClean="0"/>
-              <a:t>2025-04-23</a:t>
+              <a:t>2025-10-15</a:t>
             </a:fld>
             <a:endParaRPr lang="pl-PL"/>
           </a:p>
@@ -7790,9 +7790,9 @@
           <a:bodyPr/>
           <a:lstStyle/>
           <a:p>
-            <a:fld id="{D6331860-1BC4-4540-B189-E3322A711417}" type="datetime1">
+            <a:fld id="{C496D373-4291-49F4-B5D0-07C20B45ABF0}" type="datetime1">
               <a:rPr lang="pl-PL" smtClean="0"/>
-              <a:t>2025-04-23</a:t>
+              <a:t>2025-10-15</a:t>
             </a:fld>
             <a:endParaRPr lang="pl-PL"/>
           </a:p>
@@ -8090,9 +8090,9 @@
           <a:bodyPr/>
           <a:lstStyle/>
           <a:p>
-            <a:fld id="{98387019-508C-4FD0-BD10-C3E14406F516}" type="datetime1">
+            <a:fld id="{200FA3AD-FD89-4637-A38E-4FC12F32AF99}" type="datetime1">
               <a:rPr lang="pl-PL" smtClean="0"/>
-              <a:t>2025-04-23</a:t>
+              <a:t>2025-10-15</a:t>
             </a:fld>
             <a:endParaRPr lang="pl-PL"/>
           </a:p>
@@ -8297,9 +8297,9 @@
           <a:bodyPr/>
           <a:lstStyle/>
           <a:p>
-            <a:fld id="{2508613F-385B-42ED-B8D6-2ABC5C87347D}" type="datetime1">
+            <a:fld id="{8230C4F9-03D0-475D-86D1-D00FED449D95}" type="datetime1">
               <a:rPr lang="pl-PL" smtClean="0"/>
-              <a:t>2025-04-23</a:t>
+              <a:t>2025-10-15</a:t>
             </a:fld>
             <a:endParaRPr lang="pl-PL"/>
           </a:p>
@@ -8492,9 +8492,9 @@
           <a:bodyPr/>
           <a:lstStyle/>
           <a:p>
-            <a:fld id="{F34C0D48-41C2-49C4-BC65-0CE445189CD5}" type="datetime1">
+            <a:fld id="{7C8B98C8-1E25-4E34-81B5-B89AE8A0FAA6}" type="datetime1">
               <a:rPr lang="pl-PL" smtClean="0"/>
-              <a:t>2025-04-23</a:t>
+              <a:t>2025-10-15</a:t>
             </a:fld>
             <a:endParaRPr lang="pl-PL"/>
           </a:p>
@@ -8753,9 +8753,9 @@
             </a:lvl1pPr>
           </a:lstStyle>
           <a:p>
-            <a:fld id="{894DC83B-7837-4C4E-8499-D7630D6C8E8A}" type="datetime1">
+            <a:fld id="{902898CE-80E3-453C-90E5-74AA3E4EC175}" type="datetime1">
               <a:rPr lang="pl-PL" smtClean="0"/>
-              <a:t>2025-04-23</a:t>
+              <a:t>2025-10-15</a:t>
             </a:fld>
             <a:endParaRPr lang="pl-PL"/>
           </a:p>
@@ -9037,9 +9037,9 @@
             </a:lvl1pPr>
           </a:lstStyle>
           <a:p>
-            <a:fld id="{51AF11C9-C879-4A6E-A50D-B9F867FAFA17}" type="datetime1">
+            <a:fld id="{2046AB7A-F3A0-4F7E-BF5C-0B2FF3ADB9B3}" type="datetime1">
               <a:rPr lang="pl-PL" smtClean="0"/>
-              <a:t>2025-04-23</a:t>
+              <a:t>2025-10-15</a:t>
             </a:fld>
             <a:endParaRPr lang="pl-PL"/>
           </a:p>
@@ -9257,9 +9257,9 @@
           <a:bodyPr/>
           <a:lstStyle/>
           <a:p>
-            <a:fld id="{A929E4DF-8B52-45DB-8344-4E2F805AD785}" type="datetime1">
+            <a:fld id="{66C12E77-C910-4058-85F1-1D1E01FA585D}" type="datetime1">
               <a:rPr lang="pl-PL" smtClean="0"/>
-              <a:t>2025-04-23</a:t>
+              <a:t>2025-10-15</a:t>
             </a:fld>
             <a:endParaRPr lang="pl-PL"/>
           </a:p>
@@ -9445,9 +9445,9 @@
           <a:bodyPr/>
           <a:lstStyle/>
           <a:p>
-            <a:fld id="{BB121DBD-8BF3-4E83-83C9-650C9779A8F5}" type="datetime1">
+            <a:fld id="{FA5E32EA-2F36-479D-B5BB-F3510BF8E4B4}" type="datetime1">
               <a:rPr lang="pl-PL" smtClean="0"/>
-              <a:t>2025-04-23</a:t>
+              <a:t>2025-10-15</a:t>
             </a:fld>
             <a:endParaRPr lang="pl-PL"/>
           </a:p>
@@ -9759,9 +9759,9 @@
           <a:bodyPr/>
           <a:lstStyle/>
           <a:p>
-            <a:fld id="{8E09A7B7-46B8-43E4-AEDA-7C3EDFDEA19C}" type="datetime1">
+            <a:fld id="{2BF893A7-4C4E-42CB-837C-D33B8486F31B}" type="datetime1">
               <a:rPr lang="pl-PL" smtClean="0"/>
-              <a:t>2025-04-23</a:t>
+              <a:t>2025-10-15</a:t>
             </a:fld>
             <a:endParaRPr lang="pl-PL"/>
           </a:p>
@@ -9918,9 +9918,9 @@
           <a:bodyPr/>
           <a:lstStyle/>
           <a:p>
-            <a:fld id="{74F63312-4FD5-46D8-A668-60C9FA94ACCF}" type="datetime1">
+            <a:fld id="{5E3B962D-9B27-4B6B-B87E-11836FC4F3CF}" type="datetime1">
               <a:rPr lang="pl-PL" smtClean="0"/>
-              <a:t>2025-04-23</a:t>
+              <a:t>2025-10-15</a:t>
             </a:fld>
             <a:endParaRPr lang="pl-PL"/>
           </a:p>
@@ -10079,9 +10079,9 @@
           <a:bodyPr/>
           <a:lstStyle/>
           <a:p>
-            <a:fld id="{98E2BA0A-F13E-43C1-BF92-8AC7579CC79F}" type="datetime1">
+            <a:fld id="{ECE0AC8E-304C-4803-A41D-C9A88D2250BE}" type="datetime1">
               <a:rPr lang="pl-PL" smtClean="0"/>
-              <a:t>2025-04-23</a:t>
+              <a:t>2025-10-15</a:t>
             </a:fld>
             <a:endParaRPr lang="pl-PL"/>
           </a:p>
@@ -10388,9 +10388,9 @@
           <a:bodyPr/>
           <a:lstStyle/>
           <a:p>
-            <a:fld id="{E5954C9F-91CA-4351-848B-5F75F775D1D6}" type="datetime1">
+            <a:fld id="{723F2778-33E9-4C73-88BA-EFEE52D7375D}" type="datetime1">
               <a:rPr lang="pl-PL" smtClean="0"/>
-              <a:t>2025-04-23</a:t>
+              <a:t>2025-10-15</a:t>
             </a:fld>
             <a:endParaRPr lang="pl-PL"/>
           </a:p>
@@ -10644,9 +10644,9 @@
           <a:bodyPr/>
           <a:lstStyle/>
           <a:p>
-            <a:fld id="{5118AC0A-09D4-4206-84A8-5BDAD5E44FFD}" type="datetime1">
+            <a:fld id="{D436DD03-9C4A-4021-B0A0-478E0FACB057}" type="datetime1">
               <a:rPr lang="pl-PL" smtClean="0"/>
-              <a:t>2025-04-23</a:t>
+              <a:t>2025-10-15</a:t>
             </a:fld>
             <a:endParaRPr lang="pl-PL"/>
           </a:p>
@@ -11015,9 +11015,9 @@
           <a:bodyPr/>
           <a:lstStyle/>
           <a:p>
-            <a:fld id="{49CB8685-86D0-4AF0-875F-4FC8D327D613}" type="datetime1">
+            <a:fld id="{73E7A322-F7DD-41A1-B885-BAFC1A3E9783}" type="datetime1">
               <a:rPr lang="pl-PL" smtClean="0"/>
-              <a:t>2025-04-23</a:t>
+              <a:t>2025-10-15</a:t>
             </a:fld>
             <a:endParaRPr lang="pl-PL"/>
           </a:p>
@@ -11496,9 +11496,9 @@
           <a:bodyPr/>
           <a:lstStyle/>
           <a:p>
-            <a:fld id="{0F15AC31-C037-4A48-B4F1-C705DAAAD623}" type="datetime1">
+            <a:fld id="{04F2886E-2590-4227-97B6-ED055860ED47}" type="datetime1">
               <a:rPr lang="pl-PL" smtClean="0"/>
-              <a:t>2025-04-23</a:t>
+              <a:t>2025-10-15</a:t>
             </a:fld>
             <a:endParaRPr lang="pl-PL"/>
           </a:p>
@@ -11922,9 +11922,9 @@
           <a:bodyPr/>
           <a:lstStyle/>
           <a:p>
-            <a:fld id="{BE9A73FC-5BDD-4306-BB4D-867A38E086B8}" type="datetime1">
+            <a:fld id="{9B6608C5-4B6E-4906-BD15-280A3A776F5F}" type="datetime1">
               <a:rPr lang="pl-PL" smtClean="0"/>
-              <a:t>2025-04-23</a:t>
+              <a:t>2025-10-15</a:t>
             </a:fld>
             <a:endParaRPr lang="pl-PL"/>
           </a:p>
@@ -12278,9 +12278,9 @@
           <a:bodyPr/>
           <a:lstStyle/>
           <a:p>
-            <a:fld id="{5C2691EB-87CC-4953-BDB4-755C9EAEFD94}" type="datetime1">
+            <a:fld id="{B0CDC6B6-9E89-433B-AE03-15221DA1E32C}" type="datetime1">
               <a:rPr lang="pl-PL" smtClean="0"/>
-              <a:t>2025-04-23</a:t>
+              <a:t>2025-10-15</a:t>
             </a:fld>
             <a:endParaRPr lang="pl-PL"/>
           </a:p>
@@ -12635,9 +12635,9 @@
           <a:bodyPr/>
           <a:lstStyle/>
           <a:p>
-            <a:fld id="{C115EA41-C029-4FCB-9733-572E7EBD2585}" type="datetime1">
+            <a:fld id="{52998D59-2578-4965-B563-E0DFB191FA5A}" type="datetime1">
               <a:rPr lang="pl-PL" smtClean="0"/>
-              <a:t>2025-04-23</a:t>
+              <a:t>2025-10-15</a:t>
             </a:fld>
             <a:endParaRPr lang="pl-PL"/>
           </a:p>
@@ -12993,9 +12993,9 @@
           <a:bodyPr/>
           <a:lstStyle/>
           <a:p>
-            <a:fld id="{8DD3CE0A-1784-4EB8-A5E0-485DCCCBF679}" type="datetime1">
+            <a:fld id="{242988A9-AF88-4D2E-AEE7-4B3449A75660}" type="datetime1">
               <a:rPr lang="pl-PL" smtClean="0"/>
-              <a:t>2025-04-23</a:t>
+              <a:t>2025-10-15</a:t>
             </a:fld>
             <a:endParaRPr lang="pl-PL"/>
           </a:p>
@@ -13359,9 +13359,9 @@
           <a:bodyPr/>
           <a:lstStyle/>
           <a:p>
-            <a:fld id="{E0D7B04F-2DDF-4622-ADF2-38CF6CCE194A}" type="datetime1">
+            <a:fld id="{0817C5DB-8BD9-4410-8B8F-4E672EB7F9DB}" type="datetime1">
               <a:rPr lang="pl-PL" smtClean="0"/>
-              <a:t>2025-04-23</a:t>
+              <a:t>2025-10-15</a:t>
             </a:fld>
             <a:endParaRPr lang="pl-PL"/>
           </a:p>
@@ -13552,9 +13552,9 @@
           <a:bodyPr/>
           <a:lstStyle/>
           <a:p>
-            <a:fld id="{79B623F8-F0FD-4AD0-825F-702C87FE538B}" type="datetime1">
+            <a:fld id="{9F4F1F4E-6D5A-4B38-939E-6CC677B636BF}" type="datetime1">
               <a:rPr lang="pl-PL" smtClean="0"/>
-              <a:t>2025-04-23</a:t>
+              <a:t>2025-10-15</a:t>
             </a:fld>
             <a:endParaRPr lang="pl-PL"/>
           </a:p>
@@ -13790,9 +13790,9 @@
           <a:bodyPr/>
           <a:lstStyle/>
           <a:p>
-            <a:fld id="{ED14277D-03DD-47FB-A6AC-B110E9DF72BD}" type="datetime1">
+            <a:fld id="{CBD8CA53-8616-47EA-A665-291B2C129DE9}" type="datetime1">
               <a:rPr lang="pl-PL" smtClean="0"/>
-              <a:t>2025-04-23</a:t>
+              <a:t>2025-10-15</a:t>
             </a:fld>
             <a:endParaRPr lang="pl-PL"/>
           </a:p>
@@ -14094,9 +14094,9 @@
             </a:lvl1pPr>
           </a:lstStyle>
           <a:p>
-            <a:fld id="{6C5AE426-28CA-4D4F-9A39-F28F6832EA32}" type="datetime1">
+            <a:fld id="{0EB9FB0C-1181-4E53-926A-9B5551180E9F}" type="datetime1">
               <a:rPr lang="pl-PL" smtClean="0"/>
-              <a:t>2025-04-23</a:t>
+              <a:t>2025-10-15</a:t>
             </a:fld>
             <a:endParaRPr lang="pl-PL"/>
           </a:p>
@@ -14425,9 +14425,9 @@
             </a:lvl1pPr>
           </a:lstStyle>
           <a:p>
-            <a:fld id="{130AA4EE-C88E-49CA-944A-348C93639B22}" type="datetime1">
+            <a:fld id="{7AC8B5B1-B13A-4E14-A8EE-C00D24933D0D}" type="datetime1">
               <a:rPr lang="pl-PL" smtClean="0"/>
-              <a:t>2025-04-23</a:t>
+              <a:t>2025-10-15</a:t>
             </a:fld>
             <a:endParaRPr lang="pl-PL"/>
           </a:p>
@@ -14692,9 +14692,9 @@
           <a:bodyPr/>
           <a:lstStyle/>
           <a:p>
-            <a:fld id="{7C5EA4AB-2518-478C-B378-0538AC27B06A}" type="datetime1">
+            <a:fld id="{8A89A835-5A30-40C1-8C70-E7A04EADB357}" type="datetime1">
               <a:rPr lang="pl-PL" smtClean="0"/>
-              <a:t>2025-04-23</a:t>
+              <a:t>2025-10-15</a:t>
             </a:fld>
             <a:endParaRPr lang="pl-PL"/>
           </a:p>
@@ -14924,9 +14924,9 @@
           <a:bodyPr/>
           <a:lstStyle/>
           <a:p>
-            <a:fld id="{4FA2110A-12AD-458D-A6F7-71D54A46F762}" type="datetime1">
+            <a:fld id="{C00E24F4-E65A-4C93-8426-1E0F31443A03}" type="datetime1">
               <a:rPr lang="pl-PL" smtClean="0"/>
-              <a:t>2025-04-23</a:t>
+              <a:t>2025-10-15</a:t>
             </a:fld>
             <a:endParaRPr lang="pl-PL"/>
           </a:p>
@@ -15295,9 +15295,9 @@
           <a:bodyPr/>
           <a:lstStyle/>
           <a:p>
-            <a:fld id="{2D7C9931-BD7E-4AB3-B201-1F39C5E2C4FF}" type="datetime1">
+            <a:fld id="{004A9ECF-AF12-434B-9349-6176F44E35C7}" type="datetime1">
               <a:rPr lang="pl-PL" smtClean="0"/>
-              <a:t>2025-04-23</a:t>
+              <a:t>2025-10-15</a:t>
             </a:fld>
             <a:endParaRPr lang="pl-PL"/>
           </a:p>
@@ -15710,9 +15710,9 @@
           <a:bodyPr/>
           <a:lstStyle/>
           <a:p>
-            <a:fld id="{B40F6218-F1E0-4DE5-A63A-12BA0C85EC3A}" type="datetime1">
+            <a:fld id="{ADE33A59-9393-4D44-B283-7D4D4DCF634A}" type="datetime1">
               <a:rPr lang="pl-PL" smtClean="0"/>
-              <a:t>2025-04-23</a:t>
+              <a:t>2025-10-15</a:t>
             </a:fld>
             <a:endParaRPr lang="pl-PL"/>
           </a:p>
@@ -16024,9 +16024,9 @@
           <a:bodyPr/>
           <a:lstStyle/>
           <a:p>
-            <a:fld id="{88B2ECC5-DE26-4FE0-AC4A-3D648318FC98}" type="datetime1">
+            <a:fld id="{9F1097E2-6CD5-42D0-89FC-D6980DA5A688}" type="datetime1">
               <a:rPr lang="pl-PL" smtClean="0"/>
-              <a:t>2025-04-23</a:t>
+              <a:t>2025-10-15</a:t>
             </a:fld>
             <a:endParaRPr lang="pl-PL"/>
           </a:p>
@@ -16318,9 +16318,9 @@
           <a:bodyPr/>
           <a:lstStyle/>
           <a:p>
-            <a:fld id="{EA231DA0-5477-422F-9607-9F1ED4880A68}" type="datetime1">
+            <a:fld id="{AC2715B9-B35B-4005-839C-F23122F267BB}" type="datetime1">
               <a:rPr lang="pl-PL" smtClean="0"/>
-              <a:t>2025-04-23</a:t>
+              <a:t>2025-10-15</a:t>
             </a:fld>
             <a:endParaRPr lang="pl-PL"/>
           </a:p>
@@ -16520,9 +16520,9 @@
           <a:bodyPr/>
           <a:lstStyle/>
           <a:p>
-            <a:fld id="{666E7798-4EA2-4B82-B2C7-6C5606ABF8B9}" type="datetime1">
+            <a:fld id="{BA0F37B5-2E61-4CE5-9ABD-641777247504}" type="datetime1">
               <a:rPr lang="pl-PL" smtClean="0"/>
-              <a:t>2025-04-23</a:t>
+              <a:t>2025-10-15</a:t>
             </a:fld>
             <a:endParaRPr lang="pl-PL"/>
           </a:p>
@@ -16721,9 +16721,9 @@
           <a:bodyPr/>
           <a:lstStyle/>
           <a:p>
-            <a:fld id="{632CEE22-6058-423D-9C81-7B449D5B43FE}" type="datetime1">
+            <a:fld id="{77F07BE5-ABB8-4F84-A4D6-9FE9CA984BE2}" type="datetime1">
               <a:rPr lang="pl-PL" smtClean="0"/>
-              <a:t>2025-04-23</a:t>
+              <a:t>2025-10-15</a:t>
             </a:fld>
             <a:endParaRPr lang="pl-PL"/>
           </a:p>
@@ -16932,9 +16932,9 @@
           <a:bodyPr/>
           <a:lstStyle/>
           <a:p>
-            <a:fld id="{89B9B44F-2D74-4E15-8393-F86EEE0208C0}" type="datetime1">
+            <a:fld id="{006CA893-E8A4-41D2-9B6B-AE035AD1380D}" type="datetime1">
               <a:rPr lang="pl-PL" smtClean="0"/>
-              <a:t>2025-04-23</a:t>
+              <a:t>2025-10-15</a:t>
             </a:fld>
             <a:endParaRPr lang="pl-PL"/>
           </a:p>
@@ -17193,9 +17193,9 @@
           <a:bodyPr/>
           <a:lstStyle/>
           <a:p>
-            <a:fld id="{D45E940A-5FC8-4907-AC88-B5F58EABFBC4}" type="datetime1">
+            <a:fld id="{83EF5E99-004D-4714-809A-11586056D54D}" type="datetime1">
               <a:rPr lang="pl-PL" smtClean="0"/>
-              <a:t>2025-04-23</a:t>
+              <a:t>2025-10-15</a:t>
             </a:fld>
             <a:endParaRPr lang="pl-PL"/>
           </a:p>
@@ -17461,9 +17461,9 @@
           <a:bodyPr/>
           <a:lstStyle/>
           <a:p>
-            <a:fld id="{1B5B28CA-77A3-47DD-9A46-BFA6ACB731EB}" type="datetime1">
+            <a:fld id="{D6F39A18-2D76-4FD1-BCBD-C48268E60FE4}" type="datetime1">
               <a:rPr lang="pl-PL" smtClean="0"/>
-              <a:t>2025-04-23</a:t>
+              <a:t>2025-10-15</a:t>
             </a:fld>
             <a:endParaRPr lang="pl-PL"/>
           </a:p>
@@ -17785,9 +17785,9 @@
           <a:bodyPr/>
           <a:lstStyle/>
           <a:p>
-            <a:fld id="{AFA9C5B5-9408-475A-9E8A-1AA28D78BF7B}" type="datetime1">
+            <a:fld id="{F209248F-0EF8-4D28-9764-40FF4F232221}" type="datetime1">
               <a:rPr lang="pl-PL" smtClean="0"/>
-              <a:t>2025-04-23</a:t>
+              <a:t>2025-10-15</a:t>
             </a:fld>
             <a:endParaRPr lang="pl-PL"/>
           </a:p>
@@ -18057,9 +18057,9 @@
           <a:bodyPr/>
           <a:lstStyle/>
           <a:p>
-            <a:fld id="{EF0C29E5-3594-4D0F-A184-CEC2F1FC2F49}" type="datetime1">
+            <a:fld id="{5263DCD5-9CDC-44CF-B048-F92A98229DB3}" type="datetime1">
               <a:rPr lang="pl-PL" smtClean="0"/>
-              <a:t>2025-04-23</a:t>
+              <a:t>2025-10-15</a:t>
             </a:fld>
             <a:endParaRPr lang="pl-PL"/>
           </a:p>
@@ -18431,9 +18431,9 @@
           <a:bodyPr/>
           <a:lstStyle/>
           <a:p>
-            <a:fld id="{2B3190AB-3CC1-4362-B588-9F247754C8E4}" type="datetime1">
+            <a:fld id="{F9889DA2-81C6-4E1A-BCFE-F055077C380C}" type="datetime1">
               <a:rPr lang="pl-PL" smtClean="0"/>
-              <a:t>2025-04-23</a:t>
+              <a:t>2025-10-15</a:t>
             </a:fld>
             <a:endParaRPr lang="pl-PL"/>
           </a:p>
@@ -18860,9 +18860,9 @@
             </a:lvl1pPr>
           </a:lstStyle>
           <a:p>
-            <a:fld id="{3EB5CCFE-143F-4C76-92D7-4F1AE18BFE96}" type="datetime1">
+            <a:fld id="{578222DE-7ECD-4AF9-B589-66CF19B6DCBF}" type="datetime1">
               <a:rPr lang="pl-PL" smtClean="0"/>
-              <a:t>2025-04-23</a:t>
+              <a:t>2025-10-15</a:t>
             </a:fld>
             <a:endParaRPr lang="pl-PL" dirty="0"/>
           </a:p>
@@ -20275,7 +20275,7 @@
     <p:sldLayoutId id="2147483658" r:id="rId40"/>
     <p:sldLayoutId id="2147483659" r:id="rId41"/>
   </p:sldLayoutIdLst>
-  <p:hf hdr="0" dt="0"/>
+  <p:hf sldNum="0" hdr="0" dt="0"/>
   <p:txStyles>
     <p:titleStyle>
       <a:lvl1pPr algn="l" defTabSz="914400" rtl="0" eaLnBrk="1" latinLnBrk="0" hangingPunct="1">
@@ -20840,6 +20840,14 @@
 <file path=ppt/slides/slide10.xml><?xml version="1.0" encoding="utf-8"?>
 <p:sld xmlns:a="http://schemas.openxmlformats.org/drawingml/2006/main" xmlns:r="http://schemas.openxmlformats.org/officeDocument/2006/relationships" xmlns:p="http://schemas.openxmlformats.org/presentationml/2006/main">
   <p:cSld>
+    <p:bg>
+      <p:bgPr>
+        <a:solidFill>
+          <a:schemeClr val="bg1"/>
+        </a:solidFill>
+        <a:effectLst/>
+      </p:bgPr>
+    </p:bg>
     <p:spTree>
       <p:nvGrpSpPr>
         <p:cNvPr id="1" name=""/>
@@ -21592,35 +21600,6 @@
               <a:rPr lang="pl-PL"/>
               <a:t>Czym jest system kontroli GIT i jak wykorzystać go w praktyce?</a:t>
             </a:r>
-          </a:p>
-        </p:txBody>
-      </p:sp>
-      <p:sp>
-        <p:nvSpPr>
-          <p:cNvPr id="6" name="Symbol zastępczy numeru slajdu 5">
-            <a:extLst>
-              <a:ext uri="{FF2B5EF4-FFF2-40B4-BE49-F238E27FC236}">
-                <a16:creationId xmlns:a16="http://schemas.microsoft.com/office/drawing/2014/main" id="{4FAACE8B-F7B4-CB07-8819-05E30730099A}"/>
-              </a:ext>
-            </a:extLst>
-          </p:cNvPr>
-          <p:cNvSpPr>
-            <a:spLocks noGrp="1"/>
-          </p:cNvSpPr>
-          <p:nvPr>
-            <p:ph type="sldNum" sz="quarter" idx="12"/>
-          </p:nvPr>
-        </p:nvSpPr>
-        <p:spPr/>
-        <p:txBody>
-          <a:bodyPr/>
-          <a:lstStyle/>
-          <a:p>
-            <a:fld id="{5D6A1B8B-EBFB-4D99-BFCD-780F9970EEE1}" type="slidenum">
-              <a:rPr lang="pl-PL" smtClean="0"/>
-              <a:t>10</a:t>
-            </a:fld>
-            <a:endParaRPr lang="pl-PL"/>
           </a:p>
         </p:txBody>
       </p:sp>
@@ -22380,35 +22359,6 @@
           </a:p>
         </p:txBody>
       </p:sp>
-      <p:sp>
-        <p:nvSpPr>
-          <p:cNvPr id="6" name="Symbol zastępczy numeru slajdu 5">
-            <a:extLst>
-              <a:ext uri="{FF2B5EF4-FFF2-40B4-BE49-F238E27FC236}">
-                <a16:creationId xmlns:a16="http://schemas.microsoft.com/office/drawing/2014/main" id="{FDBF8D9B-E454-0035-278D-FE01C3CD30BF}"/>
-              </a:ext>
-            </a:extLst>
-          </p:cNvPr>
-          <p:cNvSpPr>
-            <a:spLocks noGrp="1"/>
-          </p:cNvSpPr>
-          <p:nvPr>
-            <p:ph type="sldNum" sz="quarter" idx="12"/>
-          </p:nvPr>
-        </p:nvSpPr>
-        <p:spPr/>
-        <p:txBody>
-          <a:bodyPr/>
-          <a:lstStyle/>
-          <a:p>
-            <a:fld id="{5D6A1B8B-EBFB-4D99-BFCD-780F9970EEE1}" type="slidenum">
-              <a:rPr lang="pl-PL" smtClean="0"/>
-              <a:t>11</a:t>
-            </a:fld>
-            <a:endParaRPr lang="pl-PL"/>
-          </a:p>
-        </p:txBody>
-      </p:sp>
     </p:spTree>
     <p:extLst>
       <p:ext uri="{BB962C8B-B14F-4D97-AF65-F5344CB8AC3E}">
@@ -22553,35 +22503,6 @@
           </a:p>
         </p:txBody>
       </p:sp>
-      <p:sp>
-        <p:nvSpPr>
-          <p:cNvPr id="3" name="Symbol zastępczy numeru slajdu 2">
-            <a:extLst>
-              <a:ext uri="{FF2B5EF4-FFF2-40B4-BE49-F238E27FC236}">
-                <a16:creationId xmlns:a16="http://schemas.microsoft.com/office/drawing/2014/main" id="{D5023366-78DB-3DF5-B627-15306E2A1B0B}"/>
-              </a:ext>
-            </a:extLst>
-          </p:cNvPr>
-          <p:cNvSpPr>
-            <a:spLocks noGrp="1"/>
-          </p:cNvSpPr>
-          <p:nvPr>
-            <p:ph type="sldNum" sz="quarter" idx="12"/>
-          </p:nvPr>
-        </p:nvSpPr>
-        <p:spPr/>
-        <p:txBody>
-          <a:bodyPr/>
-          <a:lstStyle/>
-          <a:p>
-            <a:fld id="{5D6A1B8B-EBFB-4D99-BFCD-780F9970EEE1}" type="slidenum">
-              <a:rPr lang="pl-PL" smtClean="0"/>
-              <a:t>12</a:t>
-            </a:fld>
-            <a:endParaRPr lang="pl-PL"/>
-          </a:p>
-        </p:txBody>
-      </p:sp>
     </p:spTree>
     <p:extLst>
       <p:ext uri="{BB962C8B-B14F-4D97-AF65-F5344CB8AC3E}">
@@ -22888,35 +22809,6 @@
           </a:p>
         </p:txBody>
       </p:sp>
-      <p:sp>
-        <p:nvSpPr>
-          <p:cNvPr id="4" name="Symbol zastępczy numeru slajdu 3">
-            <a:extLst>
-              <a:ext uri="{FF2B5EF4-FFF2-40B4-BE49-F238E27FC236}">
-                <a16:creationId xmlns:a16="http://schemas.microsoft.com/office/drawing/2014/main" id="{7856753D-0572-D4ED-8EB8-7AFE26A0EC71}"/>
-              </a:ext>
-            </a:extLst>
-          </p:cNvPr>
-          <p:cNvSpPr>
-            <a:spLocks noGrp="1"/>
-          </p:cNvSpPr>
-          <p:nvPr>
-            <p:ph type="sldNum" sz="quarter" idx="12"/>
-          </p:nvPr>
-        </p:nvSpPr>
-        <p:spPr/>
-        <p:txBody>
-          <a:bodyPr/>
-          <a:lstStyle/>
-          <a:p>
-            <a:fld id="{5D6A1B8B-EBFB-4D99-BFCD-780F9970EEE1}" type="slidenum">
-              <a:rPr lang="pl-PL" smtClean="0"/>
-              <a:t>13</a:t>
-            </a:fld>
-            <a:endParaRPr lang="pl-PL"/>
-          </a:p>
-        </p:txBody>
-      </p:sp>
     </p:spTree>
     <p:extLst>
       <p:ext uri="{BB962C8B-B14F-4D97-AF65-F5344CB8AC3E}">
@@ -23160,35 +23052,6 @@
           </a:p>
         </p:txBody>
       </p:sp>
-      <p:sp>
-        <p:nvSpPr>
-          <p:cNvPr id="4" name="Symbol zastępczy numeru slajdu 3">
-            <a:extLst>
-              <a:ext uri="{FF2B5EF4-FFF2-40B4-BE49-F238E27FC236}">
-                <a16:creationId xmlns:a16="http://schemas.microsoft.com/office/drawing/2014/main" id="{F2015CC9-72A8-2FA9-FA30-320CA48FA7F0}"/>
-              </a:ext>
-            </a:extLst>
-          </p:cNvPr>
-          <p:cNvSpPr>
-            <a:spLocks noGrp="1"/>
-          </p:cNvSpPr>
-          <p:nvPr>
-            <p:ph type="sldNum" sz="quarter" idx="12"/>
-          </p:nvPr>
-        </p:nvSpPr>
-        <p:spPr/>
-        <p:txBody>
-          <a:bodyPr/>
-          <a:lstStyle/>
-          <a:p>
-            <a:fld id="{5D6A1B8B-EBFB-4D99-BFCD-780F9970EEE1}" type="slidenum">
-              <a:rPr lang="pl-PL" smtClean="0"/>
-              <a:t>14</a:t>
-            </a:fld>
-            <a:endParaRPr lang="pl-PL"/>
-          </a:p>
-        </p:txBody>
-      </p:sp>
     </p:spTree>
     <p:extLst>
       <p:ext uri="{BB962C8B-B14F-4D97-AF65-F5344CB8AC3E}">
@@ -23478,35 +23341,6 @@
           </a:p>
         </p:txBody>
       </p:sp>
-      <p:sp>
-        <p:nvSpPr>
-          <p:cNvPr id="4" name="Symbol zastępczy numeru slajdu 3">
-            <a:extLst>
-              <a:ext uri="{FF2B5EF4-FFF2-40B4-BE49-F238E27FC236}">
-                <a16:creationId xmlns:a16="http://schemas.microsoft.com/office/drawing/2014/main" id="{004595E3-8D55-D30C-1F84-D3BD040062F2}"/>
-              </a:ext>
-            </a:extLst>
-          </p:cNvPr>
-          <p:cNvSpPr>
-            <a:spLocks noGrp="1"/>
-          </p:cNvSpPr>
-          <p:nvPr>
-            <p:ph type="sldNum" sz="quarter" idx="12"/>
-          </p:nvPr>
-        </p:nvSpPr>
-        <p:spPr/>
-        <p:txBody>
-          <a:bodyPr/>
-          <a:lstStyle/>
-          <a:p>
-            <a:fld id="{5D6A1B8B-EBFB-4D99-BFCD-780F9970EEE1}" type="slidenum">
-              <a:rPr lang="pl-PL" smtClean="0"/>
-              <a:t>15</a:t>
-            </a:fld>
-            <a:endParaRPr lang="pl-PL"/>
-          </a:p>
-        </p:txBody>
-      </p:sp>
     </p:spTree>
     <p:extLst>
       <p:ext uri="{BB962C8B-B14F-4D97-AF65-F5344CB8AC3E}">
@@ -23651,35 +23485,6 @@
           </a:p>
         </p:txBody>
       </p:sp>
-      <p:sp>
-        <p:nvSpPr>
-          <p:cNvPr id="3" name="Symbol zastępczy numeru slajdu 2">
-            <a:extLst>
-              <a:ext uri="{FF2B5EF4-FFF2-40B4-BE49-F238E27FC236}">
-                <a16:creationId xmlns:a16="http://schemas.microsoft.com/office/drawing/2014/main" id="{F05BC80C-61E7-5866-B45E-8DA8BFA1D388}"/>
-              </a:ext>
-            </a:extLst>
-          </p:cNvPr>
-          <p:cNvSpPr>
-            <a:spLocks noGrp="1"/>
-          </p:cNvSpPr>
-          <p:nvPr>
-            <p:ph type="sldNum" sz="quarter" idx="12"/>
-          </p:nvPr>
-        </p:nvSpPr>
-        <p:spPr/>
-        <p:txBody>
-          <a:bodyPr/>
-          <a:lstStyle/>
-          <a:p>
-            <a:fld id="{5D6A1B8B-EBFB-4D99-BFCD-780F9970EEE1}" type="slidenum">
-              <a:rPr lang="pl-PL" smtClean="0"/>
-              <a:t>16</a:t>
-            </a:fld>
-            <a:endParaRPr lang="pl-PL"/>
-          </a:p>
-        </p:txBody>
-      </p:sp>
     </p:spTree>
     <p:extLst>
       <p:ext uri="{BB962C8B-B14F-4D97-AF65-F5344CB8AC3E}">
@@ -23936,11 +23741,11 @@
               <a:buAutoNum type="arabicPeriod"/>
             </a:pPr>
             <a:r>
-              <a:rPr lang="pl-PL" dirty="0">
+              <a:rPr lang="pl-PL">
                 <a:latin typeface="Arial" panose="020B0604020202020204" pitchFamily="34" charset="0"/>
                 <a:cs typeface="Arial" panose="020B0604020202020204" pitchFamily="34" charset="0"/>
               </a:rPr>
-              <a:t>Dodaj repozytorium do lokalnego OneDrive: </a:t>
+              <a:t>Skopiuj ścieżkę repozytorium zdalnego: </a:t>
             </a:r>
             <a:r>
               <a:rPr lang="pl-PL" dirty="0">
@@ -24105,140 +23910,6 @@
           </a:p>
         </p:txBody>
       </p:sp>
-      <p:pic>
-        <p:nvPicPr>
-          <p:cNvPr id="8" name="Obraz 7">
-            <a:extLst>
-              <a:ext uri="{FF2B5EF4-FFF2-40B4-BE49-F238E27FC236}">
-                <a16:creationId xmlns:a16="http://schemas.microsoft.com/office/drawing/2014/main" id="{F97BDF36-341B-E5E2-5944-E5A456A7FFD9}"/>
-              </a:ext>
-            </a:extLst>
-          </p:cNvPr>
-          <p:cNvPicPr>
-            <a:picLocks noChangeAspect="1"/>
-          </p:cNvPicPr>
-          <p:nvPr/>
-        </p:nvPicPr>
-        <p:blipFill>
-          <a:blip r:embed="rId3"/>
-          <a:stretch>
-            <a:fillRect/>
-          </a:stretch>
-        </p:blipFill>
-        <p:spPr>
-          <a:xfrm>
-            <a:off x="7503192" y="985188"/>
-            <a:ext cx="2162111" cy="1469127"/>
-          </a:xfrm>
-          <a:prstGeom prst="rect">
-            <a:avLst/>
-          </a:prstGeom>
-          <a:ln>
-            <a:solidFill>
-              <a:schemeClr val="bg1">
-                <a:lumMod val="50000"/>
-              </a:schemeClr>
-            </a:solidFill>
-          </a:ln>
-        </p:spPr>
-      </p:pic>
-      <p:cxnSp>
-        <p:nvCxnSpPr>
-          <p:cNvPr id="12" name="Łącznik prosty ze strzałką 11">
-            <a:extLst>
-              <a:ext uri="{FF2B5EF4-FFF2-40B4-BE49-F238E27FC236}">
-                <a16:creationId xmlns:a16="http://schemas.microsoft.com/office/drawing/2014/main" id="{2874C31A-4BAB-5C69-F263-FE5032D816F7}"/>
-              </a:ext>
-            </a:extLst>
-          </p:cNvPr>
-          <p:cNvCxnSpPr>
-            <a:cxnSpLocks/>
-          </p:cNvCxnSpPr>
-          <p:nvPr/>
-        </p:nvCxnSpPr>
-        <p:spPr>
-          <a:xfrm flipV="1">
-            <a:off x="5879424" y="1948441"/>
-            <a:ext cx="1213585" cy="299103"/>
-          </a:xfrm>
-          <a:prstGeom prst="straightConnector1">
-            <a:avLst/>
-          </a:prstGeom>
-          <a:ln w="38100">
-            <a:solidFill>
-              <a:schemeClr val="accent2">
-                <a:lumMod val="20000"/>
-                <a:lumOff val="80000"/>
-              </a:schemeClr>
-            </a:solidFill>
-            <a:tailEnd type="triangle"/>
-          </a:ln>
-        </p:spPr>
-        <p:style>
-          <a:lnRef idx="1">
-            <a:schemeClr val="accent1"/>
-          </a:lnRef>
-          <a:fillRef idx="0">
-            <a:schemeClr val="accent1"/>
-          </a:fillRef>
-          <a:effectRef idx="0">
-            <a:schemeClr val="accent1"/>
-          </a:effectRef>
-          <a:fontRef idx="minor">
-            <a:schemeClr val="tx1"/>
-          </a:fontRef>
-        </p:style>
-      </p:cxnSp>
-      <p:sp>
-        <p:nvSpPr>
-          <p:cNvPr id="14" name="Prostokąt 13">
-            <a:extLst>
-              <a:ext uri="{FF2B5EF4-FFF2-40B4-BE49-F238E27FC236}">
-                <a16:creationId xmlns:a16="http://schemas.microsoft.com/office/drawing/2014/main" id="{2DCBAC44-0419-5894-7192-18403D4A30A6}"/>
-              </a:ext>
-            </a:extLst>
-          </p:cNvPr>
-          <p:cNvSpPr/>
-          <p:nvPr/>
-        </p:nvSpPr>
-        <p:spPr>
-          <a:xfrm>
-            <a:off x="7563028" y="1719751"/>
-            <a:ext cx="1982624" cy="408152"/>
-          </a:xfrm>
-          <a:prstGeom prst="rect">
-            <a:avLst/>
-          </a:prstGeom>
-          <a:noFill/>
-          <a:ln w="28575">
-            <a:solidFill>
-              <a:schemeClr val="accent1"/>
-            </a:solidFill>
-          </a:ln>
-        </p:spPr>
-        <p:style>
-          <a:lnRef idx="2">
-            <a:schemeClr val="accent1"/>
-          </a:lnRef>
-          <a:fillRef idx="1">
-            <a:schemeClr val="lt1"/>
-          </a:fillRef>
-          <a:effectRef idx="0">
-            <a:schemeClr val="accent1"/>
-          </a:effectRef>
-          <a:fontRef idx="minor">
-            <a:schemeClr val="dk1"/>
-          </a:fontRef>
-        </p:style>
-        <p:txBody>
-          <a:bodyPr rtlCol="0" anchor="ctr"/>
-          <a:lstStyle/>
-          <a:p>
-            <a:pPr algn="ctr"/>
-            <a:endParaRPr lang="pl-PL"/>
-          </a:p>
-        </p:txBody>
-      </p:sp>
       <p:sp>
         <p:nvSpPr>
           <p:cNvPr id="2" name="Symbol zastępczy stopki 1">
@@ -24264,35 +23935,6 @@
               <a:rPr lang="pl-PL"/>
               <a:t>Czym jest system kontroli GIT i jak wykorzystać go w praktyce?</a:t>
             </a:r>
-          </a:p>
-        </p:txBody>
-      </p:sp>
-      <p:sp>
-        <p:nvSpPr>
-          <p:cNvPr id="4" name="Symbol zastępczy numeru slajdu 3">
-            <a:extLst>
-              <a:ext uri="{FF2B5EF4-FFF2-40B4-BE49-F238E27FC236}">
-                <a16:creationId xmlns:a16="http://schemas.microsoft.com/office/drawing/2014/main" id="{D95C69A2-DB81-A3D4-5368-91099FD55E38}"/>
-              </a:ext>
-            </a:extLst>
-          </p:cNvPr>
-          <p:cNvSpPr>
-            <a:spLocks noGrp="1"/>
-          </p:cNvSpPr>
-          <p:nvPr>
-            <p:ph type="sldNum" sz="quarter" idx="12"/>
-          </p:nvPr>
-        </p:nvSpPr>
-        <p:spPr/>
-        <p:txBody>
-          <a:bodyPr/>
-          <a:lstStyle/>
-          <a:p>
-            <a:fld id="{5D6A1B8B-EBFB-4D99-BFCD-780F9970EEE1}" type="slidenum">
-              <a:rPr lang="pl-PL" smtClean="0"/>
-              <a:t>17</a:t>
-            </a:fld>
-            <a:endParaRPr lang="pl-PL"/>
           </a:p>
         </p:txBody>
       </p:sp>
@@ -24583,35 +24225,6 @@
           </a:p>
         </p:txBody>
       </p:sp>
-      <p:sp>
-        <p:nvSpPr>
-          <p:cNvPr id="6" name="Symbol zastępczy numeru slajdu 5">
-            <a:extLst>
-              <a:ext uri="{FF2B5EF4-FFF2-40B4-BE49-F238E27FC236}">
-                <a16:creationId xmlns:a16="http://schemas.microsoft.com/office/drawing/2014/main" id="{E4939832-9CAA-C0F7-A59C-B7B72608FC16}"/>
-              </a:ext>
-            </a:extLst>
-          </p:cNvPr>
-          <p:cNvSpPr>
-            <a:spLocks noGrp="1"/>
-          </p:cNvSpPr>
-          <p:nvPr>
-            <p:ph type="sldNum" sz="quarter" idx="12"/>
-          </p:nvPr>
-        </p:nvSpPr>
-        <p:spPr/>
-        <p:txBody>
-          <a:bodyPr/>
-          <a:lstStyle/>
-          <a:p>
-            <a:fld id="{5D6A1B8B-EBFB-4D99-BFCD-780F9970EEE1}" type="slidenum">
-              <a:rPr lang="pl-PL" smtClean="0"/>
-              <a:t>2</a:t>
-            </a:fld>
-            <a:endParaRPr lang="pl-PL"/>
-          </a:p>
-        </p:txBody>
-      </p:sp>
     </p:spTree>
     <p:extLst>
       <p:ext uri="{BB962C8B-B14F-4D97-AF65-F5344CB8AC3E}">
@@ -24753,35 +24366,6 @@
               <a:rPr lang="pl-PL"/>
               <a:t>Czym jest system kontroli GIT i jak wykorzystać go w praktyce?</a:t>
             </a:r>
-          </a:p>
-        </p:txBody>
-      </p:sp>
-      <p:sp>
-        <p:nvSpPr>
-          <p:cNvPr id="3" name="Symbol zastępczy numeru slajdu 2">
-            <a:extLst>
-              <a:ext uri="{FF2B5EF4-FFF2-40B4-BE49-F238E27FC236}">
-                <a16:creationId xmlns:a16="http://schemas.microsoft.com/office/drawing/2014/main" id="{0622793F-AD4E-58C8-8418-EEC835882F92}"/>
-              </a:ext>
-            </a:extLst>
-          </p:cNvPr>
-          <p:cNvSpPr>
-            <a:spLocks noGrp="1"/>
-          </p:cNvSpPr>
-          <p:nvPr>
-            <p:ph type="sldNum" sz="quarter" idx="12"/>
-          </p:nvPr>
-        </p:nvSpPr>
-        <p:spPr/>
-        <p:txBody>
-          <a:bodyPr/>
-          <a:lstStyle/>
-          <a:p>
-            <a:fld id="{5D6A1B8B-EBFB-4D99-BFCD-780F9970EEE1}" type="slidenum">
-              <a:rPr lang="pl-PL" smtClean="0"/>
-              <a:t>3</a:t>
-            </a:fld>
-            <a:endParaRPr lang="pl-PL"/>
           </a:p>
         </p:txBody>
       </p:sp>
@@ -25654,35 +25238,6 @@
           </a:p>
         </p:txBody>
       </p:sp>
-      <p:sp>
-        <p:nvSpPr>
-          <p:cNvPr id="4" name="Symbol zastępczy numeru slajdu 3">
-            <a:extLst>
-              <a:ext uri="{FF2B5EF4-FFF2-40B4-BE49-F238E27FC236}">
-                <a16:creationId xmlns:a16="http://schemas.microsoft.com/office/drawing/2014/main" id="{CBAAF8AA-1413-8290-5F74-3C75EE75ADEF}"/>
-              </a:ext>
-            </a:extLst>
-          </p:cNvPr>
-          <p:cNvSpPr>
-            <a:spLocks noGrp="1"/>
-          </p:cNvSpPr>
-          <p:nvPr>
-            <p:ph type="sldNum" sz="quarter" idx="12"/>
-          </p:nvPr>
-        </p:nvSpPr>
-        <p:spPr/>
-        <p:txBody>
-          <a:bodyPr/>
-          <a:lstStyle/>
-          <a:p>
-            <a:fld id="{5D6A1B8B-EBFB-4D99-BFCD-780F9970EEE1}" type="slidenum">
-              <a:rPr lang="pl-PL" smtClean="0"/>
-              <a:t>4</a:t>
-            </a:fld>
-            <a:endParaRPr lang="pl-PL"/>
-          </a:p>
-        </p:txBody>
-      </p:sp>
     </p:spTree>
     <p:extLst>
       <p:ext uri="{BB962C8B-B14F-4D97-AF65-F5344CB8AC3E}">
@@ -26009,35 +25564,6 @@
               <a:rPr lang="pl-PL"/>
               <a:t>Czym jest system kontroli GIT i jak wykorzystać go w praktyce?</a:t>
             </a:r>
-          </a:p>
-        </p:txBody>
-      </p:sp>
-      <p:sp>
-        <p:nvSpPr>
-          <p:cNvPr id="4" name="Symbol zastępczy numeru slajdu 3">
-            <a:extLst>
-              <a:ext uri="{FF2B5EF4-FFF2-40B4-BE49-F238E27FC236}">
-                <a16:creationId xmlns:a16="http://schemas.microsoft.com/office/drawing/2014/main" id="{8A7BECE1-5F5D-AAC9-CF62-530D1AD4D6A4}"/>
-              </a:ext>
-            </a:extLst>
-          </p:cNvPr>
-          <p:cNvSpPr>
-            <a:spLocks noGrp="1"/>
-          </p:cNvSpPr>
-          <p:nvPr>
-            <p:ph type="sldNum" sz="quarter" idx="12"/>
-          </p:nvPr>
-        </p:nvSpPr>
-        <p:spPr/>
-        <p:txBody>
-          <a:bodyPr/>
-          <a:lstStyle/>
-          <a:p>
-            <a:fld id="{5D6A1B8B-EBFB-4D99-BFCD-780F9970EEE1}" type="slidenum">
-              <a:rPr lang="pl-PL" smtClean="0"/>
-              <a:t>5</a:t>
-            </a:fld>
-            <a:endParaRPr lang="pl-PL"/>
           </a:p>
         </p:txBody>
       </p:sp>
@@ -27737,35 +27263,6 @@
           </a:p>
         </p:txBody>
       </p:sp>
-      <p:sp>
-        <p:nvSpPr>
-          <p:cNvPr id="4" name="Symbol zastępczy numeru slajdu 3">
-            <a:extLst>
-              <a:ext uri="{FF2B5EF4-FFF2-40B4-BE49-F238E27FC236}">
-                <a16:creationId xmlns:a16="http://schemas.microsoft.com/office/drawing/2014/main" id="{BA425A3F-A3D0-D2CB-EA45-DC1B3026CB74}"/>
-              </a:ext>
-            </a:extLst>
-          </p:cNvPr>
-          <p:cNvSpPr>
-            <a:spLocks noGrp="1"/>
-          </p:cNvSpPr>
-          <p:nvPr>
-            <p:ph type="sldNum" sz="quarter" idx="12"/>
-          </p:nvPr>
-        </p:nvSpPr>
-        <p:spPr/>
-        <p:txBody>
-          <a:bodyPr/>
-          <a:lstStyle/>
-          <a:p>
-            <a:fld id="{5D6A1B8B-EBFB-4D99-BFCD-780F9970EEE1}" type="slidenum">
-              <a:rPr lang="pl-PL" smtClean="0"/>
-              <a:t>6</a:t>
-            </a:fld>
-            <a:endParaRPr lang="pl-PL"/>
-          </a:p>
-        </p:txBody>
-      </p:sp>
     </p:spTree>
     <p:extLst>
       <p:ext uri="{BB962C8B-B14F-4D97-AF65-F5344CB8AC3E}">
@@ -27908,35 +27405,6 @@
               <a:rPr lang="pl-PL"/>
               <a:t>Czym jest system kontroli GIT i jak wykorzystać go w praktyce?</a:t>
             </a:r>
-          </a:p>
-        </p:txBody>
-      </p:sp>
-      <p:sp>
-        <p:nvSpPr>
-          <p:cNvPr id="3" name="Symbol zastępczy numeru slajdu 2">
-            <a:extLst>
-              <a:ext uri="{FF2B5EF4-FFF2-40B4-BE49-F238E27FC236}">
-                <a16:creationId xmlns:a16="http://schemas.microsoft.com/office/drawing/2014/main" id="{ED9734BD-FFE8-4C13-4E30-CAC2407FD186}"/>
-              </a:ext>
-            </a:extLst>
-          </p:cNvPr>
-          <p:cNvSpPr>
-            <a:spLocks noGrp="1"/>
-          </p:cNvSpPr>
-          <p:nvPr>
-            <p:ph type="sldNum" sz="quarter" idx="12"/>
-          </p:nvPr>
-        </p:nvSpPr>
-        <p:spPr/>
-        <p:txBody>
-          <a:bodyPr/>
-          <a:lstStyle/>
-          <a:p>
-            <a:fld id="{5D6A1B8B-EBFB-4D99-BFCD-780F9970EEE1}" type="slidenum">
-              <a:rPr lang="pl-PL" smtClean="0"/>
-              <a:t>7</a:t>
-            </a:fld>
-            <a:endParaRPr lang="pl-PL"/>
           </a:p>
         </p:txBody>
       </p:sp>
@@ -28605,35 +28073,6 @@
           </a:p>
         </p:txBody>
       </p:sp>
-      <p:sp>
-        <p:nvSpPr>
-          <p:cNvPr id="3" name="Symbol zastępczy numeru slajdu 2">
-            <a:extLst>
-              <a:ext uri="{FF2B5EF4-FFF2-40B4-BE49-F238E27FC236}">
-                <a16:creationId xmlns:a16="http://schemas.microsoft.com/office/drawing/2014/main" id="{8645D9CF-D2E4-8FDB-1A63-98BDF700434A}"/>
-              </a:ext>
-            </a:extLst>
-          </p:cNvPr>
-          <p:cNvSpPr>
-            <a:spLocks noGrp="1"/>
-          </p:cNvSpPr>
-          <p:nvPr>
-            <p:ph type="sldNum" sz="quarter" idx="12"/>
-          </p:nvPr>
-        </p:nvSpPr>
-        <p:spPr/>
-        <p:txBody>
-          <a:bodyPr/>
-          <a:lstStyle/>
-          <a:p>
-            <a:fld id="{5D6A1B8B-EBFB-4D99-BFCD-780F9970EEE1}" type="slidenum">
-              <a:rPr lang="pl-PL" smtClean="0"/>
-              <a:t>8</a:t>
-            </a:fld>
-            <a:endParaRPr lang="pl-PL"/>
-          </a:p>
-        </p:txBody>
-      </p:sp>
     </p:spTree>
     <p:extLst>
       <p:ext uri="{BB962C8B-B14F-4D97-AF65-F5344CB8AC3E}">
@@ -29166,35 +28605,6 @@
               <a:rPr lang="pl-PL"/>
               <a:t>Czym jest system kontroli GIT i jak wykorzystać go w praktyce?</a:t>
             </a:r>
-          </a:p>
-        </p:txBody>
-      </p:sp>
-      <p:sp>
-        <p:nvSpPr>
-          <p:cNvPr id="3" name="Symbol zastępczy numeru slajdu 2">
-            <a:extLst>
-              <a:ext uri="{FF2B5EF4-FFF2-40B4-BE49-F238E27FC236}">
-                <a16:creationId xmlns:a16="http://schemas.microsoft.com/office/drawing/2014/main" id="{F2A61BA8-6C11-6910-713B-0873C29D0893}"/>
-              </a:ext>
-            </a:extLst>
-          </p:cNvPr>
-          <p:cNvSpPr>
-            <a:spLocks noGrp="1"/>
-          </p:cNvSpPr>
-          <p:nvPr>
-            <p:ph type="sldNum" sz="quarter" idx="12"/>
-          </p:nvPr>
-        </p:nvSpPr>
-        <p:spPr/>
-        <p:txBody>
-          <a:bodyPr/>
-          <a:lstStyle/>
-          <a:p>
-            <a:fld id="{5D6A1B8B-EBFB-4D99-BFCD-780F9970EEE1}" type="slidenum">
-              <a:rPr lang="pl-PL" smtClean="0"/>
-              <a:t>9</a:t>
-            </a:fld>
-            <a:endParaRPr lang="pl-PL"/>
           </a:p>
         </p:txBody>
       </p:sp>

--- a/GIT-prezentacja.pptx
+++ b/GIT-prezentacja.pptx
@@ -157,1805 +157,6 @@
 </p1510:revInfo>
 </file>
 
-<file path=ppt/changesInfos/changesInfo1.xml><?xml version="1.0" encoding="utf-8"?>
-<pc:chgInfo xmlns:a="http://schemas.openxmlformats.org/drawingml/2006/main" xmlns:r="http://schemas.openxmlformats.org/officeDocument/2006/relationships" xmlns:ac="http://schemas.microsoft.com/office/drawing/2013/main/command" xmlns:pc="http://schemas.microsoft.com/office/powerpoint/2013/main/command">
-  <pc:docChgLst>
-    <pc:chgData name="Kantorska Krystyna" userId="3723c91c-ac7e-41a7-97bb-0f7068af699c" providerId="ADAL" clId="{2E0E2B14-ECC8-4DAF-9346-16E104387F04}"/>
-    <pc:docChg chg="undo custSel addSld delSld modSld sldOrd modNotesMaster modHandout">
-      <pc:chgData name="Kantorska Krystyna" userId="3723c91c-ac7e-41a7-97bb-0f7068af699c" providerId="ADAL" clId="{2E0E2B14-ECC8-4DAF-9346-16E104387F04}" dt="2025-04-23T10:30:11.425" v="3816" actId="403"/>
-      <pc:docMkLst>
-        <pc:docMk/>
-      </pc:docMkLst>
-      <pc:sldChg chg="modSp mod">
-        <pc:chgData name="Kantorska Krystyna" userId="3723c91c-ac7e-41a7-97bb-0f7068af699c" providerId="ADAL" clId="{2E0E2B14-ECC8-4DAF-9346-16E104387F04}" dt="2025-04-14T08:31:26.255" v="53" actId="20577"/>
-        <pc:sldMkLst>
-          <pc:docMk/>
-          <pc:sldMk cId="2873465926" sldId="257"/>
-        </pc:sldMkLst>
-        <pc:spChg chg="mod">
-          <ac:chgData name="Kantorska Krystyna" userId="3723c91c-ac7e-41a7-97bb-0f7068af699c" providerId="ADAL" clId="{2E0E2B14-ECC8-4DAF-9346-16E104387F04}" dt="2025-04-14T08:31:26.255" v="53" actId="20577"/>
-          <ac:spMkLst>
-            <pc:docMk/>
-            <pc:sldMk cId="2873465926" sldId="257"/>
-            <ac:spMk id="3" creationId="{B80C41ED-54D8-4685-8389-5377CBAA910D}"/>
-          </ac:spMkLst>
-        </pc:spChg>
-      </pc:sldChg>
-      <pc:sldChg chg="addSp delSp modSp mod">
-        <pc:chgData name="Kantorska Krystyna" userId="3723c91c-ac7e-41a7-97bb-0f7068af699c" providerId="ADAL" clId="{2E0E2B14-ECC8-4DAF-9346-16E104387F04}" dt="2025-04-23T10:30:11.425" v="3816" actId="403"/>
-        <pc:sldMkLst>
-          <pc:docMk/>
-          <pc:sldMk cId="3377707279" sldId="258"/>
-        </pc:sldMkLst>
-        <pc:spChg chg="add">
-          <ac:chgData name="Kantorska Krystyna" userId="3723c91c-ac7e-41a7-97bb-0f7068af699c" providerId="ADAL" clId="{2E0E2B14-ECC8-4DAF-9346-16E104387F04}" dt="2025-04-17T10:30:11.851" v="3814"/>
-          <ac:spMkLst>
-            <pc:docMk/>
-            <pc:sldMk cId="3377707279" sldId="258"/>
-            <ac:spMk id="3" creationId="{1C1055F4-1485-0A9C-7B43-3666A97C1444}"/>
-          </ac:spMkLst>
-        </pc:spChg>
-        <pc:spChg chg="del">
-          <ac:chgData name="Kantorska Krystyna" userId="3723c91c-ac7e-41a7-97bb-0f7068af699c" providerId="ADAL" clId="{2E0E2B14-ECC8-4DAF-9346-16E104387F04}" dt="2025-04-17T10:21:06.818" v="3681" actId="478"/>
-          <ac:spMkLst>
-            <pc:docMk/>
-            <pc:sldMk cId="3377707279" sldId="258"/>
-            <ac:spMk id="3" creationId="{8A178735-C284-4672-B3C3-11E2514B5545}"/>
-          </ac:spMkLst>
-        </pc:spChg>
-        <pc:spChg chg="mod">
-          <ac:chgData name="Kantorska Krystyna" userId="3723c91c-ac7e-41a7-97bb-0f7068af699c" providerId="ADAL" clId="{2E0E2B14-ECC8-4DAF-9346-16E104387F04}" dt="2025-04-23T10:30:11.425" v="3816" actId="403"/>
-          <ac:spMkLst>
-            <pc:docMk/>
-            <pc:sldMk cId="3377707279" sldId="258"/>
-            <ac:spMk id="4" creationId="{BF90E801-1A63-4ADE-86DD-5E2C7F5C336E}"/>
-          </ac:spMkLst>
-        </pc:spChg>
-        <pc:spChg chg="add">
-          <ac:chgData name="Kantorska Krystyna" userId="3723c91c-ac7e-41a7-97bb-0f7068af699c" providerId="ADAL" clId="{2E0E2B14-ECC8-4DAF-9346-16E104387F04}" dt="2025-04-17T10:30:11.851" v="3814"/>
-          <ac:spMkLst>
-            <pc:docMk/>
-            <pc:sldMk cId="3377707279" sldId="258"/>
-            <ac:spMk id="6" creationId="{E4939832-9CAA-C0F7-A59C-B7B72608FC16}"/>
-          </ac:spMkLst>
-        </pc:spChg>
-      </pc:sldChg>
-      <pc:sldChg chg="addSp delSp modSp mod">
-        <pc:chgData name="Kantorska Krystyna" userId="3723c91c-ac7e-41a7-97bb-0f7068af699c" providerId="ADAL" clId="{2E0E2B14-ECC8-4DAF-9346-16E104387F04}" dt="2025-04-17T10:30:11.851" v="3814"/>
-        <pc:sldMkLst>
-          <pc:docMk/>
-          <pc:sldMk cId="1265935687" sldId="259"/>
-        </pc:sldMkLst>
-        <pc:spChg chg="add">
-          <ac:chgData name="Kantorska Krystyna" userId="3723c91c-ac7e-41a7-97bb-0f7068af699c" providerId="ADAL" clId="{2E0E2B14-ECC8-4DAF-9346-16E104387F04}" dt="2025-04-17T10:30:11.851" v="3814"/>
-          <ac:spMkLst>
-            <pc:docMk/>
-            <pc:sldMk cId="1265935687" sldId="259"/>
-            <ac:spMk id="2" creationId="{32556B38-D42D-B684-0ADF-73639F93BE69}"/>
-          </ac:spMkLst>
-        </pc:spChg>
-        <pc:spChg chg="add">
-          <ac:chgData name="Kantorska Krystyna" userId="3723c91c-ac7e-41a7-97bb-0f7068af699c" providerId="ADAL" clId="{2E0E2B14-ECC8-4DAF-9346-16E104387F04}" dt="2025-04-17T10:30:11.851" v="3814"/>
-          <ac:spMkLst>
-            <pc:docMk/>
-            <pc:sldMk cId="1265935687" sldId="259"/>
-            <ac:spMk id="3" creationId="{0622793F-AD4E-58C8-8418-EEC835882F92}"/>
-          </ac:spMkLst>
-        </pc:spChg>
-        <pc:spChg chg="add del mod">
-          <ac:chgData name="Kantorska Krystyna" userId="3723c91c-ac7e-41a7-97bb-0f7068af699c" providerId="ADAL" clId="{2E0E2B14-ECC8-4DAF-9346-16E104387F04}" dt="2025-04-17T10:21:20.392" v="3683" actId="478"/>
-          <ac:spMkLst>
-            <pc:docMk/>
-            <pc:sldMk cId="1265935687" sldId="259"/>
-            <ac:spMk id="3" creationId="{A7BA5D2A-2B11-1509-809B-012683B81864}"/>
-          </ac:spMkLst>
-        </pc:spChg>
-        <pc:spChg chg="del">
-          <ac:chgData name="Kantorska Krystyna" userId="3723c91c-ac7e-41a7-97bb-0f7068af699c" providerId="ADAL" clId="{2E0E2B14-ECC8-4DAF-9346-16E104387F04}" dt="2025-04-17T10:21:14.277" v="3682" actId="478"/>
-          <ac:spMkLst>
-            <pc:docMk/>
-            <pc:sldMk cId="1265935687" sldId="259"/>
-            <ac:spMk id="7" creationId="{FBAEBE3D-A578-4562-AD66-01560CEC39F9}"/>
-          </ac:spMkLst>
-        </pc:spChg>
-        <pc:spChg chg="mod">
-          <ac:chgData name="Kantorska Krystyna" userId="3723c91c-ac7e-41a7-97bb-0f7068af699c" providerId="ADAL" clId="{2E0E2B14-ECC8-4DAF-9346-16E104387F04}" dt="2025-04-14T08:50:35.277" v="214" actId="20577"/>
-          <ac:spMkLst>
-            <pc:docMk/>
-            <pc:sldMk cId="1265935687" sldId="259"/>
-            <ac:spMk id="8" creationId="{8EBF1405-2753-4075-868D-511C27E85E1E}"/>
-          </ac:spMkLst>
-        </pc:spChg>
-      </pc:sldChg>
-      <pc:sldChg chg="del">
-        <pc:chgData name="Kantorska Krystyna" userId="3723c91c-ac7e-41a7-97bb-0f7068af699c" providerId="ADAL" clId="{2E0E2B14-ECC8-4DAF-9346-16E104387F04}" dt="2025-04-17T08:51:14.883" v="2903" actId="2696"/>
-        <pc:sldMkLst>
-          <pc:docMk/>
-          <pc:sldMk cId="3552702154" sldId="260"/>
-        </pc:sldMkLst>
-      </pc:sldChg>
-      <pc:sldChg chg="del">
-        <pc:chgData name="Kantorska Krystyna" userId="3723c91c-ac7e-41a7-97bb-0f7068af699c" providerId="ADAL" clId="{2E0E2B14-ECC8-4DAF-9346-16E104387F04}" dt="2025-04-17T08:51:42.859" v="2907" actId="2696"/>
-        <pc:sldMkLst>
-          <pc:docMk/>
-          <pc:sldMk cId="3290104786" sldId="261"/>
-        </pc:sldMkLst>
-      </pc:sldChg>
-      <pc:sldChg chg="addSp delSp modSp mod">
-        <pc:chgData name="Kantorska Krystyna" userId="3723c91c-ac7e-41a7-97bb-0f7068af699c" providerId="ADAL" clId="{2E0E2B14-ECC8-4DAF-9346-16E104387F04}" dt="2025-04-17T10:30:11.851" v="3814"/>
-        <pc:sldMkLst>
-          <pc:docMk/>
-          <pc:sldMk cId="3667437747" sldId="262"/>
-        </pc:sldMkLst>
-        <pc:spChg chg="add">
-          <ac:chgData name="Kantorska Krystyna" userId="3723c91c-ac7e-41a7-97bb-0f7068af699c" providerId="ADAL" clId="{2E0E2B14-ECC8-4DAF-9346-16E104387F04}" dt="2025-04-17T10:30:11.851" v="3814"/>
-          <ac:spMkLst>
-            <pc:docMk/>
-            <pc:sldMk cId="3667437747" sldId="262"/>
-            <ac:spMk id="2" creationId="{97C5A2F3-D298-DCDC-B90D-7B4178F0FC64}"/>
-          </ac:spMkLst>
-        </pc:spChg>
-        <pc:spChg chg="add del mod">
-          <ac:chgData name="Kantorska Krystyna" userId="3723c91c-ac7e-41a7-97bb-0f7068af699c" providerId="ADAL" clId="{2E0E2B14-ECC8-4DAF-9346-16E104387F04}" dt="2025-04-14T13:20:43.433" v="1734" actId="478"/>
-          <ac:spMkLst>
-            <pc:docMk/>
-            <pc:sldMk cId="3667437747" sldId="262"/>
-            <ac:spMk id="3" creationId="{AED1C869-2529-2059-14AB-B37AAE199E67}"/>
-          </ac:spMkLst>
-        </pc:spChg>
-        <pc:spChg chg="add">
-          <ac:chgData name="Kantorska Krystyna" userId="3723c91c-ac7e-41a7-97bb-0f7068af699c" providerId="ADAL" clId="{2E0E2B14-ECC8-4DAF-9346-16E104387F04}" dt="2025-04-17T10:30:11.851" v="3814"/>
-          <ac:spMkLst>
-            <pc:docMk/>
-            <pc:sldMk cId="3667437747" sldId="262"/>
-            <ac:spMk id="4" creationId="{CBAAF8AA-1413-8290-5F74-3C75EE75ADEF}"/>
-          </ac:spMkLst>
-        </pc:spChg>
-        <pc:spChg chg="add del mod">
-          <ac:chgData name="Kantorska Krystyna" userId="3723c91c-ac7e-41a7-97bb-0f7068af699c" providerId="ADAL" clId="{2E0E2B14-ECC8-4DAF-9346-16E104387F04}" dt="2025-04-14T08:55:25.515" v="238" actId="478"/>
-          <ac:spMkLst>
-            <pc:docMk/>
-            <pc:sldMk cId="3667437747" sldId="262"/>
-            <ac:spMk id="5" creationId="{585A6672-B6E6-10DC-34C6-C87D5BA3CAD7}"/>
-          </ac:spMkLst>
-        </pc:spChg>
-        <pc:spChg chg="del">
-          <ac:chgData name="Kantorska Krystyna" userId="3723c91c-ac7e-41a7-97bb-0f7068af699c" providerId="ADAL" clId="{2E0E2B14-ECC8-4DAF-9346-16E104387F04}" dt="2025-04-14T09:14:30.917" v="578" actId="931"/>
-          <ac:spMkLst>
-            <pc:docMk/>
-            <pc:sldMk cId="3667437747" sldId="262"/>
-            <ac:spMk id="9" creationId="{AFBA5E67-F5CD-4F8B-9F6D-B4B9CCCD0D09}"/>
-          </ac:spMkLst>
-        </pc:spChg>
-        <pc:spChg chg="add del mod">
-          <ac:chgData name="Kantorska Krystyna" userId="3723c91c-ac7e-41a7-97bb-0f7068af699c" providerId="ADAL" clId="{2E0E2B14-ECC8-4DAF-9346-16E104387F04}" dt="2025-04-14T09:16:21.312" v="585" actId="931"/>
-          <ac:spMkLst>
-            <pc:docMk/>
-            <pc:sldMk cId="3667437747" sldId="262"/>
-            <ac:spMk id="24" creationId="{25964480-DE37-A5E0-4FFA-AE0A6791349C}"/>
-          </ac:spMkLst>
-        </pc:spChg>
-        <pc:spChg chg="add del mod">
-          <ac:chgData name="Kantorska Krystyna" userId="3723c91c-ac7e-41a7-97bb-0f7068af699c" providerId="ADAL" clId="{2E0E2B14-ECC8-4DAF-9346-16E104387F04}" dt="2025-04-14T09:16:40.058" v="588" actId="931"/>
-          <ac:spMkLst>
-            <pc:docMk/>
-            <pc:sldMk cId="3667437747" sldId="262"/>
-            <ac:spMk id="28" creationId="{DBF5860B-5111-2BCF-974A-4943C20A26C3}"/>
-          </ac:spMkLst>
-        </pc:spChg>
-        <pc:spChg chg="add del mod">
-          <ac:chgData name="Kantorska Krystyna" userId="3723c91c-ac7e-41a7-97bb-0f7068af699c" providerId="ADAL" clId="{2E0E2B14-ECC8-4DAF-9346-16E104387F04}" dt="2025-04-14T09:16:57.266" v="592" actId="478"/>
-          <ac:spMkLst>
-            <pc:docMk/>
-            <pc:sldMk cId="3667437747" sldId="262"/>
-            <ac:spMk id="32" creationId="{FD5439F2-2C47-1405-D07D-57DE58E24CA9}"/>
-          </ac:spMkLst>
-        </pc:spChg>
-        <pc:spChg chg="add mod">
-          <ac:chgData name="Kantorska Krystyna" userId="3723c91c-ac7e-41a7-97bb-0f7068af699c" providerId="ADAL" clId="{2E0E2B14-ECC8-4DAF-9346-16E104387F04}" dt="2025-04-16T08:06:22.297" v="1805" actId="1076"/>
-          <ac:spMkLst>
-            <pc:docMk/>
-            <pc:sldMk cId="3667437747" sldId="262"/>
-            <ac:spMk id="35" creationId="{0F756271-D8C4-5F48-8642-376664FE9961}"/>
-          </ac:spMkLst>
-        </pc:spChg>
-        <pc:spChg chg="add mod">
-          <ac:chgData name="Kantorska Krystyna" userId="3723c91c-ac7e-41a7-97bb-0f7068af699c" providerId="ADAL" clId="{2E0E2B14-ECC8-4DAF-9346-16E104387F04}" dt="2025-04-16T08:06:37.390" v="1808" actId="20577"/>
-          <ac:spMkLst>
-            <pc:docMk/>
-            <pc:sldMk cId="3667437747" sldId="262"/>
-            <ac:spMk id="36" creationId="{DAC2DC42-4BB1-152B-2B89-F111AF4BE30D}"/>
-          </ac:spMkLst>
-        </pc:spChg>
-        <pc:spChg chg="add del">
-          <ac:chgData name="Kantorska Krystyna" userId="3723c91c-ac7e-41a7-97bb-0f7068af699c" providerId="ADAL" clId="{2E0E2B14-ECC8-4DAF-9346-16E104387F04}" dt="2025-04-14T09:23:05.650" v="655" actId="478"/>
-          <ac:spMkLst>
-            <pc:docMk/>
-            <pc:sldMk cId="3667437747" sldId="262"/>
-            <ac:spMk id="55" creationId="{2098178E-B6BF-4BA7-BE17-286A1F94BC42}"/>
-          </ac:spMkLst>
-        </pc:spChg>
-        <pc:spChg chg="add del mod">
-          <ac:chgData name="Kantorska Krystyna" userId="3723c91c-ac7e-41a7-97bb-0f7068af699c" providerId="ADAL" clId="{2E0E2B14-ECC8-4DAF-9346-16E104387F04}" dt="2025-04-14T09:24:32.216" v="662"/>
-          <ac:spMkLst>
-            <pc:docMk/>
-            <pc:sldMk cId="3667437747" sldId="262"/>
-            <ac:spMk id="56" creationId="{1556D638-F854-67F5-E7C7-531CF22B859B}"/>
-          </ac:spMkLst>
-        </pc:spChg>
-        <pc:spChg chg="add mod">
-          <ac:chgData name="Kantorska Krystyna" userId="3723c91c-ac7e-41a7-97bb-0f7068af699c" providerId="ADAL" clId="{2E0E2B14-ECC8-4DAF-9346-16E104387F04}" dt="2025-04-16T08:05:41.241" v="1790" actId="1076"/>
-          <ac:spMkLst>
-            <pc:docMk/>
-            <pc:sldMk cId="3667437747" sldId="262"/>
-            <ac:spMk id="57" creationId="{70C50605-44AB-C324-9668-00849B5A1C6B}"/>
-          </ac:spMkLst>
-        </pc:spChg>
-        <pc:spChg chg="add mod">
-          <ac:chgData name="Kantorska Krystyna" userId="3723c91c-ac7e-41a7-97bb-0f7068af699c" providerId="ADAL" clId="{2E0E2B14-ECC8-4DAF-9346-16E104387F04}" dt="2025-04-16T08:08:24.055" v="1814" actId="1076"/>
-          <ac:spMkLst>
-            <pc:docMk/>
-            <pc:sldMk cId="3667437747" sldId="262"/>
-            <ac:spMk id="58" creationId="{4EBC4967-1521-A692-1CB0-2139F963F58B}"/>
-          </ac:spMkLst>
-        </pc:spChg>
-        <pc:spChg chg="add mod">
-          <ac:chgData name="Kantorska Krystyna" userId="3723c91c-ac7e-41a7-97bb-0f7068af699c" providerId="ADAL" clId="{2E0E2B14-ECC8-4DAF-9346-16E104387F04}" dt="2025-04-16T08:08:24.055" v="1814" actId="1076"/>
-          <ac:spMkLst>
-            <pc:docMk/>
-            <pc:sldMk cId="3667437747" sldId="262"/>
-            <ac:spMk id="59" creationId="{EC6E125D-4376-2B4E-60DF-5E45E76A8034}"/>
-          </ac:spMkLst>
-        </pc:spChg>
-        <pc:spChg chg="add del mod">
-          <ac:chgData name="Kantorska Krystyna" userId="3723c91c-ac7e-41a7-97bb-0f7068af699c" providerId="ADAL" clId="{2E0E2B14-ECC8-4DAF-9346-16E104387F04}" dt="2025-04-14T09:46:51.845" v="703" actId="11529"/>
-          <ac:spMkLst>
-            <pc:docMk/>
-            <pc:sldMk cId="3667437747" sldId="262"/>
-            <ac:spMk id="60" creationId="{64574ACD-60D6-AD74-7CDD-2A599CE37B30}"/>
-          </ac:spMkLst>
-        </pc:spChg>
-        <pc:spChg chg="add del mod">
-          <ac:chgData name="Kantorska Krystyna" userId="3723c91c-ac7e-41a7-97bb-0f7068af699c" providerId="ADAL" clId="{2E0E2B14-ECC8-4DAF-9346-16E104387F04}" dt="2025-04-14T10:16:18.638" v="839"/>
-          <ac:spMkLst>
-            <pc:docMk/>
-            <pc:sldMk cId="3667437747" sldId="262"/>
-            <ac:spMk id="61" creationId="{BBFF852F-2539-7E25-BDA3-D3E2027BA5C2}"/>
-          </ac:spMkLst>
-        </pc:spChg>
-        <pc:spChg chg="add">
-          <ac:chgData name="Kantorska Krystyna" userId="3723c91c-ac7e-41a7-97bb-0f7068af699c" providerId="ADAL" clId="{2E0E2B14-ECC8-4DAF-9346-16E104387F04}" dt="2025-04-14T10:15:41.641" v="831"/>
-          <ac:spMkLst>
-            <pc:docMk/>
-            <pc:sldMk cId="3667437747" sldId="262"/>
-            <ac:spMk id="62" creationId="{09CB5CEA-E50D-5168-2D80-E4696E3E0578}"/>
-          </ac:spMkLst>
-        </pc:spChg>
-        <pc:spChg chg="add del mod">
-          <ac:chgData name="Kantorska Krystyna" userId="3723c91c-ac7e-41a7-97bb-0f7068af699c" providerId="ADAL" clId="{2E0E2B14-ECC8-4DAF-9346-16E104387F04}" dt="2025-04-14T10:53:42.041" v="1017" actId="21"/>
-          <ac:spMkLst>
-            <pc:docMk/>
-            <pc:sldMk cId="3667437747" sldId="262"/>
-            <ac:spMk id="63" creationId="{8FB5D6C8-8AA8-094D-CE9E-01AB2277C795}"/>
-          </ac:spMkLst>
-        </pc:spChg>
-        <pc:spChg chg="add del mod">
-          <ac:chgData name="Kantorska Krystyna" userId="3723c91c-ac7e-41a7-97bb-0f7068af699c" providerId="ADAL" clId="{2E0E2B14-ECC8-4DAF-9346-16E104387F04}" dt="2025-04-14T10:31:27.470" v="1005"/>
-          <ac:spMkLst>
-            <pc:docMk/>
-            <pc:sldMk cId="3667437747" sldId="262"/>
-            <ac:spMk id="320" creationId="{8FA1C29A-26B8-0446-86F9-1B59013A9F31}"/>
-          </ac:spMkLst>
-        </pc:spChg>
-        <pc:spChg chg="mod">
-          <ac:chgData name="Kantorska Krystyna" userId="3723c91c-ac7e-41a7-97bb-0f7068af699c" providerId="ADAL" clId="{2E0E2B14-ECC8-4DAF-9346-16E104387F04}" dt="2025-04-16T07:59:48.689" v="1739" actId="20577"/>
-          <ac:spMkLst>
-            <pc:docMk/>
-            <pc:sldMk cId="3667437747" sldId="262"/>
-            <ac:spMk id="330" creationId="{09680D1C-F7A4-4E61-A500-EF5B3A5CE3DA}"/>
-          </ac:spMkLst>
-        </pc:spChg>
-        <pc:spChg chg="del">
-          <ac:chgData name="Kantorska Krystyna" userId="3723c91c-ac7e-41a7-97bb-0f7068af699c" providerId="ADAL" clId="{2E0E2B14-ECC8-4DAF-9346-16E104387F04}" dt="2025-04-14T08:54:55.429" v="215" actId="478"/>
-          <ac:spMkLst>
-            <pc:docMk/>
-            <pc:sldMk cId="3667437747" sldId="262"/>
-            <ac:spMk id="331" creationId="{87AD2A8B-773C-4F18-9513-D068233C68EA}"/>
-          </ac:spMkLst>
-        </pc:spChg>
-        <pc:spChg chg="mod">
-          <ac:chgData name="Kantorska Krystyna" userId="3723c91c-ac7e-41a7-97bb-0f7068af699c" providerId="ADAL" clId="{2E0E2B14-ECC8-4DAF-9346-16E104387F04}" dt="2025-04-16T08:08:24.055" v="1814" actId="1076"/>
-          <ac:spMkLst>
-            <pc:docMk/>
-            <pc:sldMk cId="3667437747" sldId="262"/>
-            <ac:spMk id="334" creationId="{08026FC3-2C56-4D47-8F98-A00A5144A6AA}"/>
-          </ac:spMkLst>
-        </pc:spChg>
-        <pc:graphicFrameChg chg="add del mod modGraphic">
-          <ac:chgData name="Kantorska Krystyna" userId="3723c91c-ac7e-41a7-97bb-0f7068af699c" providerId="ADAL" clId="{2E0E2B14-ECC8-4DAF-9346-16E104387F04}" dt="2025-04-14T09:19:57.510" v="628" actId="478"/>
-          <ac:graphicFrameMkLst>
-            <pc:docMk/>
-            <pc:sldMk cId="3667437747" sldId="262"/>
-            <ac:graphicFrameMk id="8" creationId="{5903096E-EDE6-2618-38E7-B4800B5311FF}"/>
-          </ac:graphicFrameMkLst>
-        </pc:graphicFrameChg>
-        <pc:picChg chg="del">
-          <ac:chgData name="Kantorska Krystyna" userId="3723c91c-ac7e-41a7-97bb-0f7068af699c" providerId="ADAL" clId="{2E0E2B14-ECC8-4DAF-9346-16E104387F04}" dt="2025-04-14T08:55:21.684" v="237" actId="478"/>
-          <ac:picMkLst>
-            <pc:docMk/>
-            <pc:sldMk cId="3667437747" sldId="262"/>
-            <ac:picMk id="10" creationId="{B373F36E-F3F3-4F77-A5AB-C2A76C18D98C}"/>
-          </ac:picMkLst>
-        </pc:picChg>
-        <pc:picChg chg="add del mod ord">
-          <ac:chgData name="Kantorska Krystyna" userId="3723c91c-ac7e-41a7-97bb-0f7068af699c" providerId="ADAL" clId="{2E0E2B14-ECC8-4DAF-9346-16E104387F04}" dt="2025-04-14T09:15:56.868" v="584" actId="478"/>
-          <ac:picMkLst>
-            <pc:docMk/>
-            <pc:sldMk cId="3667437747" sldId="262"/>
-            <ac:picMk id="20" creationId="{3033A21F-A616-B298-FC82-09BCA92D0DB7}"/>
-          </ac:picMkLst>
-        </pc:picChg>
-        <pc:picChg chg="add mod">
-          <ac:chgData name="Kantorska Krystyna" userId="3723c91c-ac7e-41a7-97bb-0f7068af699c" providerId="ADAL" clId="{2E0E2B14-ECC8-4DAF-9346-16E104387F04}" dt="2025-04-14T11:26:55.896" v="1689" actId="1076"/>
-          <ac:picMkLst>
-            <pc:docMk/>
-            <pc:sldMk cId="3667437747" sldId="262"/>
-            <ac:picMk id="22" creationId="{50BAB075-0007-E271-5B70-C9515140F91B}"/>
-          </ac:picMkLst>
-        </pc:picChg>
-        <pc:picChg chg="add del mod">
-          <ac:chgData name="Kantorska Krystyna" userId="3723c91c-ac7e-41a7-97bb-0f7068af699c" providerId="ADAL" clId="{2E0E2B14-ECC8-4DAF-9346-16E104387F04}" dt="2025-04-14T09:16:25.852" v="587" actId="478"/>
-          <ac:picMkLst>
-            <pc:docMk/>
-            <pc:sldMk cId="3667437747" sldId="262"/>
-            <ac:picMk id="26" creationId="{1AAD4F65-335A-0308-7144-9EB070D6C4EA}"/>
-          </ac:picMkLst>
-        </pc:picChg>
-        <pc:picChg chg="add del mod">
-          <ac:chgData name="Kantorska Krystyna" userId="3723c91c-ac7e-41a7-97bb-0f7068af699c" providerId="ADAL" clId="{2E0E2B14-ECC8-4DAF-9346-16E104387F04}" dt="2025-04-14T09:16:45.581" v="590" actId="478"/>
-          <ac:picMkLst>
-            <pc:docMk/>
-            <pc:sldMk cId="3667437747" sldId="262"/>
-            <ac:picMk id="30" creationId="{6CC7268A-A8B3-1C45-604D-51408B5A40F1}"/>
-          </ac:picMkLst>
-        </pc:picChg>
-        <pc:picChg chg="add mod">
-          <ac:chgData name="Kantorska Krystyna" userId="3723c91c-ac7e-41a7-97bb-0f7068af699c" providerId="ADAL" clId="{2E0E2B14-ECC8-4DAF-9346-16E104387F04}" dt="2025-04-14T11:26:55.896" v="1689" actId="1076"/>
-          <ac:picMkLst>
-            <pc:docMk/>
-            <pc:sldMk cId="3667437747" sldId="262"/>
-            <ac:picMk id="34" creationId="{85342119-D24B-35FA-431D-175734505885}"/>
-          </ac:picMkLst>
-        </pc:picChg>
-        <pc:picChg chg="add mod">
-          <ac:chgData name="Kantorska Krystyna" userId="3723c91c-ac7e-41a7-97bb-0f7068af699c" providerId="ADAL" clId="{2E0E2B14-ECC8-4DAF-9346-16E104387F04}" dt="2025-04-14T11:26:55.896" v="1689" actId="1076"/>
-          <ac:picMkLst>
-            <pc:docMk/>
-            <pc:sldMk cId="3667437747" sldId="262"/>
-            <ac:picMk id="41" creationId="{7818209C-ABAC-17B1-FDFC-BDEFF236EC4D}"/>
-          </ac:picMkLst>
-        </pc:picChg>
-        <pc:picChg chg="add mod">
-          <ac:chgData name="Kantorska Krystyna" userId="3723c91c-ac7e-41a7-97bb-0f7068af699c" providerId="ADAL" clId="{2E0E2B14-ECC8-4DAF-9346-16E104387F04}" dt="2025-04-14T11:26:55.896" v="1689" actId="1076"/>
-          <ac:picMkLst>
-            <pc:docMk/>
-            <pc:sldMk cId="3667437747" sldId="262"/>
-            <ac:picMk id="42" creationId="{8FEDDFD3-CD19-ED85-95AF-016ADFA83BDF}"/>
-          </ac:picMkLst>
-        </pc:picChg>
-        <pc:cxnChg chg="add mod">
-          <ac:chgData name="Kantorska Krystyna" userId="3723c91c-ac7e-41a7-97bb-0f7068af699c" providerId="ADAL" clId="{2E0E2B14-ECC8-4DAF-9346-16E104387F04}" dt="2025-04-16T08:08:30.575" v="1815" actId="14100"/>
-          <ac:cxnSpMkLst>
-            <pc:docMk/>
-            <pc:sldMk cId="3667437747" sldId="262"/>
-            <ac:cxnSpMk id="3" creationId="{3BC25757-53F4-D93A-6C99-23478FDF9195}"/>
-          </ac:cxnSpMkLst>
-        </pc:cxnChg>
-        <pc:cxnChg chg="add del mod">
-          <ac:chgData name="Kantorska Krystyna" userId="3723c91c-ac7e-41a7-97bb-0f7068af699c" providerId="ADAL" clId="{2E0E2B14-ECC8-4DAF-9346-16E104387F04}" dt="2025-04-14T09:21:06.833" v="637" actId="478"/>
-          <ac:cxnSpMkLst>
-            <pc:docMk/>
-            <pc:sldMk cId="3667437747" sldId="262"/>
-            <ac:cxnSpMk id="7" creationId="{4EEB439B-CBD1-79A8-C631-A1C89306E8E9}"/>
-          </ac:cxnSpMkLst>
-        </pc:cxnChg>
-        <pc:cxnChg chg="add del mod">
-          <ac:chgData name="Kantorska Krystyna" userId="3723c91c-ac7e-41a7-97bb-0f7068af699c" providerId="ADAL" clId="{2E0E2B14-ECC8-4DAF-9346-16E104387F04}" dt="2025-04-14T09:21:07.801" v="638" actId="478"/>
-          <ac:cxnSpMkLst>
-            <pc:docMk/>
-            <pc:sldMk cId="3667437747" sldId="262"/>
-            <ac:cxnSpMk id="12" creationId="{0BADAC0D-AAEB-951C-A992-CD9600508227}"/>
-          </ac:cxnSpMkLst>
-        </pc:cxnChg>
-        <pc:cxnChg chg="add del mod">
-          <ac:chgData name="Kantorska Krystyna" userId="3723c91c-ac7e-41a7-97bb-0f7068af699c" providerId="ADAL" clId="{2E0E2B14-ECC8-4DAF-9346-16E104387F04}" dt="2025-04-14T09:21:08.610" v="639" actId="478"/>
-          <ac:cxnSpMkLst>
-            <pc:docMk/>
-            <pc:sldMk cId="3667437747" sldId="262"/>
-            <ac:cxnSpMk id="43" creationId="{AC05EE4A-3A81-A78C-1C30-5981437688D3}"/>
-          </ac:cxnSpMkLst>
-        </pc:cxnChg>
-        <pc:cxnChg chg="add mod">
-          <ac:chgData name="Kantorska Krystyna" userId="3723c91c-ac7e-41a7-97bb-0f7068af699c" providerId="ADAL" clId="{2E0E2B14-ECC8-4DAF-9346-16E104387F04}" dt="2025-04-14T11:26:55.896" v="1689" actId="1076"/>
-          <ac:cxnSpMkLst>
-            <pc:docMk/>
-            <pc:sldMk cId="3667437747" sldId="262"/>
-            <ac:cxnSpMk id="48" creationId="{53F3C226-33CA-C9D1-71AC-8F6E3517E752}"/>
-          </ac:cxnSpMkLst>
-        </pc:cxnChg>
-        <pc:cxnChg chg="add mod">
-          <ac:chgData name="Kantorska Krystyna" userId="3723c91c-ac7e-41a7-97bb-0f7068af699c" providerId="ADAL" clId="{2E0E2B14-ECC8-4DAF-9346-16E104387F04}" dt="2025-04-14T11:26:55.896" v="1689" actId="1076"/>
-          <ac:cxnSpMkLst>
-            <pc:docMk/>
-            <pc:sldMk cId="3667437747" sldId="262"/>
-            <ac:cxnSpMk id="50" creationId="{7682CA2F-677B-5BFC-60BE-DC37DA6D3866}"/>
-          </ac:cxnSpMkLst>
-        </pc:cxnChg>
-        <pc:cxnChg chg="add mod">
-          <ac:chgData name="Kantorska Krystyna" userId="3723c91c-ac7e-41a7-97bb-0f7068af699c" providerId="ADAL" clId="{2E0E2B14-ECC8-4DAF-9346-16E104387F04}" dt="2025-04-14T11:26:55.896" v="1689" actId="1076"/>
-          <ac:cxnSpMkLst>
-            <pc:docMk/>
-            <pc:sldMk cId="3667437747" sldId="262"/>
-            <ac:cxnSpMk id="53" creationId="{1F611067-E150-B574-B58E-FD9C5AEED9B7}"/>
-          </ac:cxnSpMkLst>
-        </pc:cxnChg>
-      </pc:sldChg>
-      <pc:sldChg chg="addSp delSp modSp mod">
-        <pc:chgData name="Kantorska Krystyna" userId="3723c91c-ac7e-41a7-97bb-0f7068af699c" providerId="ADAL" clId="{2E0E2B14-ECC8-4DAF-9346-16E104387F04}" dt="2025-04-17T10:30:11.851" v="3814"/>
-        <pc:sldMkLst>
-          <pc:docMk/>
-          <pc:sldMk cId="375749043" sldId="265"/>
-        </pc:sldMkLst>
-        <pc:spChg chg="add">
-          <ac:chgData name="Kantorska Krystyna" userId="3723c91c-ac7e-41a7-97bb-0f7068af699c" providerId="ADAL" clId="{2E0E2B14-ECC8-4DAF-9346-16E104387F04}" dt="2025-04-17T10:30:11.851" v="3814"/>
-          <ac:spMkLst>
-            <pc:docMk/>
-            <pc:sldMk cId="375749043" sldId="265"/>
-            <ac:spMk id="2" creationId="{99872B27-FD52-03C4-76C5-CE68242E2241}"/>
-          </ac:spMkLst>
-        </pc:spChg>
-        <pc:spChg chg="add del mod">
-          <ac:chgData name="Kantorska Krystyna" userId="3723c91c-ac7e-41a7-97bb-0f7068af699c" providerId="ADAL" clId="{2E0E2B14-ECC8-4DAF-9346-16E104387F04}" dt="2025-04-14T10:53:01.667" v="1007" actId="478"/>
-          <ac:spMkLst>
-            <pc:docMk/>
-            <pc:sldMk cId="375749043" sldId="265"/>
-            <ac:spMk id="3" creationId="{8817E9AC-B826-4E9B-A3CD-D10B0AFCD001}"/>
-          </ac:spMkLst>
-        </pc:spChg>
-        <pc:spChg chg="add">
-          <ac:chgData name="Kantorska Krystyna" userId="3723c91c-ac7e-41a7-97bb-0f7068af699c" providerId="ADAL" clId="{2E0E2B14-ECC8-4DAF-9346-16E104387F04}" dt="2025-04-17T10:30:11.851" v="3814"/>
-          <ac:spMkLst>
-            <pc:docMk/>
-            <pc:sldMk cId="375749043" sldId="265"/>
-            <ac:spMk id="4" creationId="{BA425A3F-A3D0-D2CB-EA45-DC1B3026CB74}"/>
-          </ac:spMkLst>
-        </pc:spChg>
-        <pc:spChg chg="add del mod">
-          <ac:chgData name="Kantorska Krystyna" userId="3723c91c-ac7e-41a7-97bb-0f7068af699c" providerId="ADAL" clId="{2E0E2B14-ECC8-4DAF-9346-16E104387F04}" dt="2025-04-14T10:53:33.107" v="1016" actId="478"/>
-          <ac:spMkLst>
-            <pc:docMk/>
-            <pc:sldMk cId="375749043" sldId="265"/>
-            <ac:spMk id="5" creationId="{0CC58DFA-9E4B-B965-CD02-984A939A46A7}"/>
-          </ac:spMkLst>
-        </pc:spChg>
-        <pc:spChg chg="add del mod">
-          <ac:chgData name="Kantorska Krystyna" userId="3723c91c-ac7e-41a7-97bb-0f7068af699c" providerId="ADAL" clId="{2E0E2B14-ECC8-4DAF-9346-16E104387F04}" dt="2025-04-14T10:53:13.193" v="1011" actId="478"/>
-          <ac:spMkLst>
-            <pc:docMk/>
-            <pc:sldMk cId="375749043" sldId="265"/>
-            <ac:spMk id="8" creationId="{E7A0D0A6-9A7B-87D9-43D2-A59E6686490E}"/>
-          </ac:spMkLst>
-        </pc:spChg>
-        <pc:spChg chg="add del mod">
-          <ac:chgData name="Kantorska Krystyna" userId="3723c91c-ac7e-41a7-97bb-0f7068af699c" providerId="ADAL" clId="{2E0E2B14-ECC8-4DAF-9346-16E104387F04}" dt="2025-04-14T10:53:18.682" v="1013" actId="478"/>
-          <ac:spMkLst>
-            <pc:docMk/>
-            <pc:sldMk cId="375749043" sldId="265"/>
-            <ac:spMk id="10" creationId="{29326172-F612-E7C8-7471-C00504A9D7E6}"/>
-          </ac:spMkLst>
-        </pc:spChg>
-        <pc:spChg chg="add mod">
-          <ac:chgData name="Kantorska Krystyna" userId="3723c91c-ac7e-41a7-97bb-0f7068af699c" providerId="ADAL" clId="{2E0E2B14-ECC8-4DAF-9346-16E104387F04}" dt="2025-04-14T12:48:13.039" v="1733" actId="20577"/>
-          <ac:spMkLst>
-            <pc:docMk/>
-            <pc:sldMk cId="375749043" sldId="265"/>
-            <ac:spMk id="11" creationId="{58EFF61A-F4A2-0F47-5E4C-E00A778CD8EA}"/>
-          </ac:spMkLst>
-        </pc:spChg>
-        <pc:spChg chg="add mod">
-          <ac:chgData name="Kantorska Krystyna" userId="3723c91c-ac7e-41a7-97bb-0f7068af699c" providerId="ADAL" clId="{2E0E2B14-ECC8-4DAF-9346-16E104387F04}" dt="2025-04-16T08:22:19.814" v="1921" actId="14100"/>
-          <ac:spMkLst>
-            <pc:docMk/>
-            <pc:sldMk cId="375749043" sldId="265"/>
-            <ac:spMk id="63" creationId="{8FB5D6C8-8AA8-094D-CE9E-01AB2277C795}"/>
-          </ac:spMkLst>
-        </pc:spChg>
-        <pc:spChg chg="del mod">
-          <ac:chgData name="Kantorska Krystyna" userId="3723c91c-ac7e-41a7-97bb-0f7068af699c" providerId="ADAL" clId="{2E0E2B14-ECC8-4DAF-9346-16E104387F04}" dt="2025-04-14T10:53:08.819" v="1009" actId="478"/>
-          <ac:spMkLst>
-            <pc:docMk/>
-            <pc:sldMk cId="375749043" sldId="265"/>
-            <ac:spMk id="330" creationId="{09680D1C-F7A4-4E61-A500-EF5B3A5CE3DA}"/>
-          </ac:spMkLst>
-        </pc:spChg>
-        <pc:spChg chg="del">
-          <ac:chgData name="Kantorska Krystyna" userId="3723c91c-ac7e-41a7-97bb-0f7068af699c" providerId="ADAL" clId="{2E0E2B14-ECC8-4DAF-9346-16E104387F04}" dt="2025-04-14T10:53:10.860" v="1010" actId="478"/>
-          <ac:spMkLst>
-            <pc:docMk/>
-            <pc:sldMk cId="375749043" sldId="265"/>
-            <ac:spMk id="331" creationId="{87AD2A8B-773C-4F18-9513-D068233C68EA}"/>
-          </ac:spMkLst>
-        </pc:spChg>
-        <pc:spChg chg="del">
-          <ac:chgData name="Kantorska Krystyna" userId="3723c91c-ac7e-41a7-97bb-0f7068af699c" providerId="ADAL" clId="{2E0E2B14-ECC8-4DAF-9346-16E104387F04}" dt="2025-04-14T10:53:15.261" v="1012" actId="478"/>
-          <ac:spMkLst>
-            <pc:docMk/>
-            <pc:sldMk cId="375749043" sldId="265"/>
-            <ac:spMk id="334" creationId="{08026FC3-2C56-4D47-8F98-A00A5144A6AA}"/>
-          </ac:spMkLst>
-        </pc:spChg>
-        <pc:picChg chg="add mod">
-          <ac:chgData name="Kantorska Krystyna" userId="3723c91c-ac7e-41a7-97bb-0f7068af699c" providerId="ADAL" clId="{2E0E2B14-ECC8-4DAF-9346-16E104387F04}" dt="2025-04-16T08:22:04.005" v="1919" actId="1076"/>
-          <ac:picMkLst>
-            <pc:docMk/>
-            <pc:sldMk cId="375749043" sldId="265"/>
-            <ac:picMk id="3" creationId="{C9E0E12A-30DB-081B-40F3-4CB6B74DD7C2}"/>
-          </ac:picMkLst>
-        </pc:picChg>
-        <pc:picChg chg="del">
-          <ac:chgData name="Kantorska Krystyna" userId="3723c91c-ac7e-41a7-97bb-0f7068af699c" providerId="ADAL" clId="{2E0E2B14-ECC8-4DAF-9346-16E104387F04}" dt="2025-04-14T10:53:00.228" v="1006" actId="478"/>
-          <ac:picMkLst>
-            <pc:docMk/>
-            <pc:sldMk cId="375749043" sldId="265"/>
-            <ac:picMk id="7" creationId="{FCDF36BE-7F4D-4BDC-8D0C-0A402F703D9D}"/>
-          </ac:picMkLst>
-        </pc:picChg>
-      </pc:sldChg>
-      <pc:sldChg chg="addSp delSp modSp mod modClrScheme chgLayout">
-        <pc:chgData name="Kantorska Krystyna" userId="3723c91c-ac7e-41a7-97bb-0f7068af699c" providerId="ADAL" clId="{2E0E2B14-ECC8-4DAF-9346-16E104387F04}" dt="2025-04-17T10:30:11.851" v="3814"/>
-        <pc:sldMkLst>
-          <pc:docMk/>
-          <pc:sldMk cId="3871883325" sldId="266"/>
-        </pc:sldMkLst>
-        <pc:spChg chg="add">
-          <ac:chgData name="Kantorska Krystyna" userId="3723c91c-ac7e-41a7-97bb-0f7068af699c" providerId="ADAL" clId="{2E0E2B14-ECC8-4DAF-9346-16E104387F04}" dt="2025-04-17T10:30:11.851" v="3814"/>
-          <ac:spMkLst>
-            <pc:docMk/>
-            <pc:sldMk cId="3871883325" sldId="266"/>
-            <ac:spMk id="2" creationId="{EF71FCA5-F64A-7981-65C7-A2EE64F8F39D}"/>
-          </ac:spMkLst>
-        </pc:spChg>
-        <pc:spChg chg="add del mod">
-          <ac:chgData name="Kantorska Krystyna" userId="3723c91c-ac7e-41a7-97bb-0f7068af699c" providerId="ADAL" clId="{2E0E2B14-ECC8-4DAF-9346-16E104387F04}" dt="2025-04-16T08:23:01.196" v="1962" actId="478"/>
-          <ac:spMkLst>
-            <pc:docMk/>
-            <pc:sldMk cId="3871883325" sldId="266"/>
-            <ac:spMk id="3" creationId="{77FE7D54-8C24-51D4-FCF5-A8E6D18B5E55}"/>
-          </ac:spMkLst>
-        </pc:spChg>
-        <pc:spChg chg="add">
-          <ac:chgData name="Kantorska Krystyna" userId="3723c91c-ac7e-41a7-97bb-0f7068af699c" providerId="ADAL" clId="{2E0E2B14-ECC8-4DAF-9346-16E104387F04}" dt="2025-04-17T10:30:11.851" v="3814"/>
-          <ac:spMkLst>
-            <pc:docMk/>
-            <pc:sldMk cId="3871883325" sldId="266"/>
-            <ac:spMk id="3" creationId="{8645D9CF-D2E4-8FDB-1A63-98BDF700434A}"/>
-          </ac:spMkLst>
-        </pc:spChg>
-        <pc:spChg chg="add del mod">
-          <ac:chgData name="Kantorska Krystyna" userId="3723c91c-ac7e-41a7-97bb-0f7068af699c" providerId="ADAL" clId="{2E0E2B14-ECC8-4DAF-9346-16E104387F04}" dt="2025-04-16T08:23:07.980" v="1964" actId="478"/>
-          <ac:spMkLst>
-            <pc:docMk/>
-            <pc:sldMk cId="3871883325" sldId="266"/>
-            <ac:spMk id="5" creationId="{48CD3F1E-5C54-B5AF-3562-D8CA5D2C7A0D}"/>
-          </ac:spMkLst>
-        </pc:spChg>
-        <pc:spChg chg="add del mod">
-          <ac:chgData name="Kantorska Krystyna" userId="3723c91c-ac7e-41a7-97bb-0f7068af699c" providerId="ADAL" clId="{2E0E2B14-ECC8-4DAF-9346-16E104387F04}" dt="2025-04-16T08:23:11.997" v="1966" actId="478"/>
-          <ac:spMkLst>
-            <pc:docMk/>
-            <pc:sldMk cId="3871883325" sldId="266"/>
-            <ac:spMk id="7" creationId="{E0C985B2-D1B2-9000-26C3-76DB19CF9FD0}"/>
-          </ac:spMkLst>
-        </pc:spChg>
-        <pc:spChg chg="add mod">
-          <ac:chgData name="Kantorska Krystyna" userId="3723c91c-ac7e-41a7-97bb-0f7068af699c" providerId="ADAL" clId="{2E0E2B14-ECC8-4DAF-9346-16E104387F04}" dt="2025-04-16T12:32:23.896" v="2895" actId="20577"/>
-          <ac:spMkLst>
-            <pc:docMk/>
-            <pc:sldMk cId="3871883325" sldId="266"/>
-            <ac:spMk id="8" creationId="{4F3931DF-EC95-8916-2AF2-7C5963F03EC3}"/>
-          </ac:spMkLst>
-        </pc:spChg>
-        <pc:spChg chg="add del mod">
-          <ac:chgData name="Kantorska Krystyna" userId="3723c91c-ac7e-41a7-97bb-0f7068af699c" providerId="ADAL" clId="{2E0E2B14-ECC8-4DAF-9346-16E104387F04}" dt="2025-04-16T08:23:58.949" v="1971" actId="478"/>
-          <ac:spMkLst>
-            <pc:docMk/>
-            <pc:sldMk cId="3871883325" sldId="266"/>
-            <ac:spMk id="9" creationId="{D66A69E1-765C-29D7-E345-DD2D8465D504}"/>
-          </ac:spMkLst>
-        </pc:spChg>
-        <pc:spChg chg="mod">
-          <ac:chgData name="Kantorska Krystyna" userId="3723c91c-ac7e-41a7-97bb-0f7068af699c" providerId="ADAL" clId="{2E0E2B14-ECC8-4DAF-9346-16E104387F04}" dt="2025-04-16T08:23:17.198" v="1967" actId="26606"/>
-          <ac:spMkLst>
-            <pc:docMk/>
-            <pc:sldMk cId="3871883325" sldId="266"/>
-            <ac:spMk id="329" creationId="{EFBFDD60-4C42-4AE8-9273-28D84DF7AE24}"/>
-          </ac:spMkLst>
-        </pc:spChg>
-        <pc:spChg chg="mod">
-          <ac:chgData name="Kantorska Krystyna" userId="3723c91c-ac7e-41a7-97bb-0f7068af699c" providerId="ADAL" clId="{2E0E2B14-ECC8-4DAF-9346-16E104387F04}" dt="2025-04-16T08:38:20.844" v="2095" actId="20577"/>
-          <ac:spMkLst>
-            <pc:docMk/>
-            <pc:sldMk cId="3871883325" sldId="266"/>
-            <ac:spMk id="330" creationId="{09680D1C-F7A4-4E61-A500-EF5B3A5CE3DA}"/>
-          </ac:spMkLst>
-        </pc:spChg>
-        <pc:spChg chg="del">
-          <ac:chgData name="Kantorska Krystyna" userId="3723c91c-ac7e-41a7-97bb-0f7068af699c" providerId="ADAL" clId="{2E0E2B14-ECC8-4DAF-9346-16E104387F04}" dt="2025-04-16T08:22:59.134" v="1961" actId="478"/>
-          <ac:spMkLst>
-            <pc:docMk/>
-            <pc:sldMk cId="3871883325" sldId="266"/>
-            <ac:spMk id="331" creationId="{87AD2A8B-773C-4F18-9513-D068233C68EA}"/>
-          </ac:spMkLst>
-        </pc:spChg>
-        <pc:spChg chg="del">
-          <ac:chgData name="Kantorska Krystyna" userId="3723c91c-ac7e-41a7-97bb-0f7068af699c" providerId="ADAL" clId="{2E0E2B14-ECC8-4DAF-9346-16E104387F04}" dt="2025-04-16T08:23:03.057" v="1963" actId="478"/>
-          <ac:spMkLst>
-            <pc:docMk/>
-            <pc:sldMk cId="3871883325" sldId="266"/>
-            <ac:spMk id="334" creationId="{08026FC3-2C56-4D47-8F98-A00A5144A6AA}"/>
-          </ac:spMkLst>
-        </pc:spChg>
-        <pc:spChg chg="add del mod">
-          <ac:chgData name="Kantorska Krystyna" userId="3723c91c-ac7e-41a7-97bb-0f7068af699c" providerId="ADAL" clId="{2E0E2B14-ECC8-4DAF-9346-16E104387F04}" dt="2025-04-16T08:23:50.960" v="1969"/>
-          <ac:spMkLst>
-            <pc:docMk/>
-            <pc:sldMk cId="3871883325" sldId="266"/>
-            <ac:spMk id="335" creationId="{7695F8EE-6423-8513-1C40-5FB1FFFF273B}"/>
-          </ac:spMkLst>
-        </pc:spChg>
-        <pc:graphicFrameChg chg="add del mod modGraphic">
-          <ac:chgData name="Kantorska Krystyna" userId="3723c91c-ac7e-41a7-97bb-0f7068af699c" providerId="ADAL" clId="{2E0E2B14-ECC8-4DAF-9346-16E104387F04}" dt="2025-04-16T08:34:59.298" v="2083" actId="478"/>
-          <ac:graphicFrameMkLst>
-            <pc:docMk/>
-            <pc:sldMk cId="3871883325" sldId="266"/>
-            <ac:graphicFrameMk id="10" creationId="{697ACE7D-18CB-2B83-B012-E4502BC8918C}"/>
-          </ac:graphicFrameMkLst>
-        </pc:graphicFrameChg>
-        <pc:graphicFrameChg chg="add mod modGraphic">
-          <ac:chgData name="Kantorska Krystyna" userId="3723c91c-ac7e-41a7-97bb-0f7068af699c" providerId="ADAL" clId="{2E0E2B14-ECC8-4DAF-9346-16E104387F04}" dt="2025-04-16T09:26:12.149" v="2173"/>
-          <ac:graphicFrameMkLst>
-            <pc:docMk/>
-            <pc:sldMk cId="3871883325" sldId="266"/>
-            <ac:graphicFrameMk id="12" creationId="{A0C20FAE-4C68-42E5-93E5-EBB49AAFD9FC}"/>
-          </ac:graphicFrameMkLst>
-        </pc:graphicFrameChg>
-        <pc:picChg chg="del">
-          <ac:chgData name="Kantorska Krystyna" userId="3723c91c-ac7e-41a7-97bb-0f7068af699c" providerId="ADAL" clId="{2E0E2B14-ECC8-4DAF-9346-16E104387F04}" dt="2025-04-16T08:23:11.085" v="1965" actId="478"/>
-          <ac:picMkLst>
-            <pc:docMk/>
-            <pc:sldMk cId="3871883325" sldId="266"/>
-            <ac:picMk id="11" creationId="{833D1D7A-1B2C-4ACA-8793-209693809F39}"/>
-          </ac:picMkLst>
-        </pc:picChg>
-      </pc:sldChg>
-      <pc:sldChg chg="del">
-        <pc:chgData name="Kantorska Krystyna" userId="3723c91c-ac7e-41a7-97bb-0f7068af699c" providerId="ADAL" clId="{2E0E2B14-ECC8-4DAF-9346-16E104387F04}" dt="2025-04-17T08:50:59.574" v="2896" actId="2696"/>
-        <pc:sldMkLst>
-          <pc:docMk/>
-          <pc:sldMk cId="317035572" sldId="267"/>
-        </pc:sldMkLst>
-      </pc:sldChg>
-      <pc:sldChg chg="del">
-        <pc:chgData name="Kantorska Krystyna" userId="3723c91c-ac7e-41a7-97bb-0f7068af699c" providerId="ADAL" clId="{2E0E2B14-ECC8-4DAF-9346-16E104387F04}" dt="2025-04-17T08:51:01.931" v="2897" actId="2696"/>
-        <pc:sldMkLst>
-          <pc:docMk/>
-          <pc:sldMk cId="1816146761" sldId="268"/>
-        </pc:sldMkLst>
-      </pc:sldChg>
-      <pc:sldChg chg="del">
-        <pc:chgData name="Kantorska Krystyna" userId="3723c91c-ac7e-41a7-97bb-0f7068af699c" providerId="ADAL" clId="{2E0E2B14-ECC8-4DAF-9346-16E104387F04}" dt="2025-04-17T08:51:04.162" v="2898" actId="2696"/>
-        <pc:sldMkLst>
-          <pc:docMk/>
-          <pc:sldMk cId="1854391374" sldId="269"/>
-        </pc:sldMkLst>
-      </pc:sldChg>
-      <pc:sldChg chg="del">
-        <pc:chgData name="Kantorska Krystyna" userId="3723c91c-ac7e-41a7-97bb-0f7068af699c" providerId="ADAL" clId="{2E0E2B14-ECC8-4DAF-9346-16E104387F04}" dt="2025-04-17T08:51:06.428" v="2899" actId="2696"/>
-        <pc:sldMkLst>
-          <pc:docMk/>
-          <pc:sldMk cId="346160208" sldId="271"/>
-        </pc:sldMkLst>
-      </pc:sldChg>
-      <pc:sldChg chg="del">
-        <pc:chgData name="Kantorska Krystyna" userId="3723c91c-ac7e-41a7-97bb-0f7068af699c" providerId="ADAL" clId="{2E0E2B14-ECC8-4DAF-9346-16E104387F04}" dt="2025-04-17T08:51:08.773" v="2900" actId="2696"/>
-        <pc:sldMkLst>
-          <pc:docMk/>
-          <pc:sldMk cId="1353519524" sldId="272"/>
-        </pc:sldMkLst>
-      </pc:sldChg>
-      <pc:sldChg chg="del">
-        <pc:chgData name="Kantorska Krystyna" userId="3723c91c-ac7e-41a7-97bb-0f7068af699c" providerId="ADAL" clId="{2E0E2B14-ECC8-4DAF-9346-16E104387F04}" dt="2025-04-17T08:51:13.041" v="2902" actId="2696"/>
-        <pc:sldMkLst>
-          <pc:docMk/>
-          <pc:sldMk cId="1952771014" sldId="273"/>
-        </pc:sldMkLst>
-      </pc:sldChg>
-      <pc:sldChg chg="del">
-        <pc:chgData name="Kantorska Krystyna" userId="3723c91c-ac7e-41a7-97bb-0f7068af699c" providerId="ADAL" clId="{2E0E2B14-ECC8-4DAF-9346-16E104387F04}" dt="2025-04-17T08:51:28.380" v="2906" actId="2696"/>
-        <pc:sldMkLst>
-          <pc:docMk/>
-          <pc:sldMk cId="896258353" sldId="274"/>
-        </pc:sldMkLst>
-      </pc:sldChg>
-      <pc:sldChg chg="del">
-        <pc:chgData name="Kantorska Krystyna" userId="3723c91c-ac7e-41a7-97bb-0f7068af699c" providerId="ADAL" clId="{2E0E2B14-ECC8-4DAF-9346-16E104387F04}" dt="2025-04-17T08:51:28.380" v="2906" actId="2696"/>
-        <pc:sldMkLst>
-          <pc:docMk/>
-          <pc:sldMk cId="4048190825" sldId="275"/>
-        </pc:sldMkLst>
-      </pc:sldChg>
-      <pc:sldChg chg="del">
-        <pc:chgData name="Kantorska Krystyna" userId="3723c91c-ac7e-41a7-97bb-0f7068af699c" providerId="ADAL" clId="{2E0E2B14-ECC8-4DAF-9346-16E104387F04}" dt="2025-04-17T08:51:28.380" v="2906" actId="2696"/>
-        <pc:sldMkLst>
-          <pc:docMk/>
-          <pc:sldMk cId="3383418737" sldId="276"/>
-        </pc:sldMkLst>
-      </pc:sldChg>
-      <pc:sldChg chg="del">
-        <pc:chgData name="Kantorska Krystyna" userId="3723c91c-ac7e-41a7-97bb-0f7068af699c" providerId="ADAL" clId="{2E0E2B14-ECC8-4DAF-9346-16E104387F04}" dt="2025-04-17T08:51:28.380" v="2906" actId="2696"/>
-        <pc:sldMkLst>
-          <pc:docMk/>
-          <pc:sldMk cId="4169910736" sldId="277"/>
-        </pc:sldMkLst>
-      </pc:sldChg>
-      <pc:sldChg chg="del">
-        <pc:chgData name="Kantorska Krystyna" userId="3723c91c-ac7e-41a7-97bb-0f7068af699c" providerId="ADAL" clId="{2E0E2B14-ECC8-4DAF-9346-16E104387F04}" dt="2025-04-17T08:51:42.859" v="2907" actId="2696"/>
-        <pc:sldMkLst>
-          <pc:docMk/>
-          <pc:sldMk cId="2151621017" sldId="278"/>
-        </pc:sldMkLst>
-      </pc:sldChg>
-      <pc:sldChg chg="del">
-        <pc:chgData name="Kantorska Krystyna" userId="3723c91c-ac7e-41a7-97bb-0f7068af699c" providerId="ADAL" clId="{2E0E2B14-ECC8-4DAF-9346-16E104387F04}" dt="2025-04-17T08:51:28.380" v="2906" actId="2696"/>
-        <pc:sldMkLst>
-          <pc:docMk/>
-          <pc:sldMk cId="2761863409" sldId="279"/>
-        </pc:sldMkLst>
-      </pc:sldChg>
-      <pc:sldChg chg="del">
-        <pc:chgData name="Kantorska Krystyna" userId="3723c91c-ac7e-41a7-97bb-0f7068af699c" providerId="ADAL" clId="{2E0E2B14-ECC8-4DAF-9346-16E104387F04}" dt="2025-04-17T08:51:16.819" v="2904" actId="2696"/>
-        <pc:sldMkLst>
-          <pc:docMk/>
-          <pc:sldMk cId="34391148" sldId="280"/>
-        </pc:sldMkLst>
-      </pc:sldChg>
-      <pc:sldChg chg="del">
-        <pc:chgData name="Kantorska Krystyna" userId="3723c91c-ac7e-41a7-97bb-0f7068af699c" providerId="ADAL" clId="{2E0E2B14-ECC8-4DAF-9346-16E104387F04}" dt="2025-04-17T08:51:18.759" v="2905" actId="2696"/>
-        <pc:sldMkLst>
-          <pc:docMk/>
-          <pc:sldMk cId="3199566348" sldId="281"/>
-        </pc:sldMkLst>
-      </pc:sldChg>
-      <pc:sldChg chg="del">
-        <pc:chgData name="Kantorska Krystyna" userId="3723c91c-ac7e-41a7-97bb-0f7068af699c" providerId="ADAL" clId="{2E0E2B14-ECC8-4DAF-9346-16E104387F04}" dt="2025-04-17T08:51:28.380" v="2906" actId="2696"/>
-        <pc:sldMkLst>
-          <pc:docMk/>
-          <pc:sldMk cId="552471012" sldId="282"/>
-        </pc:sldMkLst>
-      </pc:sldChg>
-      <pc:sldChg chg="del">
-        <pc:chgData name="Kantorska Krystyna" userId="3723c91c-ac7e-41a7-97bb-0f7068af699c" providerId="ADAL" clId="{2E0E2B14-ECC8-4DAF-9346-16E104387F04}" dt="2025-04-17T08:51:42.859" v="2907" actId="2696"/>
-        <pc:sldMkLst>
-          <pc:docMk/>
-          <pc:sldMk cId="196492799" sldId="283"/>
-        </pc:sldMkLst>
-      </pc:sldChg>
-      <pc:sldChg chg="del">
-        <pc:chgData name="Kantorska Krystyna" userId="3723c91c-ac7e-41a7-97bb-0f7068af699c" providerId="ADAL" clId="{2E0E2B14-ECC8-4DAF-9346-16E104387F04}" dt="2025-04-17T08:51:42.859" v="2907" actId="2696"/>
-        <pc:sldMkLst>
-          <pc:docMk/>
-          <pc:sldMk cId="1603671042" sldId="284"/>
-        </pc:sldMkLst>
-      </pc:sldChg>
-      <pc:sldChg chg="del">
-        <pc:chgData name="Kantorska Krystyna" userId="3723c91c-ac7e-41a7-97bb-0f7068af699c" providerId="ADAL" clId="{2E0E2B14-ECC8-4DAF-9346-16E104387F04}" dt="2025-04-17T08:51:42.859" v="2907" actId="2696"/>
-        <pc:sldMkLst>
-          <pc:docMk/>
-          <pc:sldMk cId="3254846290" sldId="285"/>
-        </pc:sldMkLst>
-      </pc:sldChg>
-      <pc:sldChg chg="del">
-        <pc:chgData name="Kantorska Krystyna" userId="3723c91c-ac7e-41a7-97bb-0f7068af699c" providerId="ADAL" clId="{2E0E2B14-ECC8-4DAF-9346-16E104387F04}" dt="2025-04-17T08:51:42.859" v="2907" actId="2696"/>
-        <pc:sldMkLst>
-          <pc:docMk/>
-          <pc:sldMk cId="1960288616" sldId="286"/>
-        </pc:sldMkLst>
-      </pc:sldChg>
-      <pc:sldChg chg="del">
-        <pc:chgData name="Kantorska Krystyna" userId="3723c91c-ac7e-41a7-97bb-0f7068af699c" providerId="ADAL" clId="{2E0E2B14-ECC8-4DAF-9346-16E104387F04}" dt="2025-04-17T08:51:28.380" v="2906" actId="2696"/>
-        <pc:sldMkLst>
-          <pc:docMk/>
-          <pc:sldMk cId="1467612020" sldId="287"/>
-        </pc:sldMkLst>
-      </pc:sldChg>
-      <pc:sldChg chg="del">
-        <pc:chgData name="Kantorska Krystyna" userId="3723c91c-ac7e-41a7-97bb-0f7068af699c" providerId="ADAL" clId="{2E0E2B14-ECC8-4DAF-9346-16E104387F04}" dt="2025-04-17T08:51:11.002" v="2901" actId="2696"/>
-        <pc:sldMkLst>
-          <pc:docMk/>
-          <pc:sldMk cId="2183665971" sldId="288"/>
-        </pc:sldMkLst>
-      </pc:sldChg>
-      <pc:sldChg chg="del">
-        <pc:chgData name="Kantorska Krystyna" userId="3723c91c-ac7e-41a7-97bb-0f7068af699c" providerId="ADAL" clId="{2E0E2B14-ECC8-4DAF-9346-16E104387F04}" dt="2025-04-17T08:51:42.859" v="2907" actId="2696"/>
-        <pc:sldMkLst>
-          <pc:docMk/>
-          <pc:sldMk cId="732576227" sldId="289"/>
-        </pc:sldMkLst>
-      </pc:sldChg>
-      <pc:sldChg chg="del">
-        <pc:chgData name="Kantorska Krystyna" userId="3723c91c-ac7e-41a7-97bb-0f7068af699c" providerId="ADAL" clId="{2E0E2B14-ECC8-4DAF-9346-16E104387F04}" dt="2025-04-17T08:51:42.859" v="2907" actId="2696"/>
-        <pc:sldMkLst>
-          <pc:docMk/>
-          <pc:sldMk cId="1920119525" sldId="290"/>
-        </pc:sldMkLst>
-      </pc:sldChg>
-      <pc:sldChg chg="del">
-        <pc:chgData name="Kantorska Krystyna" userId="3723c91c-ac7e-41a7-97bb-0f7068af699c" providerId="ADAL" clId="{2E0E2B14-ECC8-4DAF-9346-16E104387F04}" dt="2025-04-17T08:51:42.859" v="2907" actId="2696"/>
-        <pc:sldMkLst>
-          <pc:docMk/>
-          <pc:sldMk cId="2048106631" sldId="291"/>
-        </pc:sldMkLst>
-      </pc:sldChg>
-      <pc:sldChg chg="del">
-        <pc:chgData name="Kantorska Krystyna" userId="3723c91c-ac7e-41a7-97bb-0f7068af699c" providerId="ADAL" clId="{2E0E2B14-ECC8-4DAF-9346-16E104387F04}" dt="2025-04-17T08:51:42.859" v="2907" actId="2696"/>
-        <pc:sldMkLst>
-          <pc:docMk/>
-          <pc:sldMk cId="2637911041" sldId="292"/>
-        </pc:sldMkLst>
-      </pc:sldChg>
-      <pc:sldChg chg="addSp delSp modSp new mod">
-        <pc:chgData name="Kantorska Krystyna" userId="3723c91c-ac7e-41a7-97bb-0f7068af699c" providerId="ADAL" clId="{2E0E2B14-ECC8-4DAF-9346-16E104387F04}" dt="2025-04-17T10:30:11.851" v="3814"/>
-        <pc:sldMkLst>
-          <pc:docMk/>
-          <pc:sldMk cId="2332285648" sldId="293"/>
-        </pc:sldMkLst>
-        <pc:spChg chg="add">
-          <ac:chgData name="Kantorska Krystyna" userId="3723c91c-ac7e-41a7-97bb-0f7068af699c" providerId="ADAL" clId="{2E0E2B14-ECC8-4DAF-9346-16E104387F04}" dt="2025-04-17T10:30:11.851" v="3814"/>
-          <ac:spMkLst>
-            <pc:docMk/>
-            <pc:sldMk cId="2332285648" sldId="293"/>
-            <ac:spMk id="2" creationId="{5C2E933B-076C-21BF-DC6B-E30B3EAB5317}"/>
-          </ac:spMkLst>
-        </pc:spChg>
-        <pc:spChg chg="del">
-          <ac:chgData name="Kantorska Krystyna" userId="3723c91c-ac7e-41a7-97bb-0f7068af699c" providerId="ADAL" clId="{2E0E2B14-ECC8-4DAF-9346-16E104387F04}" dt="2025-04-16T07:59:59.955" v="1741" actId="478"/>
-          <ac:spMkLst>
-            <pc:docMk/>
-            <pc:sldMk cId="2332285648" sldId="293"/>
-            <ac:spMk id="2" creationId="{B8F43E09-DBA7-B614-3F21-F2179A587FD5}"/>
-          </ac:spMkLst>
-        </pc:spChg>
-        <pc:spChg chg="mod">
-          <ac:chgData name="Kantorska Krystyna" userId="3723c91c-ac7e-41a7-97bb-0f7068af699c" providerId="ADAL" clId="{2E0E2B14-ECC8-4DAF-9346-16E104387F04}" dt="2025-04-16T07:59:55.321" v="1740"/>
-          <ac:spMkLst>
-            <pc:docMk/>
-            <pc:sldMk cId="2332285648" sldId="293"/>
-            <ac:spMk id="3" creationId="{76FF0375-B4EF-64C9-B38C-784F3D5498D5}"/>
-          </ac:spMkLst>
-        </pc:spChg>
-        <pc:spChg chg="add">
-          <ac:chgData name="Kantorska Krystyna" userId="3723c91c-ac7e-41a7-97bb-0f7068af699c" providerId="ADAL" clId="{2E0E2B14-ECC8-4DAF-9346-16E104387F04}" dt="2025-04-17T10:30:11.851" v="3814"/>
-          <ac:spMkLst>
-            <pc:docMk/>
-            <pc:sldMk cId="2332285648" sldId="293"/>
-            <ac:spMk id="4" creationId="{8A7BECE1-5F5D-AAC9-CF62-530D1AD4D6A4}"/>
-          </ac:spMkLst>
-        </pc:spChg>
-        <pc:spChg chg="mod">
-          <ac:chgData name="Kantorska Krystyna" userId="3723c91c-ac7e-41a7-97bb-0f7068af699c" providerId="ADAL" clId="{2E0E2B14-ECC8-4DAF-9346-16E104387F04}" dt="2025-04-16T08:15:38.813" v="1901" actId="1076"/>
-          <ac:spMkLst>
-            <pc:docMk/>
-            <pc:sldMk cId="2332285648" sldId="293"/>
-            <ac:spMk id="4" creationId="{BC7E2E48-B308-F718-6D71-8943557D6B66}"/>
-          </ac:spMkLst>
-        </pc:spChg>
-        <pc:spChg chg="del">
-          <ac:chgData name="Kantorska Krystyna" userId="3723c91c-ac7e-41a7-97bb-0f7068af699c" providerId="ADAL" clId="{2E0E2B14-ECC8-4DAF-9346-16E104387F04}" dt="2025-04-16T08:02:29.649" v="1761" actId="478"/>
-          <ac:spMkLst>
-            <pc:docMk/>
-            <pc:sldMk cId="2332285648" sldId="293"/>
-            <ac:spMk id="5" creationId="{083487C5-DC8A-F715-9E2B-4D87CFAA3AB3}"/>
-          </ac:spMkLst>
-        </pc:spChg>
-        <pc:spChg chg="del">
-          <ac:chgData name="Kantorska Krystyna" userId="3723c91c-ac7e-41a7-97bb-0f7068af699c" providerId="ADAL" clId="{2E0E2B14-ECC8-4DAF-9346-16E104387F04}" dt="2025-04-16T07:59:34.929" v="1736"/>
-          <ac:spMkLst>
-            <pc:docMk/>
-            <pc:sldMk cId="2332285648" sldId="293"/>
-            <ac:spMk id="6" creationId="{864EF240-F673-7B75-E465-14EA9C9060B5}"/>
-          </ac:spMkLst>
-        </pc:spChg>
-        <pc:spChg chg="del">
-          <ac:chgData name="Kantorska Krystyna" userId="3723c91c-ac7e-41a7-97bb-0f7068af699c" providerId="ADAL" clId="{2E0E2B14-ECC8-4DAF-9346-16E104387F04}" dt="2025-04-16T08:02:33.406" v="1762" actId="478"/>
-          <ac:spMkLst>
-            <pc:docMk/>
-            <pc:sldMk cId="2332285648" sldId="293"/>
-            <ac:spMk id="7" creationId="{5372E205-DF7C-FA2F-5C69-303386615943}"/>
-          </ac:spMkLst>
-        </pc:spChg>
-        <pc:spChg chg="add mod">
-          <ac:chgData name="Kantorska Krystyna" userId="3723c91c-ac7e-41a7-97bb-0f7068af699c" providerId="ADAL" clId="{2E0E2B14-ECC8-4DAF-9346-16E104387F04}" dt="2025-04-16T08:16:24.787" v="1908" actId="1076"/>
-          <ac:spMkLst>
-            <pc:docMk/>
-            <pc:sldMk cId="2332285648" sldId="293"/>
-            <ac:spMk id="9" creationId="{9FF38561-206E-E0DF-27B5-722A1C8F3F25}"/>
-          </ac:spMkLst>
-        </pc:spChg>
-        <pc:spChg chg="add mod">
-          <ac:chgData name="Kantorska Krystyna" userId="3723c91c-ac7e-41a7-97bb-0f7068af699c" providerId="ADAL" clId="{2E0E2B14-ECC8-4DAF-9346-16E104387F04}" dt="2025-04-16T08:04:57.916" v="1782" actId="1076"/>
-          <ac:spMkLst>
-            <pc:docMk/>
-            <pc:sldMk cId="2332285648" sldId="293"/>
-            <ac:spMk id="10" creationId="{DF1F3309-BE35-28CA-7FD8-9A75EF6DEE84}"/>
-          </ac:spMkLst>
-        </pc:spChg>
-        <pc:spChg chg="add del mod">
-          <ac:chgData name="Kantorska Krystyna" userId="3723c91c-ac7e-41a7-97bb-0f7068af699c" providerId="ADAL" clId="{2E0E2B14-ECC8-4DAF-9346-16E104387F04}" dt="2025-04-16T08:15:31.387" v="1893" actId="478"/>
-          <ac:spMkLst>
-            <pc:docMk/>
-            <pc:sldMk cId="2332285648" sldId="293"/>
-            <ac:spMk id="11" creationId="{D6B8E4B4-619D-2811-FBFC-73E419F248D7}"/>
-          </ac:spMkLst>
-        </pc:spChg>
-        <pc:spChg chg="add del mod">
-          <ac:chgData name="Kantorska Krystyna" userId="3723c91c-ac7e-41a7-97bb-0f7068af699c" providerId="ADAL" clId="{2E0E2B14-ECC8-4DAF-9346-16E104387F04}" dt="2025-04-16T08:15:31.390" v="1895"/>
-          <ac:spMkLst>
-            <pc:docMk/>
-            <pc:sldMk cId="2332285648" sldId="293"/>
-            <ac:spMk id="12" creationId="{94991338-4D29-187B-F946-97CABEA6481B}"/>
-          </ac:spMkLst>
-        </pc:spChg>
-        <pc:spChg chg="add del mod">
-          <ac:chgData name="Kantorska Krystyna" userId="3723c91c-ac7e-41a7-97bb-0f7068af699c" providerId="ADAL" clId="{2E0E2B14-ECC8-4DAF-9346-16E104387F04}" dt="2025-04-16T08:15:31.391" v="1897"/>
-          <ac:spMkLst>
-            <pc:docMk/>
-            <pc:sldMk cId="2332285648" sldId="293"/>
-            <ac:spMk id="13" creationId="{35D9E933-19AE-ED08-631A-F1893AC8C3A4}"/>
-          </ac:spMkLst>
-        </pc:spChg>
-        <pc:spChg chg="add del mod">
-          <ac:chgData name="Kantorska Krystyna" userId="3723c91c-ac7e-41a7-97bb-0f7068af699c" providerId="ADAL" clId="{2E0E2B14-ECC8-4DAF-9346-16E104387F04}" dt="2025-04-16T08:15:31.392" v="1899"/>
-          <ac:spMkLst>
-            <pc:docMk/>
-            <pc:sldMk cId="2332285648" sldId="293"/>
-            <ac:spMk id="14" creationId="{757E4C39-374C-6FD3-8832-33DC8D965714}"/>
-          </ac:spMkLst>
-        </pc:spChg>
-        <pc:picChg chg="add mod">
-          <ac:chgData name="Kantorska Krystyna" userId="3723c91c-ac7e-41a7-97bb-0f7068af699c" providerId="ADAL" clId="{2E0E2B14-ECC8-4DAF-9346-16E104387F04}" dt="2025-04-16T07:59:41.149" v="1738" actId="1076"/>
-          <ac:picMkLst>
-            <pc:docMk/>
-            <pc:sldMk cId="2332285648" sldId="293"/>
-            <ac:picMk id="1026" creationId="{96F4BEEC-931C-A669-4639-03D87654A342}"/>
-          </ac:picMkLst>
-        </pc:picChg>
-        <pc:cxnChg chg="add del">
-          <ac:chgData name="Kantorska Krystyna" userId="3723c91c-ac7e-41a7-97bb-0f7068af699c" providerId="ADAL" clId="{2E0E2B14-ECC8-4DAF-9346-16E104387F04}" dt="2025-04-16T08:14:38.133" v="1860" actId="11529"/>
-          <ac:cxnSpMkLst>
-            <pc:docMk/>
-            <pc:sldMk cId="2332285648" sldId="293"/>
-            <ac:cxnSpMk id="16" creationId="{C6314F5F-F52D-1351-0D6F-F086C6ACE4DA}"/>
-          </ac:cxnSpMkLst>
-        </pc:cxnChg>
-      </pc:sldChg>
-      <pc:sldChg chg="addSp delSp modSp new mod">
-        <pc:chgData name="Kantorska Krystyna" userId="3723c91c-ac7e-41a7-97bb-0f7068af699c" providerId="ADAL" clId="{2E0E2B14-ECC8-4DAF-9346-16E104387F04}" dt="2025-04-17T10:30:11.851" v="3814"/>
-        <pc:sldMkLst>
-          <pc:docMk/>
-          <pc:sldMk cId="3964072870" sldId="294"/>
-        </pc:sldMkLst>
-        <pc:spChg chg="del mod">
-          <ac:chgData name="Kantorska Krystyna" userId="3723c91c-ac7e-41a7-97bb-0f7068af699c" providerId="ADAL" clId="{2E0E2B14-ECC8-4DAF-9346-16E104387F04}" dt="2025-04-16T10:26:48.831" v="2844" actId="478"/>
-          <ac:spMkLst>
-            <pc:docMk/>
-            <pc:sldMk cId="3964072870" sldId="294"/>
-            <ac:spMk id="2" creationId="{036D1614-02B9-BC61-0202-E6F376026F8C}"/>
-          </ac:spMkLst>
-        </pc:spChg>
-        <pc:spChg chg="add">
-          <ac:chgData name="Kantorska Krystyna" userId="3723c91c-ac7e-41a7-97bb-0f7068af699c" providerId="ADAL" clId="{2E0E2B14-ECC8-4DAF-9346-16E104387F04}" dt="2025-04-17T10:30:11.851" v="3814"/>
-          <ac:spMkLst>
-            <pc:docMk/>
-            <pc:sldMk cId="3964072870" sldId="294"/>
-            <ac:spMk id="2" creationId="{BBD827AE-594E-351C-7C91-A0A076A93303}"/>
-          </ac:spMkLst>
-        </pc:spChg>
-        <pc:spChg chg="mod">
-          <ac:chgData name="Kantorska Krystyna" userId="3723c91c-ac7e-41a7-97bb-0f7068af699c" providerId="ADAL" clId="{2E0E2B14-ECC8-4DAF-9346-16E104387F04}" dt="2025-04-16T10:26:09.871" v="2837" actId="115"/>
-          <ac:spMkLst>
-            <pc:docMk/>
-            <pc:sldMk cId="3964072870" sldId="294"/>
-            <ac:spMk id="3" creationId="{412078D5-85C7-FBF6-8AFA-127E3876B37B}"/>
-          </ac:spMkLst>
-        </pc:spChg>
-        <pc:spChg chg="add">
-          <ac:chgData name="Kantorska Krystyna" userId="3723c91c-ac7e-41a7-97bb-0f7068af699c" providerId="ADAL" clId="{2E0E2B14-ECC8-4DAF-9346-16E104387F04}" dt="2025-04-17T10:30:11.851" v="3814"/>
-          <ac:spMkLst>
-            <pc:docMk/>
-            <pc:sldMk cId="3964072870" sldId="294"/>
-            <ac:spMk id="4" creationId="{7856753D-0572-D4ED-8EB8-7AFE26A0EC71}"/>
-          </ac:spMkLst>
-        </pc:spChg>
-        <pc:spChg chg="add mod">
-          <ac:chgData name="Kantorska Krystyna" userId="3723c91c-ac7e-41a7-97bb-0f7068af699c" providerId="ADAL" clId="{2E0E2B14-ECC8-4DAF-9346-16E104387F04}" dt="2025-04-16T10:24:08.930" v="2819" actId="1582"/>
-          <ac:spMkLst>
-            <pc:docMk/>
-            <pc:sldMk cId="3964072870" sldId="294"/>
-            <ac:spMk id="7" creationId="{DE34ECEE-019A-3E6F-F444-773A953512A6}"/>
-          </ac:spMkLst>
-        </pc:spChg>
-        <pc:spChg chg="add mod">
-          <ac:chgData name="Kantorska Krystyna" userId="3723c91c-ac7e-41a7-97bb-0f7068af699c" providerId="ADAL" clId="{2E0E2B14-ECC8-4DAF-9346-16E104387F04}" dt="2025-04-16T10:24:26.027" v="2821" actId="1076"/>
-          <ac:spMkLst>
-            <pc:docMk/>
-            <pc:sldMk cId="3964072870" sldId="294"/>
-            <ac:spMk id="8" creationId="{3190FA8F-2A55-D654-6B3F-6685A1DD1E69}"/>
-          </ac:spMkLst>
-        </pc:spChg>
-        <pc:spChg chg="add mod">
-          <ac:chgData name="Kantorska Krystyna" userId="3723c91c-ac7e-41a7-97bb-0f7068af699c" providerId="ADAL" clId="{2E0E2B14-ECC8-4DAF-9346-16E104387F04}" dt="2025-04-16T10:26:54.986" v="2845"/>
-          <ac:spMkLst>
-            <pc:docMk/>
-            <pc:sldMk cId="3964072870" sldId="294"/>
-            <ac:spMk id="11" creationId="{8B715464-A95A-E481-0233-34EFACB7180B}"/>
-          </ac:spMkLst>
-        </pc:spChg>
-        <pc:picChg chg="add mod">
-          <ac:chgData name="Kantorska Krystyna" userId="3723c91c-ac7e-41a7-97bb-0f7068af699c" providerId="ADAL" clId="{2E0E2B14-ECC8-4DAF-9346-16E104387F04}" dt="2025-04-16T10:23:34.930" v="2815" actId="1076"/>
-          <ac:picMkLst>
-            <pc:docMk/>
-            <pc:sldMk cId="3964072870" sldId="294"/>
-            <ac:picMk id="6" creationId="{E4852026-914B-76BD-98B1-64D0EEAC5BB9}"/>
-          </ac:picMkLst>
-        </pc:picChg>
-        <pc:picChg chg="add mod">
-          <ac:chgData name="Kantorska Krystyna" userId="3723c91c-ac7e-41a7-97bb-0f7068af699c" providerId="ADAL" clId="{2E0E2B14-ECC8-4DAF-9346-16E104387F04}" dt="2025-04-16T10:25:44.393" v="2827" actId="1076"/>
-          <ac:picMkLst>
-            <pc:docMk/>
-            <pc:sldMk cId="3964072870" sldId="294"/>
-            <ac:picMk id="10" creationId="{75E49F97-2FB1-C2DA-3ACD-9484E9695E7E}"/>
-          </ac:picMkLst>
-        </pc:picChg>
-      </pc:sldChg>
-      <pc:sldChg chg="addSp delSp modSp add mod">
-        <pc:chgData name="Kantorska Krystyna" userId="3723c91c-ac7e-41a7-97bb-0f7068af699c" providerId="ADAL" clId="{2E0E2B14-ECC8-4DAF-9346-16E104387F04}" dt="2025-04-17T10:30:11.851" v="3814"/>
-        <pc:sldMkLst>
-          <pc:docMk/>
-          <pc:sldMk cId="468851536" sldId="295"/>
-        </pc:sldMkLst>
-        <pc:spChg chg="add del mod">
-          <ac:chgData name="Kantorska Krystyna" userId="3723c91c-ac7e-41a7-97bb-0f7068af699c" providerId="ADAL" clId="{2E0E2B14-ECC8-4DAF-9346-16E104387F04}" dt="2025-04-16T10:00:09.986" v="2343" actId="478"/>
-          <ac:spMkLst>
-            <pc:docMk/>
-            <pc:sldMk cId="468851536" sldId="295"/>
-            <ac:spMk id="2" creationId="{7EB2200A-7039-B038-C2EF-1CA7CA435981}"/>
-          </ac:spMkLst>
-        </pc:spChg>
-        <pc:spChg chg="add">
-          <ac:chgData name="Kantorska Krystyna" userId="3723c91c-ac7e-41a7-97bb-0f7068af699c" providerId="ADAL" clId="{2E0E2B14-ECC8-4DAF-9346-16E104387F04}" dt="2025-04-17T10:30:11.851" v="3814"/>
-          <ac:spMkLst>
-            <pc:docMk/>
-            <pc:sldMk cId="468851536" sldId="295"/>
-            <ac:spMk id="2" creationId="{F85F3DF5-4F6F-DAE2-8FF7-50D7433DD97F}"/>
-          </ac:spMkLst>
-        </pc:spChg>
-        <pc:spChg chg="add">
-          <ac:chgData name="Kantorska Krystyna" userId="3723c91c-ac7e-41a7-97bb-0f7068af699c" providerId="ADAL" clId="{2E0E2B14-ECC8-4DAF-9346-16E104387F04}" dt="2025-04-17T10:30:11.851" v="3814"/>
-          <ac:spMkLst>
-            <pc:docMk/>
-            <pc:sldMk cId="468851536" sldId="295"/>
-            <ac:spMk id="3" creationId="{F2A61BA8-6C11-6910-713B-0873C29D0893}"/>
-          </ac:spMkLst>
-        </pc:spChg>
-        <pc:spChg chg="mod">
-          <ac:chgData name="Kantorska Krystyna" userId="3723c91c-ac7e-41a7-97bb-0f7068af699c" providerId="ADAL" clId="{2E0E2B14-ECC8-4DAF-9346-16E104387F04}" dt="2025-04-16T09:58:15.113" v="2319" actId="14100"/>
-          <ac:spMkLst>
-            <pc:docMk/>
-            <pc:sldMk cId="468851536" sldId="295"/>
-            <ac:spMk id="8" creationId="{4F3931DF-EC95-8916-2AF2-7C5963F03EC3}"/>
-          </ac:spMkLst>
-        </pc:spChg>
-        <pc:graphicFrameChg chg="del">
-          <ac:chgData name="Kantorska Krystyna" userId="3723c91c-ac7e-41a7-97bb-0f7068af699c" providerId="ADAL" clId="{2E0E2B14-ECC8-4DAF-9346-16E104387F04}" dt="2025-04-16T09:02:45.571" v="2172" actId="478"/>
-          <ac:graphicFrameMkLst>
-            <pc:docMk/>
-            <pc:sldMk cId="468851536" sldId="295"/>
-            <ac:graphicFrameMk id="12" creationId="{A0C20FAE-4C68-42E5-93E5-EBB49AAFD9FC}"/>
-          </ac:graphicFrameMkLst>
-        </pc:graphicFrameChg>
-      </pc:sldChg>
-      <pc:sldChg chg="addSp delSp modSp add mod">
-        <pc:chgData name="Kantorska Krystyna" userId="3723c91c-ac7e-41a7-97bb-0f7068af699c" providerId="ADAL" clId="{2E0E2B14-ECC8-4DAF-9346-16E104387F04}" dt="2025-04-17T10:30:11.851" v="3814"/>
-        <pc:sldMkLst>
-          <pc:docMk/>
-          <pc:sldMk cId="1696058975" sldId="296"/>
-        </pc:sldMkLst>
-        <pc:spChg chg="add mod ord">
-          <ac:chgData name="Kantorska Krystyna" userId="3723c91c-ac7e-41a7-97bb-0f7068af699c" providerId="ADAL" clId="{2E0E2B14-ECC8-4DAF-9346-16E104387F04}" dt="2025-04-16T10:15:45.629" v="2578" actId="14100"/>
-          <ac:spMkLst>
-            <pc:docMk/>
-            <pc:sldMk cId="1696058975" sldId="296"/>
-            <ac:spMk id="2" creationId="{F8F972A0-5756-F4F3-003F-A1C539149C35}"/>
-          </ac:spMkLst>
-        </pc:spChg>
-        <pc:spChg chg="add mod">
-          <ac:chgData name="Kantorska Krystyna" userId="3723c91c-ac7e-41a7-97bb-0f7068af699c" providerId="ADAL" clId="{2E0E2B14-ECC8-4DAF-9346-16E104387F04}" dt="2025-04-16T10:15:49.376" v="2579" actId="1076"/>
-          <ac:spMkLst>
-            <pc:docMk/>
-            <pc:sldMk cId="1696058975" sldId="296"/>
-            <ac:spMk id="3" creationId="{F6CED2DC-B950-8BC2-668D-DB9DA7A1A144}"/>
-          </ac:spMkLst>
-        </pc:spChg>
-        <pc:spChg chg="add mod">
-          <ac:chgData name="Kantorska Krystyna" userId="3723c91c-ac7e-41a7-97bb-0f7068af699c" providerId="ADAL" clId="{2E0E2B14-ECC8-4DAF-9346-16E104387F04}" dt="2025-04-16T10:16:27.696" v="2583" actId="207"/>
-          <ac:spMkLst>
-            <pc:docMk/>
-            <pc:sldMk cId="1696058975" sldId="296"/>
-            <ac:spMk id="4" creationId="{9BD035B4-B9E9-FD47-EFED-67F09F9F09DB}"/>
-          </ac:spMkLst>
-        </pc:spChg>
-        <pc:spChg chg="add">
-          <ac:chgData name="Kantorska Krystyna" userId="3723c91c-ac7e-41a7-97bb-0f7068af699c" providerId="ADAL" clId="{2E0E2B14-ECC8-4DAF-9346-16E104387F04}" dt="2025-04-17T10:30:11.851" v="3814"/>
-          <ac:spMkLst>
-            <pc:docMk/>
-            <pc:sldMk cId="1696058975" sldId="296"/>
-            <ac:spMk id="5" creationId="{087C54F2-6884-7373-742E-A385EA04B474}"/>
-          </ac:spMkLst>
-        </pc:spChg>
-        <pc:spChg chg="add">
-          <ac:chgData name="Kantorska Krystyna" userId="3723c91c-ac7e-41a7-97bb-0f7068af699c" providerId="ADAL" clId="{2E0E2B14-ECC8-4DAF-9346-16E104387F04}" dt="2025-04-17T10:30:11.851" v="3814"/>
-          <ac:spMkLst>
-            <pc:docMk/>
-            <pc:sldMk cId="1696058975" sldId="296"/>
-            <ac:spMk id="6" creationId="{4FAACE8B-F7B4-CB07-8819-05E30730099A}"/>
-          </ac:spMkLst>
-        </pc:spChg>
-        <pc:graphicFrameChg chg="add del mod">
-          <ac:chgData name="Kantorska Krystyna" userId="3723c91c-ac7e-41a7-97bb-0f7068af699c" providerId="ADAL" clId="{2E0E2B14-ECC8-4DAF-9346-16E104387F04}" dt="2025-04-16T10:10:30.489" v="2374" actId="478"/>
-          <ac:graphicFrameMkLst>
-            <pc:docMk/>
-            <pc:sldMk cId="1696058975" sldId="296"/>
-            <ac:graphicFrameMk id="5" creationId="{AF3690E6-458E-5EF8-795F-957089D00A42}"/>
-          </ac:graphicFrameMkLst>
-        </pc:graphicFrameChg>
-      </pc:sldChg>
-      <pc:sldChg chg="addSp delSp modSp add mod">
-        <pc:chgData name="Kantorska Krystyna" userId="3723c91c-ac7e-41a7-97bb-0f7068af699c" providerId="ADAL" clId="{2E0E2B14-ECC8-4DAF-9346-16E104387F04}" dt="2025-04-17T10:30:11.851" v="3814"/>
-        <pc:sldMkLst>
-          <pc:docMk/>
-          <pc:sldMk cId="1855186331" sldId="297"/>
-        </pc:sldMkLst>
-        <pc:spChg chg="mod">
-          <ac:chgData name="Kantorska Krystyna" userId="3723c91c-ac7e-41a7-97bb-0f7068af699c" providerId="ADAL" clId="{2E0E2B14-ECC8-4DAF-9346-16E104387F04}" dt="2025-04-16T10:20:19.864" v="2780" actId="14100"/>
-          <ac:spMkLst>
-            <pc:docMk/>
-            <pc:sldMk cId="1855186331" sldId="297"/>
-            <ac:spMk id="2" creationId="{F8F972A0-5756-F4F3-003F-A1C539149C35}"/>
-          </ac:spMkLst>
-        </pc:spChg>
-        <pc:spChg chg="add">
-          <ac:chgData name="Kantorska Krystyna" userId="3723c91c-ac7e-41a7-97bb-0f7068af699c" providerId="ADAL" clId="{2E0E2B14-ECC8-4DAF-9346-16E104387F04}" dt="2025-04-17T10:30:11.851" v="3814"/>
-          <ac:spMkLst>
-            <pc:docMk/>
-            <pc:sldMk cId="1855186331" sldId="297"/>
-            <ac:spMk id="3" creationId="{B6E113AE-4763-33E6-644D-A17FEEDEC685}"/>
-          </ac:spMkLst>
-        </pc:spChg>
-        <pc:spChg chg="del mod">
-          <ac:chgData name="Kantorska Krystyna" userId="3723c91c-ac7e-41a7-97bb-0f7068af699c" providerId="ADAL" clId="{2E0E2B14-ECC8-4DAF-9346-16E104387F04}" dt="2025-04-16T10:19:42.399" v="2775" actId="478"/>
-          <ac:spMkLst>
-            <pc:docMk/>
-            <pc:sldMk cId="1855186331" sldId="297"/>
-            <ac:spMk id="3" creationId="{F6CED2DC-B950-8BC2-668D-DB9DA7A1A144}"/>
-          </ac:spMkLst>
-        </pc:spChg>
-        <pc:spChg chg="mod">
-          <ac:chgData name="Kantorska Krystyna" userId="3723c91c-ac7e-41a7-97bb-0f7068af699c" providerId="ADAL" clId="{2E0E2B14-ECC8-4DAF-9346-16E104387F04}" dt="2025-04-16T10:21:12.919" v="2801" actId="20577"/>
-          <ac:spMkLst>
-            <pc:docMk/>
-            <pc:sldMk cId="1855186331" sldId="297"/>
-            <ac:spMk id="4" creationId="{9BD035B4-B9E9-FD47-EFED-67F09F9F09DB}"/>
-          </ac:spMkLst>
-        </pc:spChg>
-        <pc:spChg chg="add mod">
-          <ac:chgData name="Kantorska Krystyna" userId="3723c91c-ac7e-41a7-97bb-0f7068af699c" providerId="ADAL" clId="{2E0E2B14-ECC8-4DAF-9346-16E104387F04}" dt="2025-04-16T10:19:49.301" v="2777" actId="1076"/>
-          <ac:spMkLst>
-            <pc:docMk/>
-            <pc:sldMk cId="1855186331" sldId="297"/>
-            <ac:spMk id="5" creationId="{CF2F6395-2AC9-2ED4-6B8E-38F58ED27A4F}"/>
-          </ac:spMkLst>
-        </pc:spChg>
-        <pc:spChg chg="add del mod">
-          <ac:chgData name="Kantorska Krystyna" userId="3723c91c-ac7e-41a7-97bb-0f7068af699c" providerId="ADAL" clId="{2E0E2B14-ECC8-4DAF-9346-16E104387F04}" dt="2025-04-16T10:20:36.319" v="2782" actId="478"/>
-          <ac:spMkLst>
-            <pc:docMk/>
-            <pc:sldMk cId="1855186331" sldId="297"/>
-            <ac:spMk id="6" creationId="{495DB83A-E6D9-35A5-6343-70A94668673A}"/>
-          </ac:spMkLst>
-        </pc:spChg>
-        <pc:spChg chg="add">
-          <ac:chgData name="Kantorska Krystyna" userId="3723c91c-ac7e-41a7-97bb-0f7068af699c" providerId="ADAL" clId="{2E0E2B14-ECC8-4DAF-9346-16E104387F04}" dt="2025-04-17T10:30:11.851" v="3814"/>
-          <ac:spMkLst>
-            <pc:docMk/>
-            <pc:sldMk cId="1855186331" sldId="297"/>
-            <ac:spMk id="6" creationId="{FDBF8D9B-E454-0035-278D-FE01C3CD30BF}"/>
-          </ac:spMkLst>
-        </pc:spChg>
-        <pc:spChg chg="add del mod">
-          <ac:chgData name="Kantorska Krystyna" userId="3723c91c-ac7e-41a7-97bb-0f7068af699c" providerId="ADAL" clId="{2E0E2B14-ECC8-4DAF-9346-16E104387F04}" dt="2025-04-16T10:20:39.241" v="2783" actId="478"/>
-          <ac:spMkLst>
-            <pc:docMk/>
-            <pc:sldMk cId="1855186331" sldId="297"/>
-            <ac:spMk id="7" creationId="{0326E277-7059-8BF9-FBF6-73B16ED2D67D}"/>
-          </ac:spMkLst>
-        </pc:spChg>
-        <pc:spChg chg="mod">
-          <ac:chgData name="Kantorska Krystyna" userId="3723c91c-ac7e-41a7-97bb-0f7068af699c" providerId="ADAL" clId="{2E0E2B14-ECC8-4DAF-9346-16E104387F04}" dt="2025-04-16T10:07:51.011" v="2369" actId="1076"/>
-          <ac:spMkLst>
-            <pc:docMk/>
-            <pc:sldMk cId="1855186331" sldId="297"/>
-            <ac:spMk id="8" creationId="{4F3931DF-EC95-8916-2AF2-7C5963F03EC3}"/>
-          </ac:spMkLst>
-        </pc:spChg>
-      </pc:sldChg>
-      <pc:sldChg chg="add del ord">
-        <pc:chgData name="Kantorska Krystyna" userId="3723c91c-ac7e-41a7-97bb-0f7068af699c" providerId="ADAL" clId="{2E0E2B14-ECC8-4DAF-9346-16E104387F04}" dt="2025-04-16T10:07:18.035" v="2364" actId="2696"/>
-        <pc:sldMkLst>
-          <pc:docMk/>
-          <pc:sldMk cId="2604511538" sldId="297"/>
-        </pc:sldMkLst>
-      </pc:sldChg>
-      <pc:sldChg chg="addSp delSp modSp add mod">
-        <pc:chgData name="Kantorska Krystyna" userId="3723c91c-ac7e-41a7-97bb-0f7068af699c" providerId="ADAL" clId="{2E0E2B14-ECC8-4DAF-9346-16E104387F04}" dt="2025-04-17T10:30:11.851" v="3814"/>
-        <pc:sldMkLst>
-          <pc:docMk/>
-          <pc:sldMk cId="116918664" sldId="298"/>
-        </pc:sldMkLst>
-        <pc:spChg chg="add">
-          <ac:chgData name="Kantorska Krystyna" userId="3723c91c-ac7e-41a7-97bb-0f7068af699c" providerId="ADAL" clId="{2E0E2B14-ECC8-4DAF-9346-16E104387F04}" dt="2025-04-17T10:30:11.851" v="3814"/>
-          <ac:spMkLst>
-            <pc:docMk/>
-            <pc:sldMk cId="116918664" sldId="298"/>
-            <ac:spMk id="2" creationId="{9861A562-C63E-343A-FA03-3CAC8111A85E}"/>
-          </ac:spMkLst>
-        </pc:spChg>
-        <pc:spChg chg="mod">
-          <ac:chgData name="Kantorska Krystyna" userId="3723c91c-ac7e-41a7-97bb-0f7068af699c" providerId="ADAL" clId="{2E0E2B14-ECC8-4DAF-9346-16E104387F04}" dt="2025-04-16T10:27:26.463" v="2863" actId="20577"/>
-          <ac:spMkLst>
-            <pc:docMk/>
-            <pc:sldMk cId="116918664" sldId="298"/>
-            <ac:spMk id="3" creationId="{412078D5-85C7-FBF6-8AFA-127E3876B37B}"/>
-          </ac:spMkLst>
-        </pc:spChg>
-        <pc:spChg chg="add">
-          <ac:chgData name="Kantorska Krystyna" userId="3723c91c-ac7e-41a7-97bb-0f7068af699c" providerId="ADAL" clId="{2E0E2B14-ECC8-4DAF-9346-16E104387F04}" dt="2025-04-17T10:30:11.851" v="3814"/>
-          <ac:spMkLst>
-            <pc:docMk/>
-            <pc:sldMk cId="116918664" sldId="298"/>
-            <ac:spMk id="4" creationId="{F2015CC9-72A8-2FA9-FA30-320CA48FA7F0}"/>
-          </ac:spMkLst>
-        </pc:spChg>
-        <pc:spChg chg="add mod ord">
-          <ac:chgData name="Kantorska Krystyna" userId="3723c91c-ac7e-41a7-97bb-0f7068af699c" providerId="ADAL" clId="{2E0E2B14-ECC8-4DAF-9346-16E104387F04}" dt="2025-04-17T08:59:16.043" v="2932" actId="166"/>
-          <ac:spMkLst>
-            <pc:docMk/>
-            <pc:sldMk cId="116918664" sldId="298"/>
-            <ac:spMk id="6" creationId="{7E99958C-1DD2-527E-63A2-AE3FD45997BD}"/>
-          </ac:spMkLst>
-        </pc:spChg>
-        <pc:spChg chg="del">
-          <ac:chgData name="Kantorska Krystyna" userId="3723c91c-ac7e-41a7-97bb-0f7068af699c" providerId="ADAL" clId="{2E0E2B14-ECC8-4DAF-9346-16E104387F04}" dt="2025-04-16T10:29:56.654" v="2865" actId="478"/>
-          <ac:spMkLst>
-            <pc:docMk/>
-            <pc:sldMk cId="116918664" sldId="298"/>
-            <ac:spMk id="7" creationId="{DE34ECEE-019A-3E6F-F444-773A953512A6}"/>
-          </ac:spMkLst>
-        </pc:spChg>
-        <pc:spChg chg="del">
-          <ac:chgData name="Kantorska Krystyna" userId="3723c91c-ac7e-41a7-97bb-0f7068af699c" providerId="ADAL" clId="{2E0E2B14-ECC8-4DAF-9346-16E104387F04}" dt="2025-04-16T10:29:57.484" v="2866" actId="478"/>
-          <ac:spMkLst>
-            <pc:docMk/>
-            <pc:sldMk cId="116918664" sldId="298"/>
-            <ac:spMk id="8" creationId="{3190FA8F-2A55-D654-6B3F-6685A1DD1E69}"/>
-          </ac:spMkLst>
-        </pc:spChg>
-        <pc:picChg chg="add del mod">
-          <ac:chgData name="Kantorska Krystyna" userId="3723c91c-ac7e-41a7-97bb-0f7068af699c" providerId="ADAL" clId="{2E0E2B14-ECC8-4DAF-9346-16E104387F04}" dt="2025-04-17T08:54:13.252" v="2917" actId="478"/>
-          <ac:picMkLst>
-            <pc:docMk/>
-            <pc:sldMk cId="116918664" sldId="298"/>
-            <ac:picMk id="5" creationId="{937E5BF1-2BC4-F2F2-44D6-AD92944F70A0}"/>
-          </ac:picMkLst>
-        </pc:picChg>
-        <pc:picChg chg="del">
-          <ac:chgData name="Kantorska Krystyna" userId="3723c91c-ac7e-41a7-97bb-0f7068af699c" providerId="ADAL" clId="{2E0E2B14-ECC8-4DAF-9346-16E104387F04}" dt="2025-04-16T10:29:55.446" v="2864" actId="478"/>
-          <ac:picMkLst>
-            <pc:docMk/>
-            <pc:sldMk cId="116918664" sldId="298"/>
-            <ac:picMk id="6" creationId="{E4852026-914B-76BD-98B1-64D0EEAC5BB9}"/>
-          </ac:picMkLst>
-        </pc:picChg>
-        <pc:picChg chg="add del mod">
-          <ac:chgData name="Kantorska Krystyna" userId="3723c91c-ac7e-41a7-97bb-0f7068af699c" providerId="ADAL" clId="{2E0E2B14-ECC8-4DAF-9346-16E104387F04}" dt="2025-04-17T08:58:57.952" v="2927" actId="478"/>
-          <ac:picMkLst>
-            <pc:docMk/>
-            <pc:sldMk cId="116918664" sldId="298"/>
-            <ac:picMk id="8" creationId="{BF27899B-571D-7F2E-194A-4C577917E51C}"/>
-          </ac:picMkLst>
-        </pc:picChg>
-        <pc:picChg chg="add mod">
-          <ac:chgData name="Kantorska Krystyna" userId="3723c91c-ac7e-41a7-97bb-0f7068af699c" providerId="ADAL" clId="{2E0E2B14-ECC8-4DAF-9346-16E104387F04}" dt="2025-04-17T08:59:11.294" v="2930" actId="1076"/>
-          <ac:picMkLst>
-            <pc:docMk/>
-            <pc:sldMk cId="116918664" sldId="298"/>
-            <ac:picMk id="10" creationId="{13E01674-9C48-4F78-D16E-8D43ED08A131}"/>
-          </ac:picMkLst>
-        </pc:picChg>
-        <pc:picChg chg="del">
-          <ac:chgData name="Kantorska Krystyna" userId="3723c91c-ac7e-41a7-97bb-0f7068af699c" providerId="ADAL" clId="{2E0E2B14-ECC8-4DAF-9346-16E104387F04}" dt="2025-04-16T10:29:58.340" v="2867" actId="478"/>
-          <ac:picMkLst>
-            <pc:docMk/>
-            <pc:sldMk cId="116918664" sldId="298"/>
-            <ac:picMk id="10" creationId="{75E49F97-2FB1-C2DA-3ACD-9484E9695E7E}"/>
-          </ac:picMkLst>
-        </pc:picChg>
-      </pc:sldChg>
-      <pc:sldChg chg="addSp modSp add mod">
-        <pc:chgData name="Kantorska Krystyna" userId="3723c91c-ac7e-41a7-97bb-0f7068af699c" providerId="ADAL" clId="{2E0E2B14-ECC8-4DAF-9346-16E104387F04}" dt="2025-04-17T10:30:11.851" v="3814"/>
-        <pc:sldMkLst>
-          <pc:docMk/>
-          <pc:sldMk cId="2255029305" sldId="299"/>
-        </pc:sldMkLst>
-        <pc:spChg chg="add">
-          <ac:chgData name="Kantorska Krystyna" userId="3723c91c-ac7e-41a7-97bb-0f7068af699c" providerId="ADAL" clId="{2E0E2B14-ECC8-4DAF-9346-16E104387F04}" dt="2025-04-17T10:30:11.851" v="3814"/>
-          <ac:spMkLst>
-            <pc:docMk/>
-            <pc:sldMk cId="2255029305" sldId="299"/>
-            <ac:spMk id="2" creationId="{3ABA9B89-3827-A730-6588-F2484C57EDF7}"/>
-          </ac:spMkLst>
-        </pc:spChg>
-        <pc:spChg chg="mod">
-          <ac:chgData name="Kantorska Krystyna" userId="3723c91c-ac7e-41a7-97bb-0f7068af699c" providerId="ADAL" clId="{2E0E2B14-ECC8-4DAF-9346-16E104387F04}" dt="2025-04-16T10:30:47.680" v="2889" actId="20577"/>
-          <ac:spMkLst>
-            <pc:docMk/>
-            <pc:sldMk cId="2255029305" sldId="299"/>
-            <ac:spMk id="3" creationId="{412078D5-85C7-FBF6-8AFA-127E3876B37B}"/>
-          </ac:spMkLst>
-        </pc:spChg>
-        <pc:spChg chg="add">
-          <ac:chgData name="Kantorska Krystyna" userId="3723c91c-ac7e-41a7-97bb-0f7068af699c" providerId="ADAL" clId="{2E0E2B14-ECC8-4DAF-9346-16E104387F04}" dt="2025-04-17T10:30:11.851" v="3814"/>
-          <ac:spMkLst>
-            <pc:docMk/>
-            <pc:sldMk cId="2255029305" sldId="299"/>
-            <ac:spMk id="4" creationId="{004595E3-8D55-D30C-1F84-D3BD040062F2}"/>
-          </ac:spMkLst>
-        </pc:spChg>
-        <pc:spChg chg="add mod">
-          <ac:chgData name="Kantorska Krystyna" userId="3723c91c-ac7e-41a7-97bb-0f7068af699c" providerId="ADAL" clId="{2E0E2B14-ECC8-4DAF-9346-16E104387F04}" dt="2025-04-17T08:59:32.110" v="2935" actId="1076"/>
-          <ac:spMkLst>
-            <pc:docMk/>
-            <pc:sldMk cId="2255029305" sldId="299"/>
-            <ac:spMk id="6" creationId="{AB5188C0-5E40-516E-C593-84E484835217}"/>
-          </ac:spMkLst>
-        </pc:spChg>
-        <pc:spChg chg="add mod">
-          <ac:chgData name="Kantorska Krystyna" userId="3723c91c-ac7e-41a7-97bb-0f7068af699c" providerId="ADAL" clId="{2E0E2B14-ECC8-4DAF-9346-16E104387F04}" dt="2025-04-17T08:59:40.647" v="2938" actId="14100"/>
-          <ac:spMkLst>
-            <pc:docMk/>
-            <pc:sldMk cId="2255029305" sldId="299"/>
-            <ac:spMk id="7" creationId="{A120F980-0CFB-E1E2-02E2-BFF6FC3EA4FC}"/>
-          </ac:spMkLst>
-        </pc:spChg>
-        <pc:picChg chg="add mod">
-          <ac:chgData name="Kantorska Krystyna" userId="3723c91c-ac7e-41a7-97bb-0f7068af699c" providerId="ADAL" clId="{2E0E2B14-ECC8-4DAF-9346-16E104387F04}" dt="2025-04-17T08:57:40.617" v="2926" actId="1076"/>
-          <ac:picMkLst>
-            <pc:docMk/>
-            <pc:sldMk cId="2255029305" sldId="299"/>
-            <ac:picMk id="5" creationId="{89E1A498-7BB2-B843-9087-ABE08C363449}"/>
-          </ac:picMkLst>
-        </pc:picChg>
-      </pc:sldChg>
-      <pc:sldChg chg="addSp delSp modSp new mod">
-        <pc:chgData name="Kantorska Krystyna" userId="3723c91c-ac7e-41a7-97bb-0f7068af699c" providerId="ADAL" clId="{2E0E2B14-ECC8-4DAF-9346-16E104387F04}" dt="2025-04-17T10:30:11.851" v="3814"/>
-        <pc:sldMkLst>
-          <pc:docMk/>
-          <pc:sldMk cId="1774830115" sldId="300"/>
-        </pc:sldMkLst>
-        <pc:spChg chg="del">
-          <ac:chgData name="Kantorska Krystyna" userId="3723c91c-ac7e-41a7-97bb-0f7068af699c" providerId="ADAL" clId="{2E0E2B14-ECC8-4DAF-9346-16E104387F04}" dt="2025-04-17T10:18:01.360" v="3642" actId="478"/>
-          <ac:spMkLst>
-            <pc:docMk/>
-            <pc:sldMk cId="1774830115" sldId="300"/>
-            <ac:spMk id="2" creationId="{25338A2C-94DC-BDBC-15AD-009770E5B911}"/>
-          </ac:spMkLst>
-        </pc:spChg>
-        <pc:spChg chg="add">
-          <ac:chgData name="Kantorska Krystyna" userId="3723c91c-ac7e-41a7-97bb-0f7068af699c" providerId="ADAL" clId="{2E0E2B14-ECC8-4DAF-9346-16E104387F04}" dt="2025-04-17T10:30:11.851" v="3814"/>
-          <ac:spMkLst>
-            <pc:docMk/>
-            <pc:sldMk cId="1774830115" sldId="300"/>
-            <ac:spMk id="2" creationId="{DEF56AD2-8154-6ADC-759D-C13404C8680C}"/>
-          </ac:spMkLst>
-        </pc:spChg>
-        <pc:spChg chg="mod">
-          <ac:chgData name="Kantorska Krystyna" userId="3723c91c-ac7e-41a7-97bb-0f7068af699c" providerId="ADAL" clId="{2E0E2B14-ECC8-4DAF-9346-16E104387F04}" dt="2025-04-17T10:19:01.761" v="3679" actId="1076"/>
-          <ac:spMkLst>
-            <pc:docMk/>
-            <pc:sldMk cId="1774830115" sldId="300"/>
-            <ac:spMk id="3" creationId="{68C0E4BE-AA0C-ACAE-72E4-E22F5B615B24}"/>
-          </ac:spMkLst>
-        </pc:spChg>
-        <pc:spChg chg="del">
-          <ac:chgData name="Kantorska Krystyna" userId="3723c91c-ac7e-41a7-97bb-0f7068af699c" providerId="ADAL" clId="{2E0E2B14-ECC8-4DAF-9346-16E104387F04}" dt="2025-04-17T10:19:30.472" v="3680" actId="478"/>
-          <ac:spMkLst>
-            <pc:docMk/>
-            <pc:sldMk cId="1774830115" sldId="300"/>
-            <ac:spMk id="4" creationId="{936DFB12-3155-883F-D6D5-E0C219F0F986}"/>
-          </ac:spMkLst>
-        </pc:spChg>
-        <pc:spChg chg="del mod">
-          <ac:chgData name="Kantorska Krystyna" userId="3723c91c-ac7e-41a7-97bb-0f7068af699c" providerId="ADAL" clId="{2E0E2B14-ECC8-4DAF-9346-16E104387F04}" dt="2025-04-17T10:27:22.904" v="3803" actId="478"/>
-          <ac:spMkLst>
-            <pc:docMk/>
-            <pc:sldMk cId="1774830115" sldId="300"/>
-            <ac:spMk id="4" creationId="{A695D283-9628-6C7F-108D-1216CF565B7D}"/>
-          </ac:spMkLst>
-        </pc:spChg>
-      </pc:sldChg>
-      <pc:sldChg chg="addSp delSp modSp add mod">
-        <pc:chgData name="Kantorska Krystyna" userId="3723c91c-ac7e-41a7-97bb-0f7068af699c" providerId="ADAL" clId="{2E0E2B14-ECC8-4DAF-9346-16E104387F04}" dt="2025-04-17T10:30:11.851" v="3814"/>
-        <pc:sldMkLst>
-          <pc:docMk/>
-          <pc:sldMk cId="3261907559" sldId="301"/>
-        </pc:sldMkLst>
-        <pc:spChg chg="add">
-          <ac:chgData name="Kantorska Krystyna" userId="3723c91c-ac7e-41a7-97bb-0f7068af699c" providerId="ADAL" clId="{2E0E2B14-ECC8-4DAF-9346-16E104387F04}" dt="2025-04-17T10:30:11.851" v="3814"/>
-          <ac:spMkLst>
-            <pc:docMk/>
-            <pc:sldMk cId="3261907559" sldId="301"/>
-            <ac:spMk id="2" creationId="{8DC0271A-8195-BFEC-7CDC-D3B948A18109}"/>
-          </ac:spMkLst>
-        </pc:spChg>
-        <pc:spChg chg="mod">
-          <ac:chgData name="Kantorska Krystyna" userId="3723c91c-ac7e-41a7-97bb-0f7068af699c" providerId="ADAL" clId="{2E0E2B14-ECC8-4DAF-9346-16E104387F04}" dt="2025-04-17T10:17:15.312" v="3641" actId="20577"/>
-          <ac:spMkLst>
-            <pc:docMk/>
-            <pc:sldMk cId="3261907559" sldId="301"/>
-            <ac:spMk id="3" creationId="{412078D5-85C7-FBF6-8AFA-127E3876B37B}"/>
-          </ac:spMkLst>
-        </pc:spChg>
-        <pc:spChg chg="add">
-          <ac:chgData name="Kantorska Krystyna" userId="3723c91c-ac7e-41a7-97bb-0f7068af699c" providerId="ADAL" clId="{2E0E2B14-ECC8-4DAF-9346-16E104387F04}" dt="2025-04-17T10:30:11.851" v="3814"/>
-          <ac:spMkLst>
-            <pc:docMk/>
-            <pc:sldMk cId="3261907559" sldId="301"/>
-            <ac:spMk id="4" creationId="{D95C69A2-DB81-A3D4-5368-91099FD55E38}"/>
-          </ac:spMkLst>
-        </pc:spChg>
-        <pc:spChg chg="del">
-          <ac:chgData name="Kantorska Krystyna" userId="3723c91c-ac7e-41a7-97bb-0f7068af699c" providerId="ADAL" clId="{2E0E2B14-ECC8-4DAF-9346-16E104387F04}" dt="2025-04-17T09:00:31.163" v="2942" actId="478"/>
-          <ac:spMkLst>
-            <pc:docMk/>
-            <pc:sldMk cId="3261907559" sldId="301"/>
-            <ac:spMk id="6" creationId="{AB5188C0-5E40-516E-C593-84E484835217}"/>
-          </ac:spMkLst>
-        </pc:spChg>
-        <pc:spChg chg="del">
-          <ac:chgData name="Kantorska Krystyna" userId="3723c91c-ac7e-41a7-97bb-0f7068af699c" providerId="ADAL" clId="{2E0E2B14-ECC8-4DAF-9346-16E104387F04}" dt="2025-04-17T09:00:32.004" v="2943" actId="478"/>
-          <ac:spMkLst>
-            <pc:docMk/>
-            <pc:sldMk cId="3261907559" sldId="301"/>
-            <ac:spMk id="7" creationId="{A120F980-0CFB-E1E2-02E2-BFF6FC3EA4FC}"/>
-          </ac:spMkLst>
-        </pc:spChg>
-        <pc:spChg chg="add del mod">
-          <ac:chgData name="Kantorska Krystyna" userId="3723c91c-ac7e-41a7-97bb-0f7068af699c" providerId="ADAL" clId="{2E0E2B14-ECC8-4DAF-9346-16E104387F04}" dt="2025-04-17T10:04:44.172" v="3157" actId="478"/>
-          <ac:spMkLst>
-            <pc:docMk/>
-            <pc:sldMk cId="3261907559" sldId="301"/>
-            <ac:spMk id="9" creationId="{5A0D090E-E9C6-D884-1EC8-CDF97FDEB69F}"/>
-          </ac:spMkLst>
-        </pc:spChg>
-        <pc:spChg chg="mod">
-          <ac:chgData name="Kantorska Krystyna" userId="3723c91c-ac7e-41a7-97bb-0f7068af699c" providerId="ADAL" clId="{2E0E2B14-ECC8-4DAF-9346-16E104387F04}" dt="2025-04-17T09:00:39.267" v="2958" actId="20577"/>
-          <ac:spMkLst>
-            <pc:docMk/>
-            <pc:sldMk cId="3261907559" sldId="301"/>
-            <ac:spMk id="11" creationId="{8B715464-A95A-E481-0233-34EFACB7180B}"/>
-          </ac:spMkLst>
-        </pc:spChg>
-        <pc:spChg chg="add mod">
-          <ac:chgData name="Kantorska Krystyna" userId="3723c91c-ac7e-41a7-97bb-0f7068af699c" providerId="ADAL" clId="{2E0E2B14-ECC8-4DAF-9346-16E104387F04}" dt="2025-04-17T10:14:34.232" v="3471" actId="207"/>
-          <ac:spMkLst>
-            <pc:docMk/>
-            <pc:sldMk cId="3261907559" sldId="301"/>
-            <ac:spMk id="14" creationId="{2DCBAC44-0419-5894-7192-18403D4A30A6}"/>
-          </ac:spMkLst>
-        </pc:spChg>
-        <pc:picChg chg="del">
-          <ac:chgData name="Kantorska Krystyna" userId="3723c91c-ac7e-41a7-97bb-0f7068af699c" providerId="ADAL" clId="{2E0E2B14-ECC8-4DAF-9346-16E104387F04}" dt="2025-04-17T09:00:30.020" v="2941" actId="478"/>
-          <ac:picMkLst>
-            <pc:docMk/>
-            <pc:sldMk cId="3261907559" sldId="301"/>
-            <ac:picMk id="5" creationId="{89E1A498-7BB2-B843-9087-ABE08C363449}"/>
-          </ac:picMkLst>
-        </pc:picChg>
-        <pc:picChg chg="add mod">
-          <ac:chgData name="Kantorska Krystyna" userId="3723c91c-ac7e-41a7-97bb-0f7068af699c" providerId="ADAL" clId="{2E0E2B14-ECC8-4DAF-9346-16E104387F04}" dt="2025-04-17T10:14:01.616" v="3464" actId="1076"/>
-          <ac:picMkLst>
-            <pc:docMk/>
-            <pc:sldMk cId="3261907559" sldId="301"/>
-            <ac:picMk id="8" creationId="{F97BDF36-341B-E5E2-5944-E5A456A7FFD9}"/>
-          </ac:picMkLst>
-        </pc:picChg>
-        <pc:cxnChg chg="add mod">
-          <ac:chgData name="Kantorska Krystyna" userId="3723c91c-ac7e-41a7-97bb-0f7068af699c" providerId="ADAL" clId="{2E0E2B14-ECC8-4DAF-9346-16E104387F04}" dt="2025-04-17T10:14:07.352" v="3466" actId="14100"/>
-          <ac:cxnSpMkLst>
-            <pc:docMk/>
-            <pc:sldMk cId="3261907559" sldId="301"/>
-            <ac:cxnSpMk id="12" creationId="{2874C31A-4BAB-5C69-F263-FE5032D816F7}"/>
-          </ac:cxnSpMkLst>
-        </pc:cxnChg>
-      </pc:sldChg>
-      <pc:sldChg chg="addSp delSp modSp add mod ord modClrScheme chgLayout">
-        <pc:chgData name="Kantorska Krystyna" userId="3723c91c-ac7e-41a7-97bb-0f7068af699c" providerId="ADAL" clId="{2E0E2B14-ECC8-4DAF-9346-16E104387F04}" dt="2025-04-17T10:30:11.851" v="3814"/>
-        <pc:sldMkLst>
-          <pc:docMk/>
-          <pc:sldMk cId="377555141" sldId="302"/>
-        </pc:sldMkLst>
-        <pc:spChg chg="add">
-          <ac:chgData name="Kantorska Krystyna" userId="3723c91c-ac7e-41a7-97bb-0f7068af699c" providerId="ADAL" clId="{2E0E2B14-ECC8-4DAF-9346-16E104387F04}" dt="2025-04-17T10:30:11.851" v="3814"/>
-          <ac:spMkLst>
-            <pc:docMk/>
-            <pc:sldMk cId="377555141" sldId="302"/>
-            <ac:spMk id="2" creationId="{FC0C1062-134D-B009-6E9E-91ED37E678D9}"/>
-          </ac:spMkLst>
-        </pc:spChg>
-        <pc:spChg chg="add">
-          <ac:chgData name="Kantorska Krystyna" userId="3723c91c-ac7e-41a7-97bb-0f7068af699c" providerId="ADAL" clId="{2E0E2B14-ECC8-4DAF-9346-16E104387F04}" dt="2025-04-17T10:30:11.851" v="3814"/>
-          <ac:spMkLst>
-            <pc:docMk/>
-            <pc:sldMk cId="377555141" sldId="302"/>
-            <ac:spMk id="3" creationId="{ED9734BD-FFE8-4C13-4E30-CAC2407FD186}"/>
-          </ac:spMkLst>
-        </pc:spChg>
-        <pc:spChg chg="mod ord">
-          <ac:chgData name="Kantorska Krystyna" userId="3723c91c-ac7e-41a7-97bb-0f7068af699c" providerId="ADAL" clId="{2E0E2B14-ECC8-4DAF-9346-16E104387F04}" dt="2025-04-17T10:30:05.957" v="3811" actId="6264"/>
-          <ac:spMkLst>
-            <pc:docMk/>
-            <pc:sldMk cId="377555141" sldId="302"/>
-            <ac:spMk id="4" creationId="{D3BAB818-B9EB-D83C-7023-D92421E144F7}"/>
-          </ac:spMkLst>
-        </pc:spChg>
-        <pc:spChg chg="mod ord modVis">
-          <ac:chgData name="Kantorska Krystyna" userId="3723c91c-ac7e-41a7-97bb-0f7068af699c" providerId="ADAL" clId="{2E0E2B14-ECC8-4DAF-9346-16E104387F04}" dt="2025-04-17T10:30:05.957" v="3811" actId="6264"/>
-          <ac:spMkLst>
-            <pc:docMk/>
-            <pc:sldMk cId="377555141" sldId="302"/>
-            <ac:spMk id="5" creationId="{4F7D42F4-F394-C5DA-F0C9-54942881D014}"/>
-          </ac:spMkLst>
-        </pc:spChg>
-        <pc:spChg chg="add del mod">
-          <ac:chgData name="Kantorska Krystyna" userId="3723c91c-ac7e-41a7-97bb-0f7068af699c" providerId="ADAL" clId="{2E0E2B14-ECC8-4DAF-9346-16E104387F04}" dt="2025-04-17T10:30:05.957" v="3811" actId="6264"/>
-          <ac:spMkLst>
-            <pc:docMk/>
-            <pc:sldMk cId="377555141" sldId="302"/>
-            <ac:spMk id="6" creationId="{B343F957-6CD5-C0E6-EF29-8C3138D421B5}"/>
-          </ac:spMkLst>
-        </pc:spChg>
-        <pc:spChg chg="add del mod">
-          <ac:chgData name="Kantorska Krystyna" userId="3723c91c-ac7e-41a7-97bb-0f7068af699c" providerId="ADAL" clId="{2E0E2B14-ECC8-4DAF-9346-16E104387F04}" dt="2025-04-17T10:30:05.957" v="3811" actId="6264"/>
-          <ac:spMkLst>
-            <pc:docMk/>
-            <pc:sldMk cId="377555141" sldId="302"/>
-            <ac:spMk id="7" creationId="{28A93485-107D-16C7-E562-31853422029E}"/>
-          </ac:spMkLst>
-        </pc:spChg>
-        <pc:spChg chg="mod ord">
-          <ac:chgData name="Kantorska Krystyna" userId="3723c91c-ac7e-41a7-97bb-0f7068af699c" providerId="ADAL" clId="{2E0E2B14-ECC8-4DAF-9346-16E104387F04}" dt="2025-04-17T10:30:05.957" v="3811" actId="6264"/>
-          <ac:spMkLst>
-            <pc:docMk/>
-            <pc:sldMk cId="377555141" sldId="302"/>
-            <ac:spMk id="8" creationId="{8EBF1405-2753-4075-868D-511C27E85E1E}"/>
-          </ac:spMkLst>
-        </pc:spChg>
-        <pc:spChg chg="add del">
-          <ac:chgData name="Kantorska Krystyna" userId="3723c91c-ac7e-41a7-97bb-0f7068af699c" providerId="ADAL" clId="{2E0E2B14-ECC8-4DAF-9346-16E104387F04}" dt="2025-04-17T10:30:05.957" v="3811" actId="6264"/>
-          <ac:spMkLst>
-            <pc:docMk/>
-            <pc:sldMk cId="377555141" sldId="302"/>
-            <ac:spMk id="9" creationId="{ED194933-87B7-4288-A968-E5B91DDCAE76}"/>
-          </ac:spMkLst>
-        </pc:spChg>
-        <pc:spChg chg="mod ord">
-          <ac:chgData name="Kantorska Krystyna" userId="3723c91c-ac7e-41a7-97bb-0f7068af699c" providerId="ADAL" clId="{2E0E2B14-ECC8-4DAF-9346-16E104387F04}" dt="2025-04-17T10:30:05.957" v="3811" actId="6264"/>
-          <ac:spMkLst>
-            <pc:docMk/>
-            <pc:sldMk cId="377555141" sldId="302"/>
-            <ac:spMk id="10" creationId="{22AAB962-7CE7-4737-AE79-45831A05204E}"/>
-          </ac:spMkLst>
-        </pc:spChg>
-        <pc:spChg chg="add del mod">
-          <ac:chgData name="Kantorska Krystyna" userId="3723c91c-ac7e-41a7-97bb-0f7068af699c" providerId="ADAL" clId="{2E0E2B14-ECC8-4DAF-9346-16E104387F04}" dt="2025-04-17T10:30:05.957" v="3811" actId="6264"/>
-          <ac:spMkLst>
-            <pc:docMk/>
-            <pc:sldMk cId="377555141" sldId="302"/>
-            <ac:spMk id="11" creationId="{02E3BF7B-7731-7144-C351-14EE1E43067C}"/>
-          </ac:spMkLst>
-        </pc:spChg>
-        <pc:spChg chg="add del mod">
-          <ac:chgData name="Kantorska Krystyna" userId="3723c91c-ac7e-41a7-97bb-0f7068af699c" providerId="ADAL" clId="{2E0E2B14-ECC8-4DAF-9346-16E104387F04}" dt="2025-04-17T10:30:05.957" v="3811" actId="6264"/>
-          <ac:spMkLst>
-            <pc:docMk/>
-            <pc:sldMk cId="377555141" sldId="302"/>
-            <ac:spMk id="12" creationId="{5CA93624-C1FC-5318-EEFE-79ADADA46980}"/>
-          </ac:spMkLst>
-        </pc:spChg>
-        <pc:spChg chg="add del mod ord">
-          <ac:chgData name="Kantorska Krystyna" userId="3723c91c-ac7e-41a7-97bb-0f7068af699c" providerId="ADAL" clId="{2E0E2B14-ECC8-4DAF-9346-16E104387F04}" dt="2025-04-17T10:30:05.957" v="3811" actId="6264"/>
-          <ac:spMkLst>
-            <pc:docMk/>
-            <pc:sldMk cId="377555141" sldId="302"/>
-            <ac:spMk id="13" creationId="{5B760D25-120B-6039-5242-9BAA132A23A8}"/>
-          </ac:spMkLst>
-        </pc:spChg>
-        <pc:spChg chg="add del mod ord">
-          <ac:chgData name="Kantorska Krystyna" userId="3723c91c-ac7e-41a7-97bb-0f7068af699c" providerId="ADAL" clId="{2E0E2B14-ECC8-4DAF-9346-16E104387F04}" dt="2025-04-17T10:30:05.957" v="3811" actId="6264"/>
-          <ac:spMkLst>
-            <pc:docMk/>
-            <pc:sldMk cId="377555141" sldId="302"/>
-            <ac:spMk id="14" creationId="{CF9C8C15-8AD6-9CE6-DECC-1F0B47A0DCD0}"/>
-          </ac:spMkLst>
-        </pc:spChg>
-        <pc:spChg chg="add del mod">
-          <ac:chgData name="Kantorska Krystyna" userId="3723c91c-ac7e-41a7-97bb-0f7068af699c" providerId="ADAL" clId="{2E0E2B14-ECC8-4DAF-9346-16E104387F04}" dt="2025-04-17T10:28:53.186" v="3805" actId="26606"/>
-          <ac:spMkLst>
-            <pc:docMk/>
-            <pc:sldMk cId="377555141" sldId="302"/>
-            <ac:spMk id="15" creationId="{99482924-EE82-DC82-E49A-B0C9906D021E}"/>
-          </ac:spMkLst>
-        </pc:spChg>
-        <pc:spChg chg="add del mod">
-          <ac:chgData name="Kantorska Krystyna" userId="3723c91c-ac7e-41a7-97bb-0f7068af699c" providerId="ADAL" clId="{2E0E2B14-ECC8-4DAF-9346-16E104387F04}" dt="2025-04-17T10:28:59.237" v="3807" actId="26606"/>
-          <ac:spMkLst>
-            <pc:docMk/>
-            <pc:sldMk cId="377555141" sldId="302"/>
-            <ac:spMk id="17" creationId="{47868286-0563-78EE-81BA-23BB063203A4}"/>
-          </ac:spMkLst>
-        </pc:spChg>
-        <pc:spChg chg="add del mod">
-          <ac:chgData name="Kantorska Krystyna" userId="3723c91c-ac7e-41a7-97bb-0f7068af699c" providerId="ADAL" clId="{2E0E2B14-ECC8-4DAF-9346-16E104387F04}" dt="2025-04-17T10:28:59.237" v="3807" actId="26606"/>
-          <ac:spMkLst>
-            <pc:docMk/>
-            <pc:sldMk cId="377555141" sldId="302"/>
-            <ac:spMk id="18" creationId="{FF0C7291-A52F-6A2C-9BFA-C2573B287966}"/>
-          </ac:spMkLst>
-        </pc:spChg>
-        <pc:spChg chg="add del mod">
-          <ac:chgData name="Kantorska Krystyna" userId="3723c91c-ac7e-41a7-97bb-0f7068af699c" providerId="ADAL" clId="{2E0E2B14-ECC8-4DAF-9346-16E104387F04}" dt="2025-04-17T10:28:59.237" v="3807" actId="26606"/>
-          <ac:spMkLst>
-            <pc:docMk/>
-            <pc:sldMk cId="377555141" sldId="302"/>
-            <ac:spMk id="19" creationId="{B3FEE9FE-3C3C-96DE-347C-125E76D56FF0}"/>
-          </ac:spMkLst>
-        </pc:spChg>
-      </pc:sldChg>
-      <pc:sldChg chg="addSp modSp add mod ord">
-        <pc:chgData name="Kantorska Krystyna" userId="3723c91c-ac7e-41a7-97bb-0f7068af699c" providerId="ADAL" clId="{2E0E2B14-ECC8-4DAF-9346-16E104387F04}" dt="2025-04-17T10:30:11.851" v="3814"/>
-        <pc:sldMkLst>
-          <pc:docMk/>
-          <pc:sldMk cId="877054003" sldId="303"/>
-        </pc:sldMkLst>
-        <pc:spChg chg="add">
-          <ac:chgData name="Kantorska Krystyna" userId="3723c91c-ac7e-41a7-97bb-0f7068af699c" providerId="ADAL" clId="{2E0E2B14-ECC8-4DAF-9346-16E104387F04}" dt="2025-04-17T10:30:11.851" v="3814"/>
-          <ac:spMkLst>
-            <pc:docMk/>
-            <pc:sldMk cId="877054003" sldId="303"/>
-            <ac:spMk id="2" creationId="{93CEC55C-B644-FFA5-B342-FDA33EF695A5}"/>
-          </ac:spMkLst>
-        </pc:spChg>
-        <pc:spChg chg="add">
-          <ac:chgData name="Kantorska Krystyna" userId="3723c91c-ac7e-41a7-97bb-0f7068af699c" providerId="ADAL" clId="{2E0E2B14-ECC8-4DAF-9346-16E104387F04}" dt="2025-04-17T10:30:11.851" v="3814"/>
-          <ac:spMkLst>
-            <pc:docMk/>
-            <pc:sldMk cId="877054003" sldId="303"/>
-            <ac:spMk id="3" creationId="{D5023366-78DB-3DF5-B627-15306E2A1B0B}"/>
-          </ac:spMkLst>
-        </pc:spChg>
-        <pc:spChg chg="mod">
-          <ac:chgData name="Kantorska Krystyna" userId="3723c91c-ac7e-41a7-97bb-0f7068af699c" providerId="ADAL" clId="{2E0E2B14-ECC8-4DAF-9346-16E104387F04}" dt="2025-04-17T10:22:41.528" v="3779" actId="20577"/>
-          <ac:spMkLst>
-            <pc:docMk/>
-            <pc:sldMk cId="877054003" sldId="303"/>
-            <ac:spMk id="8" creationId="{8EBF1405-2753-4075-868D-511C27E85E1E}"/>
-          </ac:spMkLst>
-        </pc:spChg>
-        <pc:spChg chg="mod">
-          <ac:chgData name="Kantorska Krystyna" userId="3723c91c-ac7e-41a7-97bb-0f7068af699c" providerId="ADAL" clId="{2E0E2B14-ECC8-4DAF-9346-16E104387F04}" dt="2025-04-17T10:22:28.129" v="3750" actId="20577"/>
-          <ac:spMkLst>
-            <pc:docMk/>
-            <pc:sldMk cId="877054003" sldId="303"/>
-            <ac:spMk id="10" creationId="{22AAB962-7CE7-4737-AE79-45831A05204E}"/>
-          </ac:spMkLst>
-        </pc:spChg>
-      </pc:sldChg>
-      <pc:sldChg chg="addSp modSp add mod ord">
-        <pc:chgData name="Kantorska Krystyna" userId="3723c91c-ac7e-41a7-97bb-0f7068af699c" providerId="ADAL" clId="{2E0E2B14-ECC8-4DAF-9346-16E104387F04}" dt="2025-04-17T10:30:11.851" v="3814"/>
-        <pc:sldMkLst>
-          <pc:docMk/>
-          <pc:sldMk cId="1518978272" sldId="304"/>
-        </pc:sldMkLst>
-        <pc:spChg chg="add">
-          <ac:chgData name="Kantorska Krystyna" userId="3723c91c-ac7e-41a7-97bb-0f7068af699c" providerId="ADAL" clId="{2E0E2B14-ECC8-4DAF-9346-16E104387F04}" dt="2025-04-17T10:30:11.851" v="3814"/>
-          <ac:spMkLst>
-            <pc:docMk/>
-            <pc:sldMk cId="1518978272" sldId="304"/>
-            <ac:spMk id="2" creationId="{D562159B-B00F-5BAC-43FD-02288E812071}"/>
-          </ac:spMkLst>
-        </pc:spChg>
-        <pc:spChg chg="add">
-          <ac:chgData name="Kantorska Krystyna" userId="3723c91c-ac7e-41a7-97bb-0f7068af699c" providerId="ADAL" clId="{2E0E2B14-ECC8-4DAF-9346-16E104387F04}" dt="2025-04-17T10:30:11.851" v="3814"/>
-          <ac:spMkLst>
-            <pc:docMk/>
-            <pc:sldMk cId="1518978272" sldId="304"/>
-            <ac:spMk id="3" creationId="{F05BC80C-61E7-5866-B45E-8DA8BFA1D388}"/>
-          </ac:spMkLst>
-        </pc:spChg>
-        <pc:spChg chg="mod">
-          <ac:chgData name="Kantorska Krystyna" userId="3723c91c-ac7e-41a7-97bb-0f7068af699c" providerId="ADAL" clId="{2E0E2B14-ECC8-4DAF-9346-16E104387F04}" dt="2025-04-17T10:23:23.721" v="3801" actId="20577"/>
-          <ac:spMkLst>
-            <pc:docMk/>
-            <pc:sldMk cId="1518978272" sldId="304"/>
-            <ac:spMk id="8" creationId="{8EBF1405-2753-4075-868D-511C27E85E1E}"/>
-          </ac:spMkLst>
-        </pc:spChg>
-        <pc:spChg chg="mod">
-          <ac:chgData name="Kantorska Krystyna" userId="3723c91c-ac7e-41a7-97bb-0f7068af699c" providerId="ADAL" clId="{2E0E2B14-ECC8-4DAF-9346-16E104387F04}" dt="2025-04-17T10:23:14.457" v="3784" actId="20577"/>
-          <ac:spMkLst>
-            <pc:docMk/>
-            <pc:sldMk cId="1518978272" sldId="304"/>
-            <ac:spMk id="10" creationId="{22AAB962-7CE7-4737-AE79-45831A05204E}"/>
-          </ac:spMkLst>
-        </pc:spChg>
-      </pc:sldChg>
-      <pc:sldMasterChg chg="delSldLayout">
-        <pc:chgData name="Kantorska Krystyna" userId="3723c91c-ac7e-41a7-97bb-0f7068af699c" providerId="ADAL" clId="{2E0E2B14-ECC8-4DAF-9346-16E104387F04}" dt="2025-04-17T08:51:42.859" v="2907" actId="2696"/>
-        <pc:sldMasterMkLst>
-          <pc:docMk/>
-          <pc:sldMasterMk cId="1579063165" sldId="2147483648"/>
-        </pc:sldMasterMkLst>
-        <pc:sldLayoutChg chg="del">
-          <pc:chgData name="Kantorska Krystyna" userId="3723c91c-ac7e-41a7-97bb-0f7068af699c" providerId="ADAL" clId="{2E0E2B14-ECC8-4DAF-9346-16E104387F04}" dt="2025-04-17T08:51:42.859" v="2907" actId="2696"/>
-          <pc:sldLayoutMkLst>
-            <pc:docMk/>
-            <pc:sldMasterMk cId="1579063165" sldId="2147483648"/>
-            <pc:sldLayoutMk cId="1297560077" sldId="2147483706"/>
-          </pc:sldLayoutMkLst>
-        </pc:sldLayoutChg>
-        <pc:sldLayoutChg chg="del">
-          <pc:chgData name="Kantorska Krystyna" userId="3723c91c-ac7e-41a7-97bb-0f7068af699c" providerId="ADAL" clId="{2E0E2B14-ECC8-4DAF-9346-16E104387F04}" dt="2025-04-17T08:51:42.859" v="2907" actId="2696"/>
-          <pc:sldLayoutMkLst>
-            <pc:docMk/>
-            <pc:sldMasterMk cId="1579063165" sldId="2147483648"/>
-            <pc:sldLayoutMk cId="3890653935" sldId="2147483707"/>
-          </pc:sldLayoutMkLst>
-        </pc:sldLayoutChg>
-      </pc:sldMasterChg>
-    </pc:docChg>
-  </pc:docChgLst>
-</pc:chgInfo>
-</file>
-
 <file path=ppt/handoutMasters/handoutMaster1.xml><?xml version="1.0" encoding="utf-8"?>
 <p:handoutMaster xmlns:a="http://schemas.openxmlformats.org/drawingml/2006/main" xmlns:r="http://schemas.openxmlformats.org/officeDocument/2006/relationships" xmlns:p="http://schemas.openxmlformats.org/presentationml/2006/main">
   <p:cSld>
@@ -2050,7 +251,7 @@
           <a:p>
             <a:fld id="{955BD558-88E3-4A0D-9DF0-F26577586B0C}" type="datetimeFigureOut">
               <a:rPr lang="pl-PL" smtClean="0"/>
-              <a:t>2025-10-15</a:t>
+              <a:t>2025-12-11</a:t>
             </a:fld>
             <a:endParaRPr lang="pl-PL"/>
           </a:p>
@@ -2228,7 +429,7 @@
           <a:p>
             <a:fld id="{19C43180-B5B9-4DAD-ABBE-F77A099AFA77}" type="datetimeFigureOut">
               <a:rPr lang="pl-PL" smtClean="0"/>
-              <a:t>2025-10-15</a:t>
+              <a:t>2025-12-11</a:t>
             </a:fld>
             <a:endParaRPr lang="pl-PL"/>
           </a:p>
@@ -2770,9 +971,9 @@
           <a:bodyPr/>
           <a:lstStyle/>
           <a:p>
-            <a:fld id="{AF0F9186-8AD3-48F8-94DB-FF64D95EB774}" type="datetime1">
+            <a:fld id="{8DCE3C72-FDE3-41B2-A00D-266B2A9525C0}" type="datetime1">
               <a:rPr lang="pl-PL" smtClean="0"/>
-              <a:t>2025-10-15</a:t>
+              <a:t>2025-12-11</a:t>
             </a:fld>
             <a:endParaRPr lang="pl-PL"/>
           </a:p>
@@ -7154,9 +5355,9 @@
           <a:bodyPr/>
           <a:lstStyle/>
           <a:p>
-            <a:fld id="{D52F455F-4C39-45F4-881E-C6A81ACDE771}" type="datetime1">
+            <a:fld id="{5A331841-5325-4870-B33B-6CCBCD1042EB}" type="datetime1">
               <a:rPr lang="pl-PL" smtClean="0"/>
-              <a:t>2025-10-15</a:t>
+              <a:t>2025-12-11</a:t>
             </a:fld>
             <a:endParaRPr lang="pl-PL"/>
           </a:p>
@@ -7467,9 +5668,9 @@
           <a:bodyPr/>
           <a:lstStyle/>
           <a:p>
-            <a:fld id="{ACBE0B72-6B78-40F5-920B-86E7E0744324}" type="datetime1">
+            <a:fld id="{F135C8E2-C8D2-4EC9-9365-5EE4527E105E}" type="datetime1">
               <a:rPr lang="pl-PL" smtClean="0"/>
-              <a:t>2025-10-15</a:t>
+              <a:t>2025-12-11</a:t>
             </a:fld>
             <a:endParaRPr lang="pl-PL"/>
           </a:p>
@@ -7790,9 +5991,9 @@
           <a:bodyPr/>
           <a:lstStyle/>
           <a:p>
-            <a:fld id="{C496D373-4291-49F4-B5D0-07C20B45ABF0}" type="datetime1">
+            <a:fld id="{D6331860-1BC4-4540-B189-E3322A711417}" type="datetime1">
               <a:rPr lang="pl-PL" smtClean="0"/>
-              <a:t>2025-10-15</a:t>
+              <a:t>2025-12-11</a:t>
             </a:fld>
             <a:endParaRPr lang="pl-PL"/>
           </a:p>
@@ -8090,9 +6291,9 @@
           <a:bodyPr/>
           <a:lstStyle/>
           <a:p>
-            <a:fld id="{200FA3AD-FD89-4637-A38E-4FC12F32AF99}" type="datetime1">
+            <a:fld id="{98387019-508C-4FD0-BD10-C3E14406F516}" type="datetime1">
               <a:rPr lang="pl-PL" smtClean="0"/>
-              <a:t>2025-10-15</a:t>
+              <a:t>2025-12-11</a:t>
             </a:fld>
             <a:endParaRPr lang="pl-PL"/>
           </a:p>
@@ -8297,9 +6498,9 @@
           <a:bodyPr/>
           <a:lstStyle/>
           <a:p>
-            <a:fld id="{8230C4F9-03D0-475D-86D1-D00FED449D95}" type="datetime1">
+            <a:fld id="{2508613F-385B-42ED-B8D6-2ABC5C87347D}" type="datetime1">
               <a:rPr lang="pl-PL" smtClean="0"/>
-              <a:t>2025-10-15</a:t>
+              <a:t>2025-12-11</a:t>
             </a:fld>
             <a:endParaRPr lang="pl-PL"/>
           </a:p>
@@ -8492,9 +6693,9 @@
           <a:bodyPr/>
           <a:lstStyle/>
           <a:p>
-            <a:fld id="{7C8B98C8-1E25-4E34-81B5-B89AE8A0FAA6}" type="datetime1">
+            <a:fld id="{F34C0D48-41C2-49C4-BC65-0CE445189CD5}" type="datetime1">
               <a:rPr lang="pl-PL" smtClean="0"/>
-              <a:t>2025-10-15</a:t>
+              <a:t>2025-12-11</a:t>
             </a:fld>
             <a:endParaRPr lang="pl-PL"/>
           </a:p>
@@ -8753,9 +6954,9 @@
             </a:lvl1pPr>
           </a:lstStyle>
           <a:p>
-            <a:fld id="{902898CE-80E3-453C-90E5-74AA3E4EC175}" type="datetime1">
+            <a:fld id="{894DC83B-7837-4C4E-8499-D7630D6C8E8A}" type="datetime1">
               <a:rPr lang="pl-PL" smtClean="0"/>
-              <a:t>2025-10-15</a:t>
+              <a:t>2025-12-11</a:t>
             </a:fld>
             <a:endParaRPr lang="pl-PL"/>
           </a:p>
@@ -9037,9 +7238,9 @@
             </a:lvl1pPr>
           </a:lstStyle>
           <a:p>
-            <a:fld id="{2046AB7A-F3A0-4F7E-BF5C-0B2FF3ADB9B3}" type="datetime1">
+            <a:fld id="{51AF11C9-C879-4A6E-A50D-B9F867FAFA17}" type="datetime1">
               <a:rPr lang="pl-PL" smtClean="0"/>
-              <a:t>2025-10-15</a:t>
+              <a:t>2025-12-11</a:t>
             </a:fld>
             <a:endParaRPr lang="pl-PL"/>
           </a:p>
@@ -9257,9 +7458,9 @@
           <a:bodyPr/>
           <a:lstStyle/>
           <a:p>
-            <a:fld id="{66C12E77-C910-4058-85F1-1D1E01FA585D}" type="datetime1">
+            <a:fld id="{A929E4DF-8B52-45DB-8344-4E2F805AD785}" type="datetime1">
               <a:rPr lang="pl-PL" smtClean="0"/>
-              <a:t>2025-10-15</a:t>
+              <a:t>2025-12-11</a:t>
             </a:fld>
             <a:endParaRPr lang="pl-PL"/>
           </a:p>
@@ -9445,9 +7646,9 @@
           <a:bodyPr/>
           <a:lstStyle/>
           <a:p>
-            <a:fld id="{FA5E32EA-2F36-479D-B5BB-F3510BF8E4B4}" type="datetime1">
+            <a:fld id="{BB121DBD-8BF3-4E83-83C9-650C9779A8F5}" type="datetime1">
               <a:rPr lang="pl-PL" smtClean="0"/>
-              <a:t>2025-10-15</a:t>
+              <a:t>2025-12-11</a:t>
             </a:fld>
             <a:endParaRPr lang="pl-PL"/>
           </a:p>
@@ -9759,9 +7960,9 @@
           <a:bodyPr/>
           <a:lstStyle/>
           <a:p>
-            <a:fld id="{2BF893A7-4C4E-42CB-837C-D33B8486F31B}" type="datetime1">
+            <a:fld id="{8E09A7B7-46B8-43E4-AEDA-7C3EDFDEA19C}" type="datetime1">
               <a:rPr lang="pl-PL" smtClean="0"/>
-              <a:t>2025-10-15</a:t>
+              <a:t>2025-12-11</a:t>
             </a:fld>
             <a:endParaRPr lang="pl-PL"/>
           </a:p>
@@ -9918,9 +8119,9 @@
           <a:bodyPr/>
           <a:lstStyle/>
           <a:p>
-            <a:fld id="{5E3B962D-9B27-4B6B-B87E-11836FC4F3CF}" type="datetime1">
+            <a:fld id="{74F63312-4FD5-46D8-A668-60C9FA94ACCF}" type="datetime1">
               <a:rPr lang="pl-PL" smtClean="0"/>
-              <a:t>2025-10-15</a:t>
+              <a:t>2025-12-11</a:t>
             </a:fld>
             <a:endParaRPr lang="pl-PL"/>
           </a:p>
@@ -10079,9 +8280,9 @@
           <a:bodyPr/>
           <a:lstStyle/>
           <a:p>
-            <a:fld id="{ECE0AC8E-304C-4803-A41D-C9A88D2250BE}" type="datetime1">
+            <a:fld id="{98E2BA0A-F13E-43C1-BF92-8AC7579CC79F}" type="datetime1">
               <a:rPr lang="pl-PL" smtClean="0"/>
-              <a:t>2025-10-15</a:t>
+              <a:t>2025-12-11</a:t>
             </a:fld>
             <a:endParaRPr lang="pl-PL"/>
           </a:p>
@@ -10388,9 +8589,9 @@
           <a:bodyPr/>
           <a:lstStyle/>
           <a:p>
-            <a:fld id="{723F2778-33E9-4C73-88BA-EFEE52D7375D}" type="datetime1">
+            <a:fld id="{E5954C9F-91CA-4351-848B-5F75F775D1D6}" type="datetime1">
               <a:rPr lang="pl-PL" smtClean="0"/>
-              <a:t>2025-10-15</a:t>
+              <a:t>2025-12-11</a:t>
             </a:fld>
             <a:endParaRPr lang="pl-PL"/>
           </a:p>
@@ -10644,9 +8845,9 @@
           <a:bodyPr/>
           <a:lstStyle/>
           <a:p>
-            <a:fld id="{D436DD03-9C4A-4021-B0A0-478E0FACB057}" type="datetime1">
+            <a:fld id="{5118AC0A-09D4-4206-84A8-5BDAD5E44FFD}" type="datetime1">
               <a:rPr lang="pl-PL" smtClean="0"/>
-              <a:t>2025-10-15</a:t>
+              <a:t>2025-12-11</a:t>
             </a:fld>
             <a:endParaRPr lang="pl-PL"/>
           </a:p>
@@ -11015,9 +9216,9 @@
           <a:bodyPr/>
           <a:lstStyle/>
           <a:p>
-            <a:fld id="{73E7A322-F7DD-41A1-B885-BAFC1A3E9783}" type="datetime1">
+            <a:fld id="{49CB8685-86D0-4AF0-875F-4FC8D327D613}" type="datetime1">
               <a:rPr lang="pl-PL" smtClean="0"/>
-              <a:t>2025-10-15</a:t>
+              <a:t>2025-12-11</a:t>
             </a:fld>
             <a:endParaRPr lang="pl-PL"/>
           </a:p>
@@ -11496,9 +9697,9 @@
           <a:bodyPr/>
           <a:lstStyle/>
           <a:p>
-            <a:fld id="{04F2886E-2590-4227-97B6-ED055860ED47}" type="datetime1">
+            <a:fld id="{0F15AC31-C037-4A48-B4F1-C705DAAAD623}" type="datetime1">
               <a:rPr lang="pl-PL" smtClean="0"/>
-              <a:t>2025-10-15</a:t>
+              <a:t>2025-12-11</a:t>
             </a:fld>
             <a:endParaRPr lang="pl-PL"/>
           </a:p>
@@ -11922,9 +10123,9 @@
           <a:bodyPr/>
           <a:lstStyle/>
           <a:p>
-            <a:fld id="{9B6608C5-4B6E-4906-BD15-280A3A776F5F}" type="datetime1">
+            <a:fld id="{BE9A73FC-5BDD-4306-BB4D-867A38E086B8}" type="datetime1">
               <a:rPr lang="pl-PL" smtClean="0"/>
-              <a:t>2025-10-15</a:t>
+              <a:t>2025-12-11</a:t>
             </a:fld>
             <a:endParaRPr lang="pl-PL"/>
           </a:p>
@@ -12278,9 +10479,9 @@
           <a:bodyPr/>
           <a:lstStyle/>
           <a:p>
-            <a:fld id="{B0CDC6B6-9E89-433B-AE03-15221DA1E32C}" type="datetime1">
+            <a:fld id="{5C2691EB-87CC-4953-BDB4-755C9EAEFD94}" type="datetime1">
               <a:rPr lang="pl-PL" smtClean="0"/>
-              <a:t>2025-10-15</a:t>
+              <a:t>2025-12-11</a:t>
             </a:fld>
             <a:endParaRPr lang="pl-PL"/>
           </a:p>
@@ -12635,9 +10836,9 @@
           <a:bodyPr/>
           <a:lstStyle/>
           <a:p>
-            <a:fld id="{52998D59-2578-4965-B563-E0DFB191FA5A}" type="datetime1">
+            <a:fld id="{C115EA41-C029-4FCB-9733-572E7EBD2585}" type="datetime1">
               <a:rPr lang="pl-PL" smtClean="0"/>
-              <a:t>2025-10-15</a:t>
+              <a:t>2025-12-11</a:t>
             </a:fld>
             <a:endParaRPr lang="pl-PL"/>
           </a:p>
@@ -12993,9 +11194,9 @@
           <a:bodyPr/>
           <a:lstStyle/>
           <a:p>
-            <a:fld id="{242988A9-AF88-4D2E-AEE7-4B3449A75660}" type="datetime1">
+            <a:fld id="{8DD3CE0A-1784-4EB8-A5E0-485DCCCBF679}" type="datetime1">
               <a:rPr lang="pl-PL" smtClean="0"/>
-              <a:t>2025-10-15</a:t>
+              <a:t>2025-12-11</a:t>
             </a:fld>
             <a:endParaRPr lang="pl-PL"/>
           </a:p>
@@ -13359,9 +11560,9 @@
           <a:bodyPr/>
           <a:lstStyle/>
           <a:p>
-            <a:fld id="{0817C5DB-8BD9-4410-8B8F-4E672EB7F9DB}" type="datetime1">
+            <a:fld id="{E0D7B04F-2DDF-4622-ADF2-38CF6CCE194A}" type="datetime1">
               <a:rPr lang="pl-PL" smtClean="0"/>
-              <a:t>2025-10-15</a:t>
+              <a:t>2025-12-11</a:t>
             </a:fld>
             <a:endParaRPr lang="pl-PL"/>
           </a:p>
@@ -13552,9 +11753,9 @@
           <a:bodyPr/>
           <a:lstStyle/>
           <a:p>
-            <a:fld id="{9F4F1F4E-6D5A-4B38-939E-6CC677B636BF}" type="datetime1">
+            <a:fld id="{79B623F8-F0FD-4AD0-825F-702C87FE538B}" type="datetime1">
               <a:rPr lang="pl-PL" smtClean="0"/>
-              <a:t>2025-10-15</a:t>
+              <a:t>2025-12-11</a:t>
             </a:fld>
             <a:endParaRPr lang="pl-PL"/>
           </a:p>
@@ -13790,9 +11991,9 @@
           <a:bodyPr/>
           <a:lstStyle/>
           <a:p>
-            <a:fld id="{CBD8CA53-8616-47EA-A665-291B2C129DE9}" type="datetime1">
+            <a:fld id="{ED14277D-03DD-47FB-A6AC-B110E9DF72BD}" type="datetime1">
               <a:rPr lang="pl-PL" smtClean="0"/>
-              <a:t>2025-10-15</a:t>
+              <a:t>2025-12-11</a:t>
             </a:fld>
             <a:endParaRPr lang="pl-PL"/>
           </a:p>
@@ -14094,9 +12295,9 @@
             </a:lvl1pPr>
           </a:lstStyle>
           <a:p>
-            <a:fld id="{0EB9FB0C-1181-4E53-926A-9B5551180E9F}" type="datetime1">
+            <a:fld id="{6C5AE426-28CA-4D4F-9A39-F28F6832EA32}" type="datetime1">
               <a:rPr lang="pl-PL" smtClean="0"/>
-              <a:t>2025-10-15</a:t>
+              <a:t>2025-12-11</a:t>
             </a:fld>
             <a:endParaRPr lang="pl-PL"/>
           </a:p>
@@ -14425,9 +12626,9 @@
             </a:lvl1pPr>
           </a:lstStyle>
           <a:p>
-            <a:fld id="{7AC8B5B1-B13A-4E14-A8EE-C00D24933D0D}" type="datetime1">
+            <a:fld id="{130AA4EE-C88E-49CA-944A-348C93639B22}" type="datetime1">
               <a:rPr lang="pl-PL" smtClean="0"/>
-              <a:t>2025-10-15</a:t>
+              <a:t>2025-12-11</a:t>
             </a:fld>
             <a:endParaRPr lang="pl-PL"/>
           </a:p>
@@ -14692,9 +12893,9 @@
           <a:bodyPr/>
           <a:lstStyle/>
           <a:p>
-            <a:fld id="{8A89A835-5A30-40C1-8C70-E7A04EADB357}" type="datetime1">
+            <a:fld id="{7C5EA4AB-2518-478C-B378-0538AC27B06A}" type="datetime1">
               <a:rPr lang="pl-PL" smtClean="0"/>
-              <a:t>2025-10-15</a:t>
+              <a:t>2025-12-11</a:t>
             </a:fld>
             <a:endParaRPr lang="pl-PL"/>
           </a:p>
@@ -14924,9 +13125,9 @@
           <a:bodyPr/>
           <a:lstStyle/>
           <a:p>
-            <a:fld id="{C00E24F4-E65A-4C93-8426-1E0F31443A03}" type="datetime1">
+            <a:fld id="{4FA2110A-12AD-458D-A6F7-71D54A46F762}" type="datetime1">
               <a:rPr lang="pl-PL" smtClean="0"/>
-              <a:t>2025-10-15</a:t>
+              <a:t>2025-12-11</a:t>
             </a:fld>
             <a:endParaRPr lang="pl-PL"/>
           </a:p>
@@ -15295,9 +13496,9 @@
           <a:bodyPr/>
           <a:lstStyle/>
           <a:p>
-            <a:fld id="{004A9ECF-AF12-434B-9349-6176F44E35C7}" type="datetime1">
+            <a:fld id="{2D7C9931-BD7E-4AB3-B201-1F39C5E2C4FF}" type="datetime1">
               <a:rPr lang="pl-PL" smtClean="0"/>
-              <a:t>2025-10-15</a:t>
+              <a:t>2025-12-11</a:t>
             </a:fld>
             <a:endParaRPr lang="pl-PL"/>
           </a:p>
@@ -15710,9 +13911,9 @@
           <a:bodyPr/>
           <a:lstStyle/>
           <a:p>
-            <a:fld id="{ADE33A59-9393-4D44-B283-7D4D4DCF634A}" type="datetime1">
+            <a:fld id="{B40F6218-F1E0-4DE5-A63A-12BA0C85EC3A}" type="datetime1">
               <a:rPr lang="pl-PL" smtClean="0"/>
-              <a:t>2025-10-15</a:t>
+              <a:t>2025-12-11</a:t>
             </a:fld>
             <a:endParaRPr lang="pl-PL"/>
           </a:p>
@@ -16024,9 +14225,9 @@
           <a:bodyPr/>
           <a:lstStyle/>
           <a:p>
-            <a:fld id="{9F1097E2-6CD5-42D0-89FC-D6980DA5A688}" type="datetime1">
+            <a:fld id="{88B2ECC5-DE26-4FE0-AC4A-3D648318FC98}" type="datetime1">
               <a:rPr lang="pl-PL" smtClean="0"/>
-              <a:t>2025-10-15</a:t>
+              <a:t>2025-12-11</a:t>
             </a:fld>
             <a:endParaRPr lang="pl-PL"/>
           </a:p>
@@ -16318,9 +14519,9 @@
           <a:bodyPr/>
           <a:lstStyle/>
           <a:p>
-            <a:fld id="{AC2715B9-B35B-4005-839C-F23122F267BB}" type="datetime1">
+            <a:fld id="{EA231DA0-5477-422F-9607-9F1ED4880A68}" type="datetime1">
               <a:rPr lang="pl-PL" smtClean="0"/>
-              <a:t>2025-10-15</a:t>
+              <a:t>2025-12-11</a:t>
             </a:fld>
             <a:endParaRPr lang="pl-PL"/>
           </a:p>
@@ -16520,9 +14721,9 @@
           <a:bodyPr/>
           <a:lstStyle/>
           <a:p>
-            <a:fld id="{BA0F37B5-2E61-4CE5-9ABD-641777247504}" type="datetime1">
+            <a:fld id="{666E7798-4EA2-4B82-B2C7-6C5606ABF8B9}" type="datetime1">
               <a:rPr lang="pl-PL" smtClean="0"/>
-              <a:t>2025-10-15</a:t>
+              <a:t>2025-12-11</a:t>
             </a:fld>
             <a:endParaRPr lang="pl-PL"/>
           </a:p>
@@ -16721,9 +14922,9 @@
           <a:bodyPr/>
           <a:lstStyle/>
           <a:p>
-            <a:fld id="{77F07BE5-ABB8-4F84-A4D6-9FE9CA984BE2}" type="datetime1">
+            <a:fld id="{632CEE22-6058-423D-9C81-7B449D5B43FE}" type="datetime1">
               <a:rPr lang="pl-PL" smtClean="0"/>
-              <a:t>2025-10-15</a:t>
+              <a:t>2025-12-11</a:t>
             </a:fld>
             <a:endParaRPr lang="pl-PL"/>
           </a:p>
@@ -16932,9 +15133,9 @@
           <a:bodyPr/>
           <a:lstStyle/>
           <a:p>
-            <a:fld id="{006CA893-E8A4-41D2-9B6B-AE035AD1380D}" type="datetime1">
+            <a:fld id="{89B9B44F-2D74-4E15-8393-F86EEE0208C0}" type="datetime1">
               <a:rPr lang="pl-PL" smtClean="0"/>
-              <a:t>2025-10-15</a:t>
+              <a:t>2025-12-11</a:t>
             </a:fld>
             <a:endParaRPr lang="pl-PL"/>
           </a:p>
@@ -17193,9 +15394,9 @@
           <a:bodyPr/>
           <a:lstStyle/>
           <a:p>
-            <a:fld id="{83EF5E99-004D-4714-809A-11586056D54D}" type="datetime1">
+            <a:fld id="{D45E940A-5FC8-4907-AC88-B5F58EABFBC4}" type="datetime1">
               <a:rPr lang="pl-PL" smtClean="0"/>
-              <a:t>2025-10-15</a:t>
+              <a:t>2025-12-11</a:t>
             </a:fld>
             <a:endParaRPr lang="pl-PL"/>
           </a:p>
@@ -17461,9 +15662,9 @@
           <a:bodyPr/>
           <a:lstStyle/>
           <a:p>
-            <a:fld id="{D6F39A18-2D76-4FD1-BCBD-C48268E60FE4}" type="datetime1">
+            <a:fld id="{1B5B28CA-77A3-47DD-9A46-BFA6ACB731EB}" type="datetime1">
               <a:rPr lang="pl-PL" smtClean="0"/>
-              <a:t>2025-10-15</a:t>
+              <a:t>2025-12-11</a:t>
             </a:fld>
             <a:endParaRPr lang="pl-PL"/>
           </a:p>
@@ -17785,9 +15986,9 @@
           <a:bodyPr/>
           <a:lstStyle/>
           <a:p>
-            <a:fld id="{F209248F-0EF8-4D28-9764-40FF4F232221}" type="datetime1">
+            <a:fld id="{AFA9C5B5-9408-475A-9E8A-1AA28D78BF7B}" type="datetime1">
               <a:rPr lang="pl-PL" smtClean="0"/>
-              <a:t>2025-10-15</a:t>
+              <a:t>2025-12-11</a:t>
             </a:fld>
             <a:endParaRPr lang="pl-PL"/>
           </a:p>
@@ -18057,9 +16258,9 @@
           <a:bodyPr/>
           <a:lstStyle/>
           <a:p>
-            <a:fld id="{5263DCD5-9CDC-44CF-B048-F92A98229DB3}" type="datetime1">
+            <a:fld id="{EF0C29E5-3594-4D0F-A184-CEC2F1FC2F49}" type="datetime1">
               <a:rPr lang="pl-PL" smtClean="0"/>
-              <a:t>2025-10-15</a:t>
+              <a:t>2025-12-11</a:t>
             </a:fld>
             <a:endParaRPr lang="pl-PL"/>
           </a:p>
@@ -18431,9 +16632,9 @@
           <a:bodyPr/>
           <a:lstStyle/>
           <a:p>
-            <a:fld id="{F9889DA2-81C6-4E1A-BCFE-F055077C380C}" type="datetime1">
+            <a:fld id="{2B3190AB-3CC1-4362-B588-9F247754C8E4}" type="datetime1">
               <a:rPr lang="pl-PL" smtClean="0"/>
-              <a:t>2025-10-15</a:t>
+              <a:t>2025-12-11</a:t>
             </a:fld>
             <a:endParaRPr lang="pl-PL"/>
           </a:p>
@@ -18860,9 +17061,9 @@
             </a:lvl1pPr>
           </a:lstStyle>
           <a:p>
-            <a:fld id="{578222DE-7ECD-4AF9-B589-66CF19B6DCBF}" type="datetime1">
+            <a:fld id="{3EB5CCFE-143F-4C76-92D7-4F1AE18BFE96}" type="datetime1">
               <a:rPr lang="pl-PL" smtClean="0"/>
-              <a:t>2025-10-15</a:t>
+              <a:t>2025-12-11</a:t>
             </a:fld>
             <a:endParaRPr lang="pl-PL" dirty="0"/>
           </a:p>
@@ -20275,7 +18476,7 @@
     <p:sldLayoutId id="2147483658" r:id="rId40"/>
     <p:sldLayoutId id="2147483659" r:id="rId41"/>
   </p:sldLayoutIdLst>
-  <p:hf sldNum="0" hdr="0" dt="0"/>
+  <p:hf hdr="0" dt="0"/>
   <p:txStyles>
     <p:titleStyle>
       <a:lvl1pPr algn="l" defTabSz="914400" rtl="0" eaLnBrk="1" latinLnBrk="0" hangingPunct="1">
@@ -20840,14 +19041,6 @@
 <file path=ppt/slides/slide10.xml><?xml version="1.0" encoding="utf-8"?>
 <p:sld xmlns:a="http://schemas.openxmlformats.org/drawingml/2006/main" xmlns:r="http://schemas.openxmlformats.org/officeDocument/2006/relationships" xmlns:p="http://schemas.openxmlformats.org/presentationml/2006/main">
   <p:cSld>
-    <p:bg>
-      <p:bgPr>
-        <a:solidFill>
-          <a:schemeClr val="bg1"/>
-        </a:solidFill>
-        <a:effectLst/>
-      </p:bgPr>
-    </p:bg>
     <p:spTree>
       <p:nvGrpSpPr>
         <p:cNvPr id="1" name=""/>
@@ -21600,6 +19793,35 @@
               <a:rPr lang="pl-PL"/>
               <a:t>Czym jest system kontroli GIT i jak wykorzystać go w praktyce?</a:t>
             </a:r>
+          </a:p>
+        </p:txBody>
+      </p:sp>
+      <p:sp>
+        <p:nvSpPr>
+          <p:cNvPr id="6" name="Symbol zastępczy numeru slajdu 5">
+            <a:extLst>
+              <a:ext uri="{FF2B5EF4-FFF2-40B4-BE49-F238E27FC236}">
+                <a16:creationId xmlns:a16="http://schemas.microsoft.com/office/drawing/2014/main" id="{4FAACE8B-F7B4-CB07-8819-05E30730099A}"/>
+              </a:ext>
+            </a:extLst>
+          </p:cNvPr>
+          <p:cNvSpPr>
+            <a:spLocks noGrp="1"/>
+          </p:cNvSpPr>
+          <p:nvPr>
+            <p:ph type="sldNum" sz="quarter" idx="12"/>
+          </p:nvPr>
+        </p:nvSpPr>
+        <p:spPr/>
+        <p:txBody>
+          <a:bodyPr/>
+          <a:lstStyle/>
+          <a:p>
+            <a:fld id="{5D6A1B8B-EBFB-4D99-BFCD-780F9970EEE1}" type="slidenum">
+              <a:rPr lang="pl-PL" smtClean="0"/>
+              <a:t>10</a:t>
+            </a:fld>
+            <a:endParaRPr lang="pl-PL"/>
           </a:p>
         </p:txBody>
       </p:sp>
@@ -22359,6 +20581,35 @@
           </a:p>
         </p:txBody>
       </p:sp>
+      <p:sp>
+        <p:nvSpPr>
+          <p:cNvPr id="6" name="Symbol zastępczy numeru slajdu 5">
+            <a:extLst>
+              <a:ext uri="{FF2B5EF4-FFF2-40B4-BE49-F238E27FC236}">
+                <a16:creationId xmlns:a16="http://schemas.microsoft.com/office/drawing/2014/main" id="{FDBF8D9B-E454-0035-278D-FE01C3CD30BF}"/>
+              </a:ext>
+            </a:extLst>
+          </p:cNvPr>
+          <p:cNvSpPr>
+            <a:spLocks noGrp="1"/>
+          </p:cNvSpPr>
+          <p:nvPr>
+            <p:ph type="sldNum" sz="quarter" idx="12"/>
+          </p:nvPr>
+        </p:nvSpPr>
+        <p:spPr/>
+        <p:txBody>
+          <a:bodyPr/>
+          <a:lstStyle/>
+          <a:p>
+            <a:fld id="{5D6A1B8B-EBFB-4D99-BFCD-780F9970EEE1}" type="slidenum">
+              <a:rPr lang="pl-PL" smtClean="0"/>
+              <a:t>11</a:t>
+            </a:fld>
+            <a:endParaRPr lang="pl-PL"/>
+          </a:p>
+        </p:txBody>
+      </p:sp>
     </p:spTree>
     <p:extLst>
       <p:ext uri="{BB962C8B-B14F-4D97-AF65-F5344CB8AC3E}">
@@ -22503,6 +20754,35 @@
           </a:p>
         </p:txBody>
       </p:sp>
+      <p:sp>
+        <p:nvSpPr>
+          <p:cNvPr id="3" name="Symbol zastępczy numeru slajdu 2">
+            <a:extLst>
+              <a:ext uri="{FF2B5EF4-FFF2-40B4-BE49-F238E27FC236}">
+                <a16:creationId xmlns:a16="http://schemas.microsoft.com/office/drawing/2014/main" id="{D5023366-78DB-3DF5-B627-15306E2A1B0B}"/>
+              </a:ext>
+            </a:extLst>
+          </p:cNvPr>
+          <p:cNvSpPr>
+            <a:spLocks noGrp="1"/>
+          </p:cNvSpPr>
+          <p:nvPr>
+            <p:ph type="sldNum" sz="quarter" idx="12"/>
+          </p:nvPr>
+        </p:nvSpPr>
+        <p:spPr/>
+        <p:txBody>
+          <a:bodyPr/>
+          <a:lstStyle/>
+          <a:p>
+            <a:fld id="{5D6A1B8B-EBFB-4D99-BFCD-780F9970EEE1}" type="slidenum">
+              <a:rPr lang="pl-PL" smtClean="0"/>
+              <a:t>12</a:t>
+            </a:fld>
+            <a:endParaRPr lang="pl-PL"/>
+          </a:p>
+        </p:txBody>
+      </p:sp>
     </p:spTree>
     <p:extLst>
       <p:ext uri="{BB962C8B-B14F-4D97-AF65-F5344CB8AC3E}">
@@ -22809,6 +21089,35 @@
           </a:p>
         </p:txBody>
       </p:sp>
+      <p:sp>
+        <p:nvSpPr>
+          <p:cNvPr id="4" name="Symbol zastępczy numeru slajdu 3">
+            <a:extLst>
+              <a:ext uri="{FF2B5EF4-FFF2-40B4-BE49-F238E27FC236}">
+                <a16:creationId xmlns:a16="http://schemas.microsoft.com/office/drawing/2014/main" id="{7856753D-0572-D4ED-8EB8-7AFE26A0EC71}"/>
+              </a:ext>
+            </a:extLst>
+          </p:cNvPr>
+          <p:cNvSpPr>
+            <a:spLocks noGrp="1"/>
+          </p:cNvSpPr>
+          <p:nvPr>
+            <p:ph type="sldNum" sz="quarter" idx="12"/>
+          </p:nvPr>
+        </p:nvSpPr>
+        <p:spPr/>
+        <p:txBody>
+          <a:bodyPr/>
+          <a:lstStyle/>
+          <a:p>
+            <a:fld id="{5D6A1B8B-EBFB-4D99-BFCD-780F9970EEE1}" type="slidenum">
+              <a:rPr lang="pl-PL" smtClean="0"/>
+              <a:t>13</a:t>
+            </a:fld>
+            <a:endParaRPr lang="pl-PL"/>
+          </a:p>
+        </p:txBody>
+      </p:sp>
     </p:spTree>
     <p:extLst>
       <p:ext uri="{BB962C8B-B14F-4D97-AF65-F5344CB8AC3E}">
@@ -23052,6 +21361,35 @@
           </a:p>
         </p:txBody>
       </p:sp>
+      <p:sp>
+        <p:nvSpPr>
+          <p:cNvPr id="4" name="Symbol zastępczy numeru slajdu 3">
+            <a:extLst>
+              <a:ext uri="{FF2B5EF4-FFF2-40B4-BE49-F238E27FC236}">
+                <a16:creationId xmlns:a16="http://schemas.microsoft.com/office/drawing/2014/main" id="{F2015CC9-72A8-2FA9-FA30-320CA48FA7F0}"/>
+              </a:ext>
+            </a:extLst>
+          </p:cNvPr>
+          <p:cNvSpPr>
+            <a:spLocks noGrp="1"/>
+          </p:cNvSpPr>
+          <p:nvPr>
+            <p:ph type="sldNum" sz="quarter" idx="12"/>
+          </p:nvPr>
+        </p:nvSpPr>
+        <p:spPr/>
+        <p:txBody>
+          <a:bodyPr/>
+          <a:lstStyle/>
+          <a:p>
+            <a:fld id="{5D6A1B8B-EBFB-4D99-BFCD-780F9970EEE1}" type="slidenum">
+              <a:rPr lang="pl-PL" smtClean="0"/>
+              <a:t>14</a:t>
+            </a:fld>
+            <a:endParaRPr lang="pl-PL"/>
+          </a:p>
+        </p:txBody>
+      </p:sp>
     </p:spTree>
     <p:extLst>
       <p:ext uri="{BB962C8B-B14F-4D97-AF65-F5344CB8AC3E}">
@@ -23341,6 +21679,35 @@
           </a:p>
         </p:txBody>
       </p:sp>
+      <p:sp>
+        <p:nvSpPr>
+          <p:cNvPr id="4" name="Symbol zastępczy numeru slajdu 3">
+            <a:extLst>
+              <a:ext uri="{FF2B5EF4-FFF2-40B4-BE49-F238E27FC236}">
+                <a16:creationId xmlns:a16="http://schemas.microsoft.com/office/drawing/2014/main" id="{004595E3-8D55-D30C-1F84-D3BD040062F2}"/>
+              </a:ext>
+            </a:extLst>
+          </p:cNvPr>
+          <p:cNvSpPr>
+            <a:spLocks noGrp="1"/>
+          </p:cNvSpPr>
+          <p:nvPr>
+            <p:ph type="sldNum" sz="quarter" idx="12"/>
+          </p:nvPr>
+        </p:nvSpPr>
+        <p:spPr/>
+        <p:txBody>
+          <a:bodyPr/>
+          <a:lstStyle/>
+          <a:p>
+            <a:fld id="{5D6A1B8B-EBFB-4D99-BFCD-780F9970EEE1}" type="slidenum">
+              <a:rPr lang="pl-PL" smtClean="0"/>
+              <a:t>15</a:t>
+            </a:fld>
+            <a:endParaRPr lang="pl-PL"/>
+          </a:p>
+        </p:txBody>
+      </p:sp>
     </p:spTree>
     <p:extLst>
       <p:ext uri="{BB962C8B-B14F-4D97-AF65-F5344CB8AC3E}">
@@ -23485,6 +21852,35 @@
           </a:p>
         </p:txBody>
       </p:sp>
+      <p:sp>
+        <p:nvSpPr>
+          <p:cNvPr id="3" name="Symbol zastępczy numeru slajdu 2">
+            <a:extLst>
+              <a:ext uri="{FF2B5EF4-FFF2-40B4-BE49-F238E27FC236}">
+                <a16:creationId xmlns:a16="http://schemas.microsoft.com/office/drawing/2014/main" id="{F05BC80C-61E7-5866-B45E-8DA8BFA1D388}"/>
+              </a:ext>
+            </a:extLst>
+          </p:cNvPr>
+          <p:cNvSpPr>
+            <a:spLocks noGrp="1"/>
+          </p:cNvSpPr>
+          <p:nvPr>
+            <p:ph type="sldNum" sz="quarter" idx="12"/>
+          </p:nvPr>
+        </p:nvSpPr>
+        <p:spPr/>
+        <p:txBody>
+          <a:bodyPr/>
+          <a:lstStyle/>
+          <a:p>
+            <a:fld id="{5D6A1B8B-EBFB-4D99-BFCD-780F9970EEE1}" type="slidenum">
+              <a:rPr lang="pl-PL" smtClean="0"/>
+              <a:t>16</a:t>
+            </a:fld>
+            <a:endParaRPr lang="pl-PL"/>
+          </a:p>
+        </p:txBody>
+      </p:sp>
     </p:spTree>
     <p:extLst>
       <p:ext uri="{BB962C8B-B14F-4D97-AF65-F5344CB8AC3E}">
@@ -23741,19 +22137,62 @@
               <a:buAutoNum type="arabicPeriod"/>
             </a:pPr>
             <a:r>
-              <a:rPr lang="pl-PL">
+              <a:rPr lang="pl-PL" dirty="0">
                 <a:latin typeface="Arial" panose="020B0604020202020204" pitchFamily="34" charset="0"/>
                 <a:cs typeface="Arial" panose="020B0604020202020204" pitchFamily="34" charset="0"/>
               </a:rPr>
-              <a:t>Skopiuj ścieżkę repozytorium zdalnego: </a:t>
-            </a:r>
+              <a:t>Zapoznaj się ze zdalnym repozytorium (2 opcje):</a:t>
+            </a:r>
+          </a:p>
+          <a:p>
+            <a:pPr marL="457200" lvl="1" indent="0">
+              <a:buNone/>
+            </a:pPr>
             <a:r>
               <a:rPr lang="pl-PL" dirty="0">
                 <a:latin typeface="Arial" panose="020B0604020202020204" pitchFamily="34" charset="0"/>
                 <a:cs typeface="Arial" panose="020B0604020202020204" pitchFamily="34" charset="0"/>
-                <a:hlinkClick r:id="rId2"/>
               </a:rPr>
-              <a:t>LINK</a:t>
+              <a:t>Lokalizacja sieciowa: </a:t>
+            </a:r>
+            <a:r>
+              <a:rPr lang="pl-PL" dirty="0">
+                <a:latin typeface="Arial" panose="020B0604020202020204" pitchFamily="34" charset="0"/>
+                <a:cs typeface="Arial" panose="020B0604020202020204" pitchFamily="34" charset="0"/>
+                <a:hlinkClick r:id="rId2" action="ppaction://hlinkfile"/>
+              </a:rPr>
+              <a:t>\\PLIKI1\BWS_Online\Szkolenie_GIT_KK\bare</a:t>
+            </a:r>
+            <a:endParaRPr lang="pl-PL" dirty="0">
+              <a:latin typeface="Arial" panose="020B0604020202020204" pitchFamily="34" charset="0"/>
+              <a:cs typeface="Arial" panose="020B0604020202020204" pitchFamily="34" charset="0"/>
+            </a:endParaRPr>
+          </a:p>
+          <a:p>
+            <a:pPr marL="457200" lvl="1" indent="0">
+              <a:buNone/>
+            </a:pPr>
+            <a:r>
+              <a:rPr lang="pl-PL" dirty="0" err="1">
+                <a:latin typeface="Arial" panose="020B0604020202020204" pitchFamily="34" charset="0"/>
+                <a:cs typeface="Arial" panose="020B0604020202020204" pitchFamily="34" charset="0"/>
+              </a:rPr>
+              <a:t>Repo</a:t>
+            </a:r>
+            <a:r>
+              <a:rPr lang="pl-PL" dirty="0">
+                <a:latin typeface="Arial" panose="020B0604020202020204" pitchFamily="34" charset="0"/>
+                <a:cs typeface="Arial" panose="020B0604020202020204" pitchFamily="34" charset="0"/>
+              </a:rPr>
+              <a:t> on-line: </a:t>
+            </a:r>
+            <a:r>
+              <a:rPr lang="pl-PL" dirty="0">
+                <a:latin typeface="Arial" panose="020B0604020202020204" pitchFamily="34" charset="0"/>
+                <a:cs typeface="Arial" panose="020B0604020202020204" pitchFamily="34" charset="0"/>
+                <a:hlinkClick r:id="rId3"/>
+              </a:rPr>
+              <a:t>https://github.com/KrystynaKan/szkolenie_git.git</a:t>
             </a:r>
             <a:endParaRPr lang="pl-PL" dirty="0">
               <a:latin typeface="Arial" panose="020B0604020202020204" pitchFamily="34" charset="0"/>
@@ -23935,6 +22374,35 @@
               <a:rPr lang="pl-PL"/>
               <a:t>Czym jest system kontroli GIT i jak wykorzystać go w praktyce?</a:t>
             </a:r>
+          </a:p>
+        </p:txBody>
+      </p:sp>
+      <p:sp>
+        <p:nvSpPr>
+          <p:cNvPr id="4" name="Symbol zastępczy numeru slajdu 3">
+            <a:extLst>
+              <a:ext uri="{FF2B5EF4-FFF2-40B4-BE49-F238E27FC236}">
+                <a16:creationId xmlns:a16="http://schemas.microsoft.com/office/drawing/2014/main" id="{D95C69A2-DB81-A3D4-5368-91099FD55E38}"/>
+              </a:ext>
+            </a:extLst>
+          </p:cNvPr>
+          <p:cNvSpPr>
+            <a:spLocks noGrp="1"/>
+          </p:cNvSpPr>
+          <p:nvPr>
+            <p:ph type="sldNum" sz="quarter" idx="12"/>
+          </p:nvPr>
+        </p:nvSpPr>
+        <p:spPr/>
+        <p:txBody>
+          <a:bodyPr/>
+          <a:lstStyle/>
+          <a:p>
+            <a:fld id="{5D6A1B8B-EBFB-4D99-BFCD-780F9970EEE1}" type="slidenum">
+              <a:rPr lang="pl-PL" smtClean="0"/>
+              <a:t>17</a:t>
+            </a:fld>
+            <a:endParaRPr lang="pl-PL"/>
           </a:p>
         </p:txBody>
       </p:sp>
@@ -24225,6 +22693,35 @@
           </a:p>
         </p:txBody>
       </p:sp>
+      <p:sp>
+        <p:nvSpPr>
+          <p:cNvPr id="6" name="Symbol zastępczy numeru slajdu 5">
+            <a:extLst>
+              <a:ext uri="{FF2B5EF4-FFF2-40B4-BE49-F238E27FC236}">
+                <a16:creationId xmlns:a16="http://schemas.microsoft.com/office/drawing/2014/main" id="{E4939832-9CAA-C0F7-A59C-B7B72608FC16}"/>
+              </a:ext>
+            </a:extLst>
+          </p:cNvPr>
+          <p:cNvSpPr>
+            <a:spLocks noGrp="1"/>
+          </p:cNvSpPr>
+          <p:nvPr>
+            <p:ph type="sldNum" sz="quarter" idx="12"/>
+          </p:nvPr>
+        </p:nvSpPr>
+        <p:spPr/>
+        <p:txBody>
+          <a:bodyPr/>
+          <a:lstStyle/>
+          <a:p>
+            <a:fld id="{5D6A1B8B-EBFB-4D99-BFCD-780F9970EEE1}" type="slidenum">
+              <a:rPr lang="pl-PL" smtClean="0"/>
+              <a:t>2</a:t>
+            </a:fld>
+            <a:endParaRPr lang="pl-PL"/>
+          </a:p>
+        </p:txBody>
+      </p:sp>
     </p:spTree>
     <p:extLst>
       <p:ext uri="{BB962C8B-B14F-4D97-AF65-F5344CB8AC3E}">
@@ -24366,6 +22863,35 @@
               <a:rPr lang="pl-PL"/>
               <a:t>Czym jest system kontroli GIT i jak wykorzystać go w praktyce?</a:t>
             </a:r>
+          </a:p>
+        </p:txBody>
+      </p:sp>
+      <p:sp>
+        <p:nvSpPr>
+          <p:cNvPr id="3" name="Symbol zastępczy numeru slajdu 2">
+            <a:extLst>
+              <a:ext uri="{FF2B5EF4-FFF2-40B4-BE49-F238E27FC236}">
+                <a16:creationId xmlns:a16="http://schemas.microsoft.com/office/drawing/2014/main" id="{0622793F-AD4E-58C8-8418-EEC835882F92}"/>
+              </a:ext>
+            </a:extLst>
+          </p:cNvPr>
+          <p:cNvSpPr>
+            <a:spLocks noGrp="1"/>
+          </p:cNvSpPr>
+          <p:nvPr>
+            <p:ph type="sldNum" sz="quarter" idx="12"/>
+          </p:nvPr>
+        </p:nvSpPr>
+        <p:spPr/>
+        <p:txBody>
+          <a:bodyPr/>
+          <a:lstStyle/>
+          <a:p>
+            <a:fld id="{5D6A1B8B-EBFB-4D99-BFCD-780F9970EEE1}" type="slidenum">
+              <a:rPr lang="pl-PL" smtClean="0"/>
+              <a:t>3</a:t>
+            </a:fld>
+            <a:endParaRPr lang="pl-PL"/>
           </a:p>
         </p:txBody>
       </p:sp>
@@ -25238,6 +23764,35 @@
           </a:p>
         </p:txBody>
       </p:sp>
+      <p:sp>
+        <p:nvSpPr>
+          <p:cNvPr id="4" name="Symbol zastępczy numeru slajdu 3">
+            <a:extLst>
+              <a:ext uri="{FF2B5EF4-FFF2-40B4-BE49-F238E27FC236}">
+                <a16:creationId xmlns:a16="http://schemas.microsoft.com/office/drawing/2014/main" id="{CBAAF8AA-1413-8290-5F74-3C75EE75ADEF}"/>
+              </a:ext>
+            </a:extLst>
+          </p:cNvPr>
+          <p:cNvSpPr>
+            <a:spLocks noGrp="1"/>
+          </p:cNvSpPr>
+          <p:nvPr>
+            <p:ph type="sldNum" sz="quarter" idx="12"/>
+          </p:nvPr>
+        </p:nvSpPr>
+        <p:spPr/>
+        <p:txBody>
+          <a:bodyPr/>
+          <a:lstStyle/>
+          <a:p>
+            <a:fld id="{5D6A1B8B-EBFB-4D99-BFCD-780F9970EEE1}" type="slidenum">
+              <a:rPr lang="pl-PL" smtClean="0"/>
+              <a:t>4</a:t>
+            </a:fld>
+            <a:endParaRPr lang="pl-PL"/>
+          </a:p>
+        </p:txBody>
+      </p:sp>
     </p:spTree>
     <p:extLst>
       <p:ext uri="{BB962C8B-B14F-4D97-AF65-F5344CB8AC3E}">
@@ -25564,6 +24119,35 @@
               <a:rPr lang="pl-PL"/>
               <a:t>Czym jest system kontroli GIT i jak wykorzystać go w praktyce?</a:t>
             </a:r>
+          </a:p>
+        </p:txBody>
+      </p:sp>
+      <p:sp>
+        <p:nvSpPr>
+          <p:cNvPr id="4" name="Symbol zastępczy numeru slajdu 3">
+            <a:extLst>
+              <a:ext uri="{FF2B5EF4-FFF2-40B4-BE49-F238E27FC236}">
+                <a16:creationId xmlns:a16="http://schemas.microsoft.com/office/drawing/2014/main" id="{8A7BECE1-5F5D-AAC9-CF62-530D1AD4D6A4}"/>
+              </a:ext>
+            </a:extLst>
+          </p:cNvPr>
+          <p:cNvSpPr>
+            <a:spLocks noGrp="1"/>
+          </p:cNvSpPr>
+          <p:nvPr>
+            <p:ph type="sldNum" sz="quarter" idx="12"/>
+          </p:nvPr>
+        </p:nvSpPr>
+        <p:spPr/>
+        <p:txBody>
+          <a:bodyPr/>
+          <a:lstStyle/>
+          <a:p>
+            <a:fld id="{5D6A1B8B-EBFB-4D99-BFCD-780F9970EEE1}" type="slidenum">
+              <a:rPr lang="pl-PL" smtClean="0"/>
+              <a:t>5</a:t>
+            </a:fld>
+            <a:endParaRPr lang="pl-PL"/>
           </a:p>
         </p:txBody>
       </p:sp>
@@ -27263,6 +25847,35 @@
           </a:p>
         </p:txBody>
       </p:sp>
+      <p:sp>
+        <p:nvSpPr>
+          <p:cNvPr id="4" name="Symbol zastępczy numeru slajdu 3">
+            <a:extLst>
+              <a:ext uri="{FF2B5EF4-FFF2-40B4-BE49-F238E27FC236}">
+                <a16:creationId xmlns:a16="http://schemas.microsoft.com/office/drawing/2014/main" id="{BA425A3F-A3D0-D2CB-EA45-DC1B3026CB74}"/>
+              </a:ext>
+            </a:extLst>
+          </p:cNvPr>
+          <p:cNvSpPr>
+            <a:spLocks noGrp="1"/>
+          </p:cNvSpPr>
+          <p:nvPr>
+            <p:ph type="sldNum" sz="quarter" idx="12"/>
+          </p:nvPr>
+        </p:nvSpPr>
+        <p:spPr/>
+        <p:txBody>
+          <a:bodyPr/>
+          <a:lstStyle/>
+          <a:p>
+            <a:fld id="{5D6A1B8B-EBFB-4D99-BFCD-780F9970EEE1}" type="slidenum">
+              <a:rPr lang="pl-PL" smtClean="0"/>
+              <a:t>6</a:t>
+            </a:fld>
+            <a:endParaRPr lang="pl-PL"/>
+          </a:p>
+        </p:txBody>
+      </p:sp>
     </p:spTree>
     <p:extLst>
       <p:ext uri="{BB962C8B-B14F-4D97-AF65-F5344CB8AC3E}">
@@ -27405,6 +26018,35 @@
               <a:rPr lang="pl-PL"/>
               <a:t>Czym jest system kontroli GIT i jak wykorzystać go w praktyce?</a:t>
             </a:r>
+          </a:p>
+        </p:txBody>
+      </p:sp>
+      <p:sp>
+        <p:nvSpPr>
+          <p:cNvPr id="3" name="Symbol zastępczy numeru slajdu 2">
+            <a:extLst>
+              <a:ext uri="{FF2B5EF4-FFF2-40B4-BE49-F238E27FC236}">
+                <a16:creationId xmlns:a16="http://schemas.microsoft.com/office/drawing/2014/main" id="{ED9734BD-FFE8-4C13-4E30-CAC2407FD186}"/>
+              </a:ext>
+            </a:extLst>
+          </p:cNvPr>
+          <p:cNvSpPr>
+            <a:spLocks noGrp="1"/>
+          </p:cNvSpPr>
+          <p:nvPr>
+            <p:ph type="sldNum" sz="quarter" idx="12"/>
+          </p:nvPr>
+        </p:nvSpPr>
+        <p:spPr/>
+        <p:txBody>
+          <a:bodyPr/>
+          <a:lstStyle/>
+          <a:p>
+            <a:fld id="{5D6A1B8B-EBFB-4D99-BFCD-780F9970EEE1}" type="slidenum">
+              <a:rPr lang="pl-PL" smtClean="0"/>
+              <a:t>7</a:t>
+            </a:fld>
+            <a:endParaRPr lang="pl-PL"/>
           </a:p>
         </p:txBody>
       </p:sp>
@@ -28073,6 +26715,35 @@
           </a:p>
         </p:txBody>
       </p:sp>
+      <p:sp>
+        <p:nvSpPr>
+          <p:cNvPr id="3" name="Symbol zastępczy numeru slajdu 2">
+            <a:extLst>
+              <a:ext uri="{FF2B5EF4-FFF2-40B4-BE49-F238E27FC236}">
+                <a16:creationId xmlns:a16="http://schemas.microsoft.com/office/drawing/2014/main" id="{8645D9CF-D2E4-8FDB-1A63-98BDF700434A}"/>
+              </a:ext>
+            </a:extLst>
+          </p:cNvPr>
+          <p:cNvSpPr>
+            <a:spLocks noGrp="1"/>
+          </p:cNvSpPr>
+          <p:nvPr>
+            <p:ph type="sldNum" sz="quarter" idx="12"/>
+          </p:nvPr>
+        </p:nvSpPr>
+        <p:spPr/>
+        <p:txBody>
+          <a:bodyPr/>
+          <a:lstStyle/>
+          <a:p>
+            <a:fld id="{5D6A1B8B-EBFB-4D99-BFCD-780F9970EEE1}" type="slidenum">
+              <a:rPr lang="pl-PL" smtClean="0"/>
+              <a:t>8</a:t>
+            </a:fld>
+            <a:endParaRPr lang="pl-PL"/>
+          </a:p>
+        </p:txBody>
+      </p:sp>
     </p:spTree>
     <p:extLst>
       <p:ext uri="{BB962C8B-B14F-4D97-AF65-F5344CB8AC3E}">
@@ -28605,6 +27276,35 @@
               <a:rPr lang="pl-PL"/>
               <a:t>Czym jest system kontroli GIT i jak wykorzystać go w praktyce?</a:t>
             </a:r>
+          </a:p>
+        </p:txBody>
+      </p:sp>
+      <p:sp>
+        <p:nvSpPr>
+          <p:cNvPr id="3" name="Symbol zastępczy numeru slajdu 2">
+            <a:extLst>
+              <a:ext uri="{FF2B5EF4-FFF2-40B4-BE49-F238E27FC236}">
+                <a16:creationId xmlns:a16="http://schemas.microsoft.com/office/drawing/2014/main" id="{F2A61BA8-6C11-6910-713B-0873C29D0893}"/>
+              </a:ext>
+            </a:extLst>
+          </p:cNvPr>
+          <p:cNvSpPr>
+            <a:spLocks noGrp="1"/>
+          </p:cNvSpPr>
+          <p:nvPr>
+            <p:ph type="sldNum" sz="quarter" idx="12"/>
+          </p:nvPr>
+        </p:nvSpPr>
+        <p:spPr/>
+        <p:txBody>
+          <a:bodyPr/>
+          <a:lstStyle/>
+          <a:p>
+            <a:fld id="{5D6A1B8B-EBFB-4D99-BFCD-780F9970EEE1}" type="slidenum">
+              <a:rPr lang="pl-PL" smtClean="0"/>
+              <a:t>9</a:t>
+            </a:fld>
+            <a:endParaRPr lang="pl-PL"/>
           </a:p>
         </p:txBody>
       </p:sp>
